--- a/org.faktorips.doc/schulung/anwendungsentwicklung2/FaktorIPS-Schulung 3-C - Modellierung Produktseite.pptx
+++ b/org.faktorips.doc/schulung/anwendungsentwicklung2/FaktorIPS-Schulung 3-C - Modellierung Produktseite.pptx
@@ -218,59 +218,6 @@
         </p14:section>
       </p14:sectionLst>
     </p:ext>
-    <p:ext uri="{EFAFB233-063F-42B5-8137-9DF3F51BA10A}">
-      <p15:sldGuideLst xmlns:p15="http://schemas.microsoft.com/office/powerpoint/2012/main">
-        <p15:guide id="1" orient="horz" pos="2160">
-          <p15:clr>
-            <a:srgbClr val="A4A3A4"/>
-          </p15:clr>
-        </p15:guide>
-        <p15:guide id="2" orient="horz" pos="3317">
-          <p15:clr>
-            <a:srgbClr val="A4A3A4"/>
-          </p15:clr>
-        </p15:guide>
-        <p15:guide id="3" orient="horz" pos="2478">
-          <p15:clr>
-            <a:srgbClr val="A4A3A4"/>
-          </p15:clr>
-        </p15:guide>
-        <p15:guide id="4" orient="horz" pos="822">
-          <p15:clr>
-            <a:srgbClr val="A4A3A4"/>
-          </p15:clr>
-        </p15:guide>
-        <p15:guide id="5" orient="horz" pos="3498">
-          <p15:clr>
-            <a:srgbClr val="A4A3A4"/>
-          </p15:clr>
-        </p15:guide>
-        <p15:guide id="6" pos="3356">
-          <p15:clr>
-            <a:srgbClr val="A4A3A4"/>
-          </p15:clr>
-        </p15:guide>
-        <p15:guide id="7" pos="158">
-          <p15:clr>
-            <a:srgbClr val="A4A3A4"/>
-          </p15:clr>
-        </p15:guide>
-      </p15:sldGuideLst>
-    </p:ext>
-    <p:ext uri="{2D200454-40CA-4A62-9FC3-DE9A4176ACB9}">
-      <p15:notesGuideLst xmlns:p15="http://schemas.microsoft.com/office/powerpoint/2012/main">
-        <p15:guide id="1" orient="horz" pos="3104">
-          <p15:clr>
-            <a:srgbClr val="A4A3A4"/>
-          </p15:clr>
-        </p15:guide>
-        <p15:guide id="2" pos="2116">
-          <p15:clr>
-            <a:srgbClr val="A4A3A4"/>
-          </p15:clr>
-        </p15:guide>
-      </p15:notesGuideLst>
-    </p:ext>
   </p:extLst>
 </p:presentation>
 </file>
@@ -1042,11 +989,6 @@
         </p:txBody>
       </p:sp>
     </p:spTree>
-    <p:extLst>
-      <p:ext uri="{BB962C8B-B14F-4D97-AF65-F5344CB8AC3E}">
-        <p14:creationId xmlns:p14="http://schemas.microsoft.com/office/powerpoint/2010/main" val="588866779"/>
-      </p:ext>
-    </p:extLst>
   </p:cSld>
   <p:clrMapOvr>
     <a:masterClrMapping/>
@@ -1129,11 +1071,6 @@
         </p:txBody>
       </p:sp>
     </p:spTree>
-    <p:extLst>
-      <p:ext uri="{BB962C8B-B14F-4D97-AF65-F5344CB8AC3E}">
-        <p14:creationId xmlns:p14="http://schemas.microsoft.com/office/powerpoint/2010/main" val="2633618201"/>
-      </p:ext>
-    </p:extLst>
   </p:cSld>
   <p:clrMapOvr>
     <a:masterClrMapping/>
@@ -1216,11 +1153,6 @@
         </p:txBody>
       </p:sp>
     </p:spTree>
-    <p:extLst>
-      <p:ext uri="{BB962C8B-B14F-4D97-AF65-F5344CB8AC3E}">
-        <p14:creationId xmlns:p14="http://schemas.microsoft.com/office/powerpoint/2010/main" val="1114623959"/>
-      </p:ext>
-    </p:extLst>
   </p:cSld>
   <p:clrMapOvr>
     <a:masterClrMapping/>
@@ -1320,7 +1252,7 @@
           <a:p>
             <a:fld id="{A9A69B4D-59F3-4685-80DB-21A7405CC474}" type="datetime1">
               <a:rPr lang="de-DE" smtClean="0"/>
-              <a:t>29.09.2015</a:t>
+              <a:t>15.04.2015</a:t>
             </a:fld>
             <a:endParaRPr lang="de-DE" dirty="0"/>
           </a:p>
@@ -2653,7 +2585,7 @@
           <a:p>
             <a:fld id="{F952188C-EBCA-4D72-937B-CA4757EA6AAE}" type="datetime1">
               <a:rPr lang="de-DE" smtClean="0"/>
-              <a:t>29.09.2015</a:t>
+              <a:t>15.04.2015</a:t>
             </a:fld>
             <a:endParaRPr lang="de-DE" dirty="0"/>
           </a:p>
@@ -2850,7 +2782,7 @@
           <a:p>
             <a:fld id="{384E3EA2-7308-44C6-8772-FC663B756875}" type="datetime1">
               <a:rPr lang="de-DE" smtClean="0"/>
-              <a:t>29.09.2015</a:t>
+              <a:t>15.04.2015</a:t>
             </a:fld>
             <a:endParaRPr lang="de-DE" dirty="0"/>
           </a:p>
@@ -3792,7 +3724,7 @@
           <a:p>
             <a:fld id="{F76A15A3-68D8-41AF-8B47-D9651D8EA3AA}" type="datetime1">
               <a:rPr lang="de-DE" smtClean="0"/>
-              <a:t>29.09.2015</a:t>
+              <a:t>15.04.2015</a:t>
             </a:fld>
             <a:endParaRPr lang="de-DE" dirty="0"/>
           </a:p>
@@ -3969,7 +3901,7 @@
           <a:p>
             <a:fld id="{6CF59BC6-DC10-477A-A04D-9BAA99F49B8B}" type="datetime1">
               <a:rPr lang="de-DE" smtClean="0"/>
-              <a:t>29.09.2015</a:t>
+              <a:t>15.04.2015</a:t>
             </a:fld>
             <a:endParaRPr lang="de-DE" dirty="0"/>
           </a:p>
@@ -4174,7 +4106,7 @@
           <a:p>
             <a:fld id="{0055C5F6-2756-4509-8497-2CE83A7B4FD5}" type="datetime1">
               <a:rPr lang="de-DE" smtClean="0"/>
-              <a:t>29.09.2015</a:t>
+              <a:t>15.04.2015</a:t>
             </a:fld>
             <a:endParaRPr lang="de-DE" dirty="0"/>
           </a:p>
@@ -4346,7 +4278,7 @@
           <a:p>
             <a:fld id="{2AC1F88E-FC1E-4ED7-AFB2-FE76D16796DD}" type="datetime1">
               <a:rPr lang="de-DE" smtClean="0"/>
-              <a:t>29.09.2015</a:t>
+              <a:t>15.04.2015</a:t>
             </a:fld>
             <a:endParaRPr lang="de-DE" dirty="0"/>
           </a:p>
@@ -4567,7 +4499,7 @@
           <a:p>
             <a:fld id="{D9B6279E-53A7-4656-A7B5-9E7B07E8FB4E}" type="datetime1">
               <a:rPr lang="de-DE" smtClean="0"/>
-              <a:t>29.09.2015</a:t>
+              <a:t>15.04.2015</a:t>
             </a:fld>
             <a:endParaRPr lang="de-DE" dirty="0"/>
           </a:p>
@@ -4765,7 +4697,7 @@
           <a:p>
             <a:fld id="{0D46D78C-2856-4360-9378-5B7FEF775369}" type="datetime1">
               <a:rPr lang="de-DE" smtClean="0"/>
-              <a:t>29.09.2015</a:t>
+              <a:t>15.04.2015</a:t>
             </a:fld>
             <a:endParaRPr lang="de-DE" dirty="0"/>
           </a:p>
@@ -6032,7 +5964,7 @@
           <a:p>
             <a:fld id="{F66E7E07-E70F-4035-B745-10D58F9E4EE1}" type="datetime1">
               <a:rPr lang="de-DE" smtClean="0"/>
-              <a:t>29.09.2015</a:t>
+              <a:t>15.04.2015</a:t>
             </a:fld>
             <a:endParaRPr lang="de-DE" dirty="0"/>
           </a:p>
@@ -7020,7 +6952,7 @@
           <a:p>
             <a:fld id="{EB6BB14C-1D29-49F4-A361-4DFE3CDB639E}" type="datetime1">
               <a:rPr lang="de-DE" smtClean="0"/>
-              <a:t>29.09.2015</a:t>
+              <a:t>15.04.2015</a:t>
             </a:fld>
             <a:endParaRPr lang="de-DE" dirty="0"/>
           </a:p>
@@ -7591,7 +7523,7 @@
           <a:p>
             <a:fld id="{D9400105-BE21-46EA-969D-5905279EBF9A}" type="datetime1">
               <a:rPr lang="de-DE" smtClean="0"/>
-              <a:t>29.09.2015</a:t>
+              <a:t>15.04.2015</a:t>
             </a:fld>
             <a:endParaRPr lang="de-DE" dirty="0"/>
           </a:p>
@@ -9082,7 +9014,7 @@
           <a:p>
             <a:fld id="{B36B3D74-888B-4579-8ECA-F79ED67C9FED}" type="datetime1">
               <a:rPr lang="de-DE" smtClean="0"/>
-              <a:t>29.09.2015</a:t>
+              <a:t>15.04.2015</a:t>
             </a:fld>
             <a:endParaRPr lang="de-DE" dirty="0"/>
           </a:p>
@@ -10838,7 +10770,7 @@
           <a:p>
             <a:fld id="{CCA4CB57-E79D-442B-B4A3-2B58392E5AB2}" type="datetime1">
               <a:rPr lang="de-DE" smtClean="0"/>
-              <a:t>29.09.2015</a:t>
+              <a:t>15.04.2015</a:t>
             </a:fld>
             <a:endParaRPr lang="de-DE" dirty="0"/>
           </a:p>
@@ -10924,7 +10856,7 @@
           <a:p>
             <a:fld id="{9813B57C-2DE6-414E-8D11-766986C9CA20}" type="datetime1">
               <a:rPr lang="de-DE" smtClean="0"/>
-              <a:t>29.09.2015</a:t>
+              <a:t>15.04.2015</a:t>
             </a:fld>
             <a:endParaRPr lang="de-DE" dirty="0"/>
           </a:p>
@@ -11042,7 +10974,7 @@
           <a:p>
             <a:fld id="{5F5C0FB0-339F-40BE-880C-9EA7459F27BC}" type="datetime1">
               <a:rPr lang="de-DE" smtClean="0"/>
-              <a:t>29.09.2015</a:t>
+              <a:t>15.04.2015</a:t>
             </a:fld>
             <a:endParaRPr lang="de-DE" dirty="0"/>
           </a:p>
@@ -12503,7 +12435,7 @@
           <a:p>
             <a:fld id="{C96F69F2-750A-429E-ABBF-76BA201674AD}" type="datetime1">
               <a:rPr lang="de-DE" smtClean="0"/>
-              <a:t>29.09.2015</a:t>
+              <a:t>15.04.2015</a:t>
             </a:fld>
             <a:endParaRPr lang="de-DE" dirty="0"/>
           </a:p>
@@ -13014,7 +12946,7 @@
           <a:p>
             <a:fld id="{68987C90-B923-4191-B0D9-0568E390164D}" type="datetime1">
               <a:rPr lang="de-DE" smtClean="0"/>
-              <a:t>29.09.2015</a:t>
+              <a:t>15.04.2015</a:t>
             </a:fld>
             <a:endParaRPr lang="de-DE" dirty="0"/>
           </a:p>
@@ -13199,14 +13131,14 @@
                 </a:buClr>
               </a:pPr>
               <a:r>
-                <a:rPr lang="en-US" sz="1000" dirty="0" err="1" smtClean="0"/>
+                <a:rPr lang="en-US" sz="1000" i="1" dirty="0" err="1" smtClean="0"/>
                 <a:t>defaultZahlweise</a:t>
               </a:r>
               <a:r>
-                <a:rPr lang="en-US" sz="1000" dirty="0" smtClean="0"/>
+                <a:rPr lang="en-US" sz="1000" i="1" dirty="0" smtClean="0"/>
                 <a:t> : Integer</a:t>
               </a:r>
-              <a:endParaRPr lang="en-US" sz="1000" dirty="0"/>
+              <a:endParaRPr lang="en-US" sz="1000" i="1" dirty="0"/>
             </a:p>
             <a:p>
               <a:pPr defTabSz="971550">
@@ -13224,14 +13156,18 @@
                 </a:buClr>
               </a:pPr>
               <a:r>
-                <a:rPr lang="en-US" sz="1000" dirty="0" err="1" smtClean="0"/>
+                <a:rPr lang="en-US" sz="1000" i="1" dirty="0" err="1" smtClean="0"/>
                 <a:t>allowedValuesForZahlweise</a:t>
               </a:r>
               <a:r>
-                <a:rPr lang="en-US" sz="1000" dirty="0" smtClean="0"/>
-                <a:t> : Collection</a:t>
+                <a:rPr lang="en-US" sz="1000" i="1" dirty="0" smtClean="0"/>
+                <a:t> : </a:t>
               </a:r>
-              <a:endParaRPr lang="en-US" sz="1000" dirty="0"/>
+              <a:r>
+                <a:rPr lang="en-US" sz="1000" i="1" dirty="0" smtClean="0"/>
+                <a:t>List</a:t>
+              </a:r>
+              <a:endParaRPr lang="en-US" sz="1000" i="1" dirty="0"/>
             </a:p>
             <a:p>
               <a:pPr defTabSz="971550">
@@ -13248,7 +13184,7 @@
                   <a:srgbClr val="005596"/>
                 </a:buClr>
               </a:pPr>
-              <a:endParaRPr lang="en-US" sz="1000" dirty="0"/>
+              <a:endParaRPr lang="en-US" sz="1000" i="1" dirty="0"/>
             </a:p>
             <a:p>
               <a:pPr defTabSz="971550">
@@ -13266,18 +13202,18 @@
                 </a:buClr>
               </a:pPr>
               <a:r>
-                <a:rPr lang="en-US" sz="1000" dirty="0" err="1"/>
+                <a:rPr lang="en-US" sz="1000" i="1" dirty="0" err="1"/>
                 <a:t>d</a:t>
               </a:r>
               <a:r>
-                <a:rPr lang="en-US" sz="1000" dirty="0" err="1" smtClean="0"/>
+                <a:rPr lang="en-US" sz="1000" i="1" dirty="0" err="1" smtClean="0"/>
                 <a:t>efaultwohnflaeche</a:t>
               </a:r>
               <a:r>
-                <a:rPr lang="en-US" sz="1000" dirty="0" smtClean="0"/>
+                <a:rPr lang="en-US" sz="1000" i="1" dirty="0" smtClean="0"/>
                 <a:t> : Integer</a:t>
               </a:r>
-              <a:endParaRPr lang="en-US" sz="1000" dirty="0"/>
+              <a:endParaRPr lang="en-US" sz="1000" i="1" dirty="0"/>
             </a:p>
             <a:p>
               <a:pPr defTabSz="971550">
@@ -13295,18 +13231,18 @@
                 </a:buClr>
               </a:pPr>
               <a:r>
-                <a:rPr lang="en-US" sz="1000" dirty="0" err="1" smtClean="0"/>
+                <a:rPr lang="en-US" sz="1000" i="1" dirty="0" err="1" smtClean="0"/>
                 <a:t>rangeForWohnflaeche</a:t>
               </a:r>
               <a:r>
-                <a:rPr lang="en-US" sz="1000" dirty="0" smtClean="0"/>
+                <a:rPr lang="en-US" sz="1000" i="1" dirty="0" smtClean="0"/>
                 <a:t> : </a:t>
               </a:r>
               <a:r>
-                <a:rPr lang="en-US" sz="1000" dirty="0" err="1" smtClean="0"/>
+                <a:rPr lang="en-US" sz="1000" i="1" dirty="0" err="1" smtClean="0"/>
                 <a:t>IntegerRange</a:t>
               </a:r>
-              <a:endParaRPr lang="en-US" sz="1000" dirty="0"/>
+              <a:endParaRPr lang="en-US" sz="1000" i="1" dirty="0"/>
             </a:p>
             <a:p>
               <a:pPr defTabSz="971550">
@@ -13323,7 +13259,7 @@
                   <a:srgbClr val="005596"/>
                 </a:buClr>
               </a:pPr>
-              <a:endParaRPr lang="en-US" sz="1000" dirty="0"/>
+              <a:endParaRPr lang="en-US" sz="1000" i="1" dirty="0"/>
             </a:p>
             <a:p>
               <a:pPr defTabSz="971550">
@@ -13341,14 +13277,14 @@
                 </a:buClr>
               </a:pPr>
               <a:r>
-                <a:rPr lang="en-US" sz="1000" dirty="0" err="1" smtClean="0"/>
+                <a:rPr lang="en-US" sz="1000" i="1" dirty="0" err="1" smtClean="0"/>
                 <a:t>defaultVersSumme</a:t>
               </a:r>
               <a:r>
-                <a:rPr lang="en-US" sz="1000" dirty="0" smtClean="0"/>
+                <a:rPr lang="en-US" sz="1000" i="1" dirty="0" smtClean="0"/>
                 <a:t> : Money</a:t>
               </a:r>
-              <a:endParaRPr lang="en-US" sz="1000" dirty="0"/>
+              <a:endParaRPr lang="en-US" sz="1000" i="1" dirty="0"/>
             </a:p>
             <a:p>
               <a:pPr defTabSz="971550">
@@ -13366,18 +13302,18 @@
                 </a:buClr>
               </a:pPr>
               <a:r>
-                <a:rPr lang="en-US" sz="1000" dirty="0" err="1" smtClean="0"/>
+                <a:rPr lang="en-US" sz="1000" i="1" dirty="0" err="1" smtClean="0"/>
                 <a:t>rangeForVersSumme</a:t>
               </a:r>
               <a:r>
-                <a:rPr lang="en-US" sz="1000" dirty="0" smtClean="0"/>
+                <a:rPr lang="en-US" sz="1000" i="1" dirty="0" smtClean="0"/>
                 <a:t> : </a:t>
               </a:r>
               <a:r>
-                <a:rPr lang="en-US" sz="1000" dirty="0" err="1" smtClean="0"/>
+                <a:rPr lang="en-US" sz="1000" i="1" dirty="0" err="1" smtClean="0"/>
                 <a:t>MoneyRange</a:t>
               </a:r>
-              <a:endParaRPr lang="en-US" sz="1000" dirty="0"/>
+              <a:endParaRPr lang="en-US" sz="1000" i="1" dirty="0"/>
             </a:p>
             <a:p>
               <a:pPr defTabSz="971550">
@@ -14087,7 +14023,7 @@
                 </a:spcAft>
               </a:pPr>
               <a:r>
-                <a:rPr lang="en-US" sz="1200" i="1" dirty="0" smtClean="0">
+                <a:rPr lang="en-US" sz="1200" i="1" u="sng" dirty="0" smtClean="0">
                   <a:solidFill>
                     <a:schemeClr val="bg1"/>
                   </a:solidFill>
@@ -14095,14 +14031,14 @@
                 <a:t>HR-</a:t>
               </a:r>
               <a:r>
-                <a:rPr lang="en-US" sz="1200" i="1" dirty="0" err="1" smtClean="0">
+                <a:rPr lang="en-US" sz="1200" i="1" u="sng" dirty="0" err="1" smtClean="0">
                   <a:solidFill>
                     <a:schemeClr val="bg1"/>
                   </a:solidFill>
                 </a:rPr>
                 <a:t>Kompakt</a:t>
               </a:r>
-              <a:endParaRPr lang="en-US" sz="1200" i="1" dirty="0" smtClean="0">
+              <a:endParaRPr lang="en-US" sz="1200" i="1" u="sng" dirty="0" smtClean="0">
                 <a:solidFill>
                   <a:schemeClr val="bg1"/>
                 </a:solidFill>
@@ -14864,7 +14800,7 @@
           <a:p>
             <a:fld id="{E1EC32EC-6798-4261-9F39-1F10CA615DFD}" type="datetime1">
               <a:rPr lang="de-DE" smtClean="0"/>
-              <a:t>29.09.2015</a:t>
+              <a:t>15.04.2015</a:t>
             </a:fld>
             <a:endParaRPr lang="de-DE" dirty="0"/>
           </a:p>
@@ -15110,7 +15046,7 @@
           <a:p>
             <a:fld id="{4529B754-6C8F-4348-91D2-15F67ED7C4CB}" type="datetime1">
               <a:rPr lang="de-DE" smtClean="0"/>
-              <a:t>29.09.2015</a:t>
+              <a:t>15.04.2015</a:t>
             </a:fld>
             <a:endParaRPr lang="de-DE" dirty="0"/>
           </a:p>
@@ -15224,7 +15160,7 @@
           <a:p>
             <a:fld id="{E4C96B47-D7B5-4409-80EB-8AA6453332F6}" type="datetime1">
               <a:rPr lang="de-DE" smtClean="0"/>
-              <a:t>29.09.2015</a:t>
+              <a:t>15.04.2015</a:t>
             </a:fld>
             <a:endParaRPr lang="de-DE" dirty="0"/>
           </a:p>
@@ -15342,7 +15278,7 @@
           <a:p>
             <a:fld id="{4A971074-7BEB-4DE3-A886-31C6D1C9479E}" type="datetime1">
               <a:rPr lang="de-DE" smtClean="0"/>
-              <a:t>29.09.2015</a:t>
+              <a:t>15.04.2015</a:t>
             </a:fld>
             <a:endParaRPr lang="de-DE" dirty="0"/>
           </a:p>
@@ -16697,7 +16633,7 @@
           <a:p>
             <a:fld id="{17BB9D9A-B13E-4F41-9F92-1893A8107F79}" type="datetime1">
               <a:rPr lang="de-DE" smtClean="0"/>
-              <a:t>29.09.2015</a:t>
+              <a:t>15.04.2015</a:t>
             </a:fld>
             <a:endParaRPr lang="de-DE" dirty="0"/>
           </a:p>
@@ -17512,7 +17448,7 @@
           <a:p>
             <a:fld id="{FA1F0271-FCD7-4109-BE3D-9D2DAC73F2CD}" type="datetime1">
               <a:rPr lang="de-DE" smtClean="0"/>
-              <a:t>29.09.2015</a:t>
+              <a:t>15.04.2015</a:t>
             </a:fld>
             <a:endParaRPr lang="de-DE" dirty="0"/>
           </a:p>
@@ -17562,9 +17498,190 @@
   <p:timing>
     <p:tnLst>
       <p:par>
-        <p:cTn id="1" dur="indefinite" restart="never" nodeType="tmRoot"/>
+        <p:cTn id="1" dur="indefinite" restart="never" nodeType="tmRoot">
+          <p:childTnLst>
+            <p:seq concurrent="1" nextAc="seek">
+              <p:cTn id="2" dur="indefinite" nodeType="mainSeq">
+                <p:childTnLst>
+                  <p:par>
+                    <p:cTn id="3" fill="hold">
+                      <p:stCondLst>
+                        <p:cond delay="indefinite"/>
+                      </p:stCondLst>
+                      <p:childTnLst>
+                        <p:par>
+                          <p:cTn id="4" fill="hold">
+                            <p:stCondLst>
+                              <p:cond delay="0"/>
+                            </p:stCondLst>
+                            <p:childTnLst>
+                              <p:par>
+                                <p:cTn id="5" presetID="1" presetClass="entr" presetSubtype="0" fill="hold" grpId="0" nodeType="clickEffect">
+                                  <p:stCondLst>
+                                    <p:cond delay="0"/>
+                                  </p:stCondLst>
+                                  <p:childTnLst>
+                                    <p:set>
+                                      <p:cBhvr>
+                                        <p:cTn id="6" dur="1" fill="hold">
+                                          <p:stCondLst>
+                                            <p:cond delay="0"/>
+                                          </p:stCondLst>
+                                        </p:cTn>
+                                        <p:tgtEl>
+                                          <p:spTgt spid="24"/>
+                                        </p:tgtEl>
+                                        <p:attrNameLst>
+                                          <p:attrName>style.visibility</p:attrName>
+                                        </p:attrNameLst>
+                                      </p:cBhvr>
+                                      <p:to>
+                                        <p:strVal val="visible"/>
+                                      </p:to>
+                                    </p:set>
+                                  </p:childTnLst>
+                                </p:cTn>
+                              </p:par>
+                              <p:par>
+                                <p:cTn id="7" presetID="1" presetClass="entr" presetSubtype="0" fill="hold" grpId="0" nodeType="withEffect">
+                                  <p:stCondLst>
+                                    <p:cond delay="0"/>
+                                  </p:stCondLst>
+                                  <p:childTnLst>
+                                    <p:set>
+                                      <p:cBhvr>
+                                        <p:cTn id="8" dur="1" fill="hold">
+                                          <p:stCondLst>
+                                            <p:cond delay="0"/>
+                                          </p:stCondLst>
+                                        </p:cTn>
+                                        <p:tgtEl>
+                                          <p:spTgt spid="39"/>
+                                        </p:tgtEl>
+                                        <p:attrNameLst>
+                                          <p:attrName>style.visibility</p:attrName>
+                                        </p:attrNameLst>
+                                      </p:cBhvr>
+                                      <p:to>
+                                        <p:strVal val="visible"/>
+                                      </p:to>
+                                    </p:set>
+                                  </p:childTnLst>
+                                </p:cTn>
+                              </p:par>
+                              <p:par>
+                                <p:cTn id="9" presetID="1" presetClass="entr" presetSubtype="0" fill="hold" grpId="0" nodeType="withEffect">
+                                  <p:stCondLst>
+                                    <p:cond delay="0"/>
+                                  </p:stCondLst>
+                                  <p:childTnLst>
+                                    <p:set>
+                                      <p:cBhvr>
+                                        <p:cTn id="10" dur="1" fill="hold">
+                                          <p:stCondLst>
+                                            <p:cond delay="0"/>
+                                          </p:stCondLst>
+                                        </p:cTn>
+                                        <p:tgtEl>
+                                          <p:spTgt spid="40"/>
+                                        </p:tgtEl>
+                                        <p:attrNameLst>
+                                          <p:attrName>style.visibility</p:attrName>
+                                        </p:attrNameLst>
+                                      </p:cBhvr>
+                                      <p:to>
+                                        <p:strVal val="visible"/>
+                                      </p:to>
+                                    </p:set>
+                                  </p:childTnLst>
+                                </p:cTn>
+                              </p:par>
+                              <p:par>
+                                <p:cTn id="11" presetID="1" presetClass="entr" presetSubtype="0" fill="hold" nodeType="withEffect">
+                                  <p:stCondLst>
+                                    <p:cond delay="0"/>
+                                  </p:stCondLst>
+                                  <p:childTnLst>
+                                    <p:set>
+                                      <p:cBhvr>
+                                        <p:cTn id="12" dur="1" fill="hold">
+                                          <p:stCondLst>
+                                            <p:cond delay="0"/>
+                                          </p:stCondLst>
+                                        </p:cTn>
+                                        <p:tgtEl>
+                                          <p:spTgt spid="35"/>
+                                        </p:tgtEl>
+                                        <p:attrNameLst>
+                                          <p:attrName>style.visibility</p:attrName>
+                                        </p:attrNameLst>
+                                      </p:cBhvr>
+                                      <p:to>
+                                        <p:strVal val="visible"/>
+                                      </p:to>
+                                    </p:set>
+                                  </p:childTnLst>
+                                </p:cTn>
+                              </p:par>
+                              <p:par>
+                                <p:cTn id="13" presetID="1" presetClass="entr" presetSubtype="0" fill="hold" nodeType="withEffect">
+                                  <p:stCondLst>
+                                    <p:cond delay="0"/>
+                                  </p:stCondLst>
+                                  <p:childTnLst>
+                                    <p:set>
+                                      <p:cBhvr>
+                                        <p:cTn id="14" dur="1" fill="hold">
+                                          <p:stCondLst>
+                                            <p:cond delay="0"/>
+                                          </p:stCondLst>
+                                        </p:cTn>
+                                        <p:tgtEl>
+                                          <p:spTgt spid="25"/>
+                                        </p:tgtEl>
+                                        <p:attrNameLst>
+                                          <p:attrName>style.visibility</p:attrName>
+                                        </p:attrNameLst>
+                                      </p:cBhvr>
+                                      <p:to>
+                                        <p:strVal val="visible"/>
+                                      </p:to>
+                                    </p:set>
+                                  </p:childTnLst>
+                                </p:cTn>
+                              </p:par>
+                            </p:childTnLst>
+                          </p:cTn>
+                        </p:par>
+                      </p:childTnLst>
+                    </p:cTn>
+                  </p:par>
+                </p:childTnLst>
+              </p:cTn>
+              <p:prevCondLst>
+                <p:cond evt="onPrev" delay="0">
+                  <p:tgtEl>
+                    <p:sldTgt/>
+                  </p:tgtEl>
+                </p:cond>
+              </p:prevCondLst>
+              <p:nextCondLst>
+                <p:cond evt="onNext" delay="0">
+                  <p:tgtEl>
+                    <p:sldTgt/>
+                  </p:tgtEl>
+                </p:cond>
+              </p:nextCondLst>
+            </p:seq>
+          </p:childTnLst>
+        </p:cTn>
       </p:par>
     </p:tnLst>
+    <p:bldLst>
+      <p:bldP spid="24" grpId="0" animBg="1"/>
+      <p:bldP spid="39" grpId="0"/>
+      <p:bldP spid="40" grpId="0"/>
+    </p:bldLst>
   </p:timing>
 </p:sld>
 </file>
@@ -17739,7 +17856,7 @@
           <a:p>
             <a:fld id="{8033201C-D849-4CE0-BD96-63A63FFE0823}" type="datetime1">
               <a:rPr lang="de-DE" smtClean="0"/>
-              <a:t>29.09.2015</a:t>
+              <a:t>15.04.2015</a:t>
             </a:fld>
             <a:endParaRPr lang="de-DE" dirty="0"/>
           </a:p>
@@ -18592,7 +18709,7 @@
           <a:p>
             <a:fld id="{E16227B1-C789-406C-91A6-49BE17F0B9D5}" type="datetime1">
               <a:rPr lang="de-DE" smtClean="0"/>
-              <a:t>29.09.2015</a:t>
+              <a:t>15.04.2015</a:t>
             </a:fld>
             <a:endParaRPr lang="de-DE" dirty="0"/>
           </a:p>
@@ -18805,7 +18922,57 @@
                 <a:ea typeface="+mn-ea"/>
                 <a:cs typeface="+mn-cs"/>
               </a:rPr>
-              <a:t>, die für alle auf Basis einer Generation abgeschlossenen Verträge gelten sollen, werden in Anpassungsstufen durchgeführt.</a:t>
+              <a:t>, die für alle </a:t>
+            </a:r>
+            <a:r>
+              <a:rPr kumimoji="1" lang="de-DE" sz="1400" dirty="0"/>
+              <a:t>Verträge gelten </a:t>
+            </a:r>
+            <a:r>
+              <a:rPr kumimoji="1" lang="de-DE" sz="1400" dirty="0" smtClean="0"/>
+              <a:t>sollen, die </a:t>
+            </a:r>
+            <a:r>
+              <a:rPr kumimoji="1" lang="de-DE" sz="1400" dirty="0" smtClean="0">
+                <a:ea typeface="+mn-ea"/>
+                <a:cs typeface="+mn-cs"/>
+              </a:rPr>
+              <a:t>auf </a:t>
+            </a:r>
+            <a:r>
+              <a:rPr kumimoji="1" lang="de-DE" sz="1400" dirty="0">
+                <a:ea typeface="+mn-ea"/>
+                <a:cs typeface="+mn-cs"/>
+              </a:rPr>
+              <a:t>Basis einer </a:t>
+            </a:r>
+            <a:r>
+              <a:rPr kumimoji="1" lang="de-DE" sz="1400" dirty="0" smtClean="0">
+                <a:ea typeface="+mn-ea"/>
+                <a:cs typeface="+mn-cs"/>
+              </a:rPr>
+              <a:t>bestimmten Generation </a:t>
+            </a:r>
+            <a:r>
+              <a:rPr kumimoji="1" lang="de-DE" sz="1400" dirty="0">
+                <a:ea typeface="+mn-ea"/>
+                <a:cs typeface="+mn-cs"/>
+              </a:rPr>
+              <a:t>abgeschlossenen </a:t>
+            </a:r>
+            <a:r>
+              <a:rPr kumimoji="1" lang="de-DE" sz="1400" dirty="0" smtClean="0">
+                <a:ea typeface="+mn-ea"/>
+                <a:cs typeface="+mn-cs"/>
+              </a:rPr>
+              <a:t>wurden, </a:t>
+            </a:r>
+            <a:r>
+              <a:rPr kumimoji="1" lang="de-DE" sz="1400" dirty="0">
+                <a:ea typeface="+mn-ea"/>
+                <a:cs typeface="+mn-cs"/>
+              </a:rPr>
+              <a:t>werden in Anpassungsstufen durchgeführt.</a:t>
             </a:r>
           </a:p>
           <a:p>
@@ -18825,7 +18992,21 @@
                 <a:ea typeface="+mn-ea"/>
                 <a:cs typeface="+mn-cs"/>
               </a:rPr>
-              <a:t>Zu einem Zeitpunkt ist genau eine Anpassungsstufe einer Generation gültig.</a:t>
+              <a:t>Zu </a:t>
+            </a:r>
+            <a:r>
+              <a:rPr kumimoji="1" lang="de-DE" sz="1400" dirty="0" smtClean="0">
+                <a:ea typeface="+mn-ea"/>
+                <a:cs typeface="+mn-cs"/>
+              </a:rPr>
+              <a:t>jedem Zeitpunkt </a:t>
+            </a:r>
+            <a:r>
+              <a:rPr kumimoji="1" lang="de-DE" sz="1400" dirty="0">
+                <a:ea typeface="+mn-ea"/>
+                <a:cs typeface="+mn-cs"/>
+              </a:rPr>
+              <a:t>ist genau eine Anpassungsstufe einer Generation gültig.</a:t>
             </a:r>
           </a:p>
           <a:p>
@@ -19421,7 +19602,7 @@
           <a:p>
             <a:fld id="{54C32C53-F044-456F-B098-438808C47C81}" type="datetime1">
               <a:rPr lang="de-DE" smtClean="0"/>
-              <a:t>29.09.2015</a:t>
+              <a:t>15.04.2015</a:t>
             </a:fld>
             <a:endParaRPr lang="de-DE" dirty="0"/>
           </a:p>
@@ -20351,7 +20532,7 @@
           <a:p>
             <a:fld id="{823718DD-6E1E-4F1C-9BE7-F5F53EC80F97}" type="datetime1">
               <a:rPr lang="de-DE" smtClean="0"/>
-              <a:t>29.09.2015</a:t>
+              <a:t>15.04.2015</a:t>
             </a:fld>
             <a:endParaRPr lang="de-DE" dirty="0"/>
           </a:p>
@@ -20473,7 +20654,7 @@
             </a:r>
             <a:r>
               <a:rPr lang="de-DE" b="1" dirty="0" smtClean="0"/>
-              <a:t>Änderungen</a:t>
+              <a:t>Änderungen (wer hat wann, was geändert?)</a:t>
             </a:r>
             <a:endParaRPr lang="de-DE" b="1" dirty="0"/>
           </a:p>
@@ -20530,15 +20711,19 @@
             </a:r>
             <a:r>
               <a:rPr lang="de-DE" dirty="0"/>
-              <a:t> und </a:t>
+              <a:t> </a:t>
             </a:r>
             <a:r>
               <a:rPr lang="de-DE" dirty="0" smtClean="0"/>
-              <a:t>eines Versionskontrollsystems wie GIT, </a:t>
-            </a:r>
-            <a:r>
-              <a:rPr lang="de-DE" smtClean="0"/>
-              <a:t>SVN oder CVS </a:t>
+              <a:t>und z.B. CVS </a:t>
+            </a:r>
+            <a:r>
+              <a:rPr lang="de-DE" dirty="0"/>
+              <a:t>als </a:t>
+            </a:r>
+            <a:r>
+              <a:rPr lang="de-DE" dirty="0" smtClean="0"/>
+              <a:t>Werkzeug für die Versionskontrolle </a:t>
             </a:r>
             <a:r>
               <a:rPr lang="de-DE" dirty="0"/>
@@ -20557,9 +20742,10 @@
               </a:spcBef>
             </a:pPr>
             <a:r>
-              <a:rPr lang="de-DE" dirty="0"/>
-              <a:t>Der Punkt braucht deswegen nicht weiter betrachtet zu werden.</a:t>
-            </a:r>
+              <a:rPr lang="de-DE" dirty="0" smtClean="0"/>
+              <a:t>Es benötigt keine neuen Konzepte von Faktor-IPS</a:t>
+            </a:r>
+            <a:endParaRPr lang="de-DE" dirty="0"/>
           </a:p>
           <a:p>
             <a:pPr lvl="1"/>
@@ -20584,7 +20770,7 @@
           <a:p>
             <a:fld id="{7263D893-EFD3-4F2C-9670-2F3C3097F8D3}" type="datetime1">
               <a:rPr lang="de-DE" smtClean="0"/>
-              <a:t>29.09.2015</a:t>
+              <a:t>15.04.2015</a:t>
             </a:fld>
             <a:endParaRPr lang="de-DE" dirty="0"/>
           </a:p>
@@ -20692,7 +20878,7 @@
         </p:nvCxnSpPr>
         <p:spPr bwMode="auto">
           <a:xfrm>
-            <a:off x="2408286" y="3000379"/>
+            <a:off x="2408286" y="2857858"/>
             <a:ext cx="570873" cy="2"/>
           </a:xfrm>
           <a:prstGeom prst="line">
@@ -20727,7 +20913,7 @@
         </p:nvSpPr>
         <p:spPr bwMode="auto">
           <a:xfrm>
-            <a:off x="2979159" y="2753274"/>
+            <a:off x="2979159" y="2610753"/>
             <a:ext cx="2052000" cy="494213"/>
           </a:xfrm>
           <a:prstGeom prst="rect">
@@ -20786,14 +20972,14 @@
         </p:nvSpPr>
         <p:spPr bwMode="auto">
           <a:xfrm>
-            <a:off x="2979159" y="2383391"/>
+            <a:off x="2979159" y="2240870"/>
             <a:ext cx="2052000" cy="369881"/>
           </a:xfrm>
           <a:prstGeom prst="rect">
             <a:avLst/>
           </a:prstGeom>
           <a:solidFill>
-            <a:srgbClr val="7A51C5"/>
+            <a:schemeClr val="bg1"/>
           </a:solidFill>
           <a:ln w="9525">
             <a:solidFill>
@@ -20818,16 +21004,16 @@
               </a:spcAft>
             </a:pPr>
             <a:r>
-              <a:rPr lang="en-US" sz="1000" b="1" dirty="0" err="1" smtClean="0">
+              <a:rPr lang="en-US" sz="1050" b="1" dirty="0" err="1" smtClean="0">
                 <a:solidFill>
-                  <a:schemeClr val="bg1"/>
+                  <a:schemeClr val="accent6"/>
                 </a:solidFill>
               </a:rPr>
               <a:t>HausratProdukt</a:t>
             </a:r>
-            <a:endParaRPr lang="en-US" sz="1000" b="1" dirty="0">
+            <a:endParaRPr lang="en-US" sz="1050" b="1" dirty="0">
               <a:solidFill>
-                <a:schemeClr val="bg1"/>
+                <a:schemeClr val="accent6"/>
               </a:solidFill>
             </a:endParaRPr>
           </a:p>
@@ -20841,7 +21027,7 @@
         </p:nvSpPr>
         <p:spPr>
           <a:xfrm>
-            <a:off x="2408286" y="2770361"/>
+            <a:off x="2408286" y="2627840"/>
             <a:ext cx="223174" cy="226591"/>
           </a:xfrm>
           <a:prstGeom prst="rect">
@@ -20866,7 +21052,7 @@
                   <a:schemeClr val="tx1"/>
                 </a:solidFill>
               </a:rPr>
-              <a:t>1</a:t>
+              <a:t>*</a:t>
             </a:r>
             <a:endParaRPr lang="pt-BR" sz="1000" dirty="0" err="1" smtClean="0">
               <a:solidFill>
@@ -20884,7 +21070,7 @@
         </p:nvSpPr>
         <p:spPr>
           <a:xfrm>
-            <a:off x="2811778" y="2770361"/>
+            <a:off x="2811778" y="2627840"/>
             <a:ext cx="111587" cy="226591"/>
           </a:xfrm>
           <a:prstGeom prst="rect">
@@ -20905,7 +21091,7 @@
             </a:pPr>
             <a:r>
               <a:rPr lang="de-DE" sz="1000" dirty="0"/>
-              <a:t>*</a:t>
+              <a:t>1</a:t>
             </a:r>
             <a:endParaRPr lang="pt-BR" sz="1000" dirty="0" err="1" smtClean="0">
               <a:solidFill>
@@ -20929,7 +21115,7 @@
         </p:nvSpPr>
         <p:spPr bwMode="auto">
           <a:xfrm>
-            <a:off x="2985236" y="4659586"/>
+            <a:off x="2985236" y="4517065"/>
             <a:ext cx="2052000" cy="494213"/>
           </a:xfrm>
           <a:prstGeom prst="rect">
@@ -20989,14 +21175,14 @@
         </p:nvSpPr>
         <p:spPr bwMode="auto">
           <a:xfrm>
-            <a:off x="2985236" y="4289703"/>
+            <a:off x="2985236" y="4147182"/>
             <a:ext cx="2052000" cy="369881"/>
           </a:xfrm>
           <a:prstGeom prst="rect">
             <a:avLst/>
           </a:prstGeom>
           <a:solidFill>
-            <a:srgbClr val="7A51C5"/>
+            <a:schemeClr val="bg1"/>
           </a:solidFill>
           <a:ln w="9525">
             <a:solidFill>
@@ -21021,16 +21207,16 @@
               </a:spcAft>
             </a:pPr>
             <a:r>
-              <a:rPr lang="en-US" sz="1000" b="1" dirty="0" err="1" smtClean="0">
+              <a:rPr lang="en-US" sz="1050" b="1" dirty="0" err="1" smtClean="0">
                 <a:solidFill>
-                  <a:schemeClr val="bg1"/>
+                  <a:schemeClr val="accent6"/>
                 </a:solidFill>
               </a:rPr>
               <a:t>HausratProduktAnpStufe</a:t>
             </a:r>
-            <a:endParaRPr lang="en-US" sz="1000" b="1" dirty="0">
+            <a:endParaRPr lang="en-US" sz="1050" b="1" dirty="0">
               <a:solidFill>
-                <a:schemeClr val="bg1"/>
+                <a:schemeClr val="accent6"/>
               </a:solidFill>
             </a:endParaRPr>
           </a:p>
@@ -21047,7 +21233,7 @@
         </p:nvCxnSpPr>
         <p:spPr bwMode="auto">
           <a:xfrm flipH="1">
-            <a:off x="5031159" y="3000381"/>
+            <a:off x="5031159" y="2857860"/>
             <a:ext cx="1358986" cy="0"/>
           </a:xfrm>
           <a:prstGeom prst="straightConnector1">
@@ -21076,7 +21262,7 @@
         </p:nvCxnSpPr>
         <p:spPr bwMode="auto">
           <a:xfrm flipH="1">
-            <a:off x="5037236" y="4797152"/>
+            <a:off x="5037236" y="4654631"/>
             <a:ext cx="1352910" cy="0"/>
           </a:xfrm>
           <a:prstGeom prst="straightConnector1">
@@ -21105,7 +21291,7 @@
         </p:nvCxnSpPr>
         <p:spPr bwMode="auto">
           <a:xfrm flipV="1">
-            <a:off x="7560864" y="3247485"/>
+            <a:off x="7560864" y="3104964"/>
             <a:ext cx="0" cy="1042219"/>
           </a:xfrm>
           <a:prstGeom prst="straightConnector1">
@@ -21134,7 +21320,7 @@
         </p:nvSpPr>
         <p:spPr>
           <a:xfrm>
-            <a:off x="5256076" y="2708920"/>
+            <a:off x="5256076" y="2566399"/>
             <a:ext cx="900100" cy="211203"/>
           </a:xfrm>
           <a:prstGeom prst="rect">
@@ -21190,7 +21376,7 @@
         </p:nvSpPr>
         <p:spPr>
           <a:xfrm>
-            <a:off x="5260602" y="4490059"/>
+            <a:off x="5260602" y="4347538"/>
             <a:ext cx="900100" cy="211203"/>
           </a:xfrm>
           <a:prstGeom prst="rect">
@@ -21246,10 +21432,10 @@
         </p:nvSpPr>
         <p:spPr>
           <a:xfrm>
-            <a:off x="2144531" y="5280069"/>
-            <a:ext cx="1557667" cy="297818"/>
-          </a:xfrm>
-          <a:prstGeom prst="rect">
+            <a:off x="1676164" y="5137547"/>
+            <a:ext cx="2035116" cy="489191"/>
+          </a:xfrm>
+          <a:prstGeom prst="foldedCorner">
             <a:avLst/>
           </a:prstGeom>
           <a:solidFill>
@@ -21267,14 +21453,14 @@
           <a:p>
             <a:pPr algn="ctr"/>
             <a:r>
-              <a:rPr lang="de-DE" sz="1000" dirty="0">
+              <a:rPr lang="de-DE" sz="1400" dirty="0">
                 <a:solidFill>
                   <a:schemeClr val="bg1"/>
                 </a:solidFill>
               </a:rPr>
               <a:t>Nicht explizit modelliert</a:t>
             </a:r>
-            <a:endParaRPr sz="1000" dirty="0">
+            <a:endParaRPr sz="1400" dirty="0">
               <a:solidFill>
                 <a:schemeClr val="bg1"/>
               </a:solidFill>
@@ -21290,10 +21476,10 @@
         </p:nvGrpSpPr>
         <p:grpSpPr>
           <a:xfrm>
-            <a:off x="3920216" y="3272008"/>
-            <a:ext cx="371756" cy="1071004"/>
-            <a:chOff x="2051720" y="3573016"/>
-            <a:chExt cx="371756" cy="1492287"/>
+            <a:off x="3993005" y="3142981"/>
+            <a:ext cx="298967" cy="1057510"/>
+            <a:chOff x="2124509" y="3591818"/>
+            <a:chExt cx="298967" cy="1473485"/>
           </a:xfrm>
         </p:grpSpPr>
         <p:sp>
@@ -21308,8 +21494,8 @@
           </p:nvSpPr>
           <p:spPr bwMode="gray">
             <a:xfrm>
-              <a:off x="2051720" y="3573016"/>
-              <a:ext cx="259431" cy="569909"/>
+              <a:off x="2124509" y="3591818"/>
+              <a:ext cx="113854" cy="250110"/>
             </a:xfrm>
             <a:prstGeom prst="diamond">
               <a:avLst/>
@@ -21370,13 +21556,15 @@
         <p:cxnSp>
           <p:nvCxnSpPr>
             <p:cNvPr id="43" name="Gerade Verbindung 42"/>
-            <p:cNvCxnSpPr/>
+            <p:cNvCxnSpPr>
+              <a:stCxn id="42" idx="2"/>
+            </p:cNvCxnSpPr>
             <p:nvPr/>
           </p:nvCxnSpPr>
           <p:spPr bwMode="auto">
-            <a:xfrm flipH="1">
-              <a:off x="2181435" y="3983025"/>
-              <a:ext cx="1" cy="1008000"/>
+            <a:xfrm>
+              <a:off x="2181436" y="3841928"/>
+              <a:ext cx="0" cy="1149098"/>
             </a:xfrm>
             <a:prstGeom prst="line">
               <a:avLst/>
@@ -21454,7 +21642,7 @@
         </p:nvSpPr>
         <p:spPr bwMode="auto">
           <a:xfrm>
-            <a:off x="356286" y="2753272"/>
+            <a:off x="356286" y="2610751"/>
             <a:ext cx="2052000" cy="494213"/>
           </a:xfrm>
           <a:prstGeom prst="rect">
@@ -21506,14 +21694,14 @@
         </p:nvSpPr>
         <p:spPr bwMode="auto">
           <a:xfrm>
-            <a:off x="356286" y="2383389"/>
+            <a:off x="356286" y="2240868"/>
             <a:ext cx="2052000" cy="369881"/>
           </a:xfrm>
           <a:prstGeom prst="rect">
             <a:avLst/>
           </a:prstGeom>
           <a:solidFill>
-            <a:srgbClr val="7A51C5"/>
+            <a:schemeClr val="bg1"/>
           </a:solidFill>
           <a:ln w="9525">
             <a:solidFill>
@@ -21538,55 +21726,16 @@
               </a:spcAft>
             </a:pPr>
             <a:r>
-              <a:rPr lang="en-US" sz="1000" b="1" dirty="0" err="1" smtClean="0">
+              <a:rPr lang="en-US" sz="1050" b="1" dirty="0" err="1" smtClean="0">
                 <a:solidFill>
-                  <a:schemeClr val="bg1"/>
+                  <a:schemeClr val="accent6"/>
                 </a:solidFill>
               </a:rPr>
               <a:t>HausratVertrag</a:t>
             </a:r>
-            <a:endParaRPr lang="en-US" sz="1000" b="1" dirty="0">
+            <a:endParaRPr lang="en-US" sz="1050" b="1" dirty="0">
               <a:solidFill>
-                <a:schemeClr val="bg1"/>
-              </a:solidFill>
-            </a:endParaRPr>
-          </a:p>
-        </p:txBody>
-      </p:sp>
-      <p:sp>
-        <p:nvSpPr>
-          <p:cNvPr id="50" name="Textfeld 49"/>
-          <p:cNvSpPr txBox="1"/>
-          <p:nvPr/>
-        </p:nvSpPr>
-        <p:spPr>
-          <a:xfrm>
-            <a:off x="188905" y="2615225"/>
-            <a:ext cx="111587" cy="226591"/>
-          </a:xfrm>
-          <a:prstGeom prst="rect">
-            <a:avLst/>
-          </a:prstGeom>
-          <a:noFill/>
-        </p:spPr>
-        <p:txBody>
-          <a:bodyPr wrap="square" lIns="36000" tIns="36000" rIns="36000" bIns="36000" rtlCol="0">
-            <a:spAutoFit/>
-          </a:bodyPr>
-          <a:lstStyle/>
-          <a:p>
-            <a:pPr>
-              <a:spcAft>
-                <a:spcPts val="600"/>
-              </a:spcAft>
-            </a:pPr>
-            <a:r>
-              <a:rPr lang="de-DE" sz="1000" dirty="0"/>
-              <a:t>*</a:t>
-            </a:r>
-            <a:endParaRPr lang="pt-BR" sz="1000" dirty="0" err="1" smtClean="0">
-              <a:solidFill>
-                <a:schemeClr val="tx1"/>
+                <a:schemeClr val="accent6"/>
               </a:solidFill>
             </a:endParaRPr>
           </a:p>
@@ -21606,7 +21755,7 @@
         </p:nvSpPr>
         <p:spPr bwMode="auto">
           <a:xfrm>
-            <a:off x="6390145" y="2753274"/>
+            <a:off x="6390145" y="2610753"/>
             <a:ext cx="2052000" cy="494213"/>
           </a:xfrm>
           <a:prstGeom prst="rect">
@@ -21674,7 +21823,7 @@
         </p:nvSpPr>
         <p:spPr bwMode="auto">
           <a:xfrm>
-            <a:off x="6390145" y="2383391"/>
+            <a:off x="6390145" y="2240870"/>
             <a:ext cx="2052000" cy="369881"/>
           </a:xfrm>
           <a:prstGeom prst="rect">
@@ -21706,7 +21855,7 @@
               </a:spcAft>
             </a:pPr>
             <a:r>
-              <a:rPr lang="en-US" sz="1000" b="1" dirty="0" smtClean="0">
+              <a:rPr lang="en-US" sz="1000" b="1" u="sng" dirty="0" smtClean="0">
                 <a:solidFill>
                   <a:schemeClr val="bg1"/>
                 </a:solidFill>
@@ -21714,14 +21863,14 @@
               <a:t>HR-</a:t>
             </a:r>
             <a:r>
-              <a:rPr lang="en-US" sz="1000" b="1" dirty="0" err="1" smtClean="0">
+              <a:rPr lang="en-US" sz="1000" b="1" u="sng" dirty="0" err="1" smtClean="0">
                 <a:solidFill>
                   <a:schemeClr val="bg1"/>
                 </a:solidFill>
               </a:rPr>
               <a:t>Kompakt</a:t>
             </a:r>
-            <a:endParaRPr lang="en-US" sz="1000" b="1" dirty="0">
+            <a:endParaRPr lang="en-US" sz="1000" b="1" u="sng" dirty="0">
               <a:solidFill>
                 <a:schemeClr val="bg1"/>
               </a:solidFill>
@@ -21737,7 +21886,7 @@
         </p:nvSpPr>
         <p:spPr>
           <a:xfrm>
-            <a:off x="6222764" y="2770361"/>
+            <a:off x="6222764" y="2627840"/>
             <a:ext cx="111587" cy="226591"/>
           </a:xfrm>
           <a:prstGeom prst="rect">
@@ -21782,7 +21931,7 @@
         </p:nvSpPr>
         <p:spPr bwMode="auto">
           <a:xfrm>
-            <a:off x="6390145" y="4659586"/>
+            <a:off x="6390145" y="4517065"/>
             <a:ext cx="2052000" cy="494213"/>
           </a:xfrm>
           <a:prstGeom prst="rect">
@@ -21842,7 +21991,7 @@
         </p:nvSpPr>
         <p:spPr bwMode="auto">
           <a:xfrm>
-            <a:off x="6390145" y="4289703"/>
+            <a:off x="6390145" y="4147182"/>
             <a:ext cx="2052000" cy="369881"/>
           </a:xfrm>
           <a:prstGeom prst="rect">
@@ -21874,7 +22023,7 @@
               </a:spcAft>
             </a:pPr>
             <a:r>
-              <a:rPr lang="en-US" sz="1000" b="1" dirty="0" smtClean="0">
+              <a:rPr lang="en-US" sz="1000" b="1" u="sng" dirty="0" smtClean="0">
                 <a:solidFill>
                   <a:schemeClr val="bg1"/>
                 </a:solidFill>
@@ -21882,7 +22031,7 @@
               <a:t>HR-</a:t>
             </a:r>
             <a:r>
-              <a:rPr lang="en-US" sz="1000" b="1" dirty="0" err="1" smtClean="0">
+              <a:rPr lang="en-US" sz="1000" b="1" u="sng" dirty="0" err="1" smtClean="0">
                 <a:solidFill>
                   <a:schemeClr val="bg1"/>
                 </a:solidFill>
@@ -21890,14 +22039,14 @@
               <a:t>Kompakt</a:t>
             </a:r>
             <a:r>
-              <a:rPr lang="en-US" sz="1000" b="1" dirty="0" smtClean="0">
+              <a:rPr lang="en-US" sz="1000" b="1" u="sng" dirty="0" smtClean="0">
                 <a:solidFill>
                   <a:schemeClr val="bg1"/>
                 </a:solidFill>
               </a:rPr>
               <a:t> 1.4.2008</a:t>
             </a:r>
-            <a:endParaRPr lang="en-US" sz="1000" b="1" dirty="0">
+            <a:endParaRPr lang="en-US" sz="1000" b="1" u="sng" dirty="0">
               <a:solidFill>
                 <a:schemeClr val="bg1"/>
               </a:solidFill>
@@ -21985,7 +22134,7 @@
                   <a:schemeClr val="tx1"/>
                 </a:solidFill>
               </a:rPr>
-              <a:t>Modell</a:t>
+              <a:t>Java Code</a:t>
             </a:r>
           </a:p>
         </p:txBody>
@@ -22021,132 +22170,6 @@
       </p:cxnSp>
       <p:sp>
         <p:nvSpPr>
-          <p:cNvPr id="71" name="Ellipse 70"/>
-          <p:cNvSpPr>
-            <a:spLocks noChangeAspect="1"/>
-          </p:cNvSpPr>
-          <p:nvPr/>
-        </p:nvSpPr>
-        <p:spPr bwMode="auto">
-          <a:xfrm>
-            <a:off x="381294" y="2460331"/>
-            <a:ext cx="216000" cy="216000"/>
-          </a:xfrm>
-          <a:prstGeom prst="ellipse">
-            <a:avLst/>
-          </a:prstGeom>
-          <a:solidFill>
-            <a:srgbClr val="7A51C5"/>
-          </a:solidFill>
-          <a:ln w="12700" cap="flat">
-            <a:solidFill>
-              <a:schemeClr val="bg1"/>
-            </a:solidFill>
-            <a:prstDash val="solid"/>
-            <a:miter lim="800000"/>
-            <a:headEnd type="none" w="med" len="med"/>
-            <a:tailEnd type="none" w="med" len="med"/>
-          </a:ln>
-          <a:effectLst/>
-        </p:spPr>
-        <p:txBody>
-          <a:bodyPr wrap="none" lIns="36000" tIns="36000" rIns="36000" bIns="36000" rtlCol="0" anchor="ctr" anchorCtr="1">
-            <a:noAutofit/>
-          </a:bodyPr>
-          <a:lstStyle/>
-          <a:p>
-            <a:pPr algn="ctr">
-              <a:lnSpc>
-                <a:spcPct val="90000"/>
-              </a:lnSpc>
-              <a:spcBef>
-                <a:spcPts val="500"/>
-              </a:spcBef>
-              <a:buClr>
-                <a:schemeClr val="tx2"/>
-              </a:buClr>
-              <a:buSzPct val="100000"/>
-              <a:tabLst>
-                <a:tab pos="180975" algn="l"/>
-              </a:tabLst>
-            </a:pPr>
-            <a:r>
-              <a:rPr lang="de-DE" sz="1200" b="1" dirty="0" smtClean="0">
-                <a:solidFill>
-                  <a:schemeClr val="bg1"/>
-                </a:solidFill>
-                <a:sym typeface="Arial" charset="0"/>
-              </a:rPr>
-              <a:t>V</a:t>
-            </a:r>
-          </a:p>
-        </p:txBody>
-      </p:sp>
-      <p:sp>
-        <p:nvSpPr>
-          <p:cNvPr id="72" name="Ellipse 71"/>
-          <p:cNvSpPr>
-            <a:spLocks noChangeAspect="1"/>
-          </p:cNvSpPr>
-          <p:nvPr/>
-        </p:nvSpPr>
-        <p:spPr bwMode="auto">
-          <a:xfrm>
-            <a:off x="3037884" y="2460329"/>
-            <a:ext cx="216000" cy="216000"/>
-          </a:xfrm>
-          <a:prstGeom prst="ellipse">
-            <a:avLst/>
-          </a:prstGeom>
-          <a:solidFill>
-            <a:srgbClr val="7A51C5"/>
-          </a:solidFill>
-          <a:ln w="12700" cap="flat">
-            <a:solidFill>
-              <a:schemeClr val="bg1"/>
-            </a:solidFill>
-            <a:prstDash val="solid"/>
-            <a:miter lim="800000"/>
-            <a:headEnd type="none" w="med" len="med"/>
-            <a:tailEnd type="none" w="med" len="med"/>
-          </a:ln>
-          <a:effectLst/>
-        </p:spPr>
-        <p:txBody>
-          <a:bodyPr wrap="none" lIns="18000" tIns="18000" rIns="0" bIns="0" rtlCol="0" anchor="ctr" anchorCtr="1">
-            <a:noAutofit/>
-          </a:bodyPr>
-          <a:lstStyle/>
-          <a:p>
-            <a:pPr algn="ctr">
-              <a:lnSpc>
-                <a:spcPct val="90000"/>
-              </a:lnSpc>
-              <a:spcBef>
-                <a:spcPts val="500"/>
-              </a:spcBef>
-              <a:buClr>
-                <a:schemeClr val="tx2"/>
-              </a:buClr>
-              <a:buSzPct val="100000"/>
-              <a:tabLst>
-                <a:tab pos="180975" algn="l"/>
-              </a:tabLst>
-            </a:pPr>
-            <a:r>
-              <a:rPr lang="de-DE" sz="1200" b="1" dirty="0" smtClean="0">
-                <a:solidFill>
-                  <a:schemeClr val="bg1"/>
-                </a:solidFill>
-                <a:sym typeface="Arial" charset="0"/>
-              </a:rPr>
-              <a:t>P</a:t>
-            </a:r>
-          </a:p>
-        </p:txBody>
-      </p:sp>
-      <p:sp>
-        <p:nvSpPr>
           <p:cNvPr id="73" name="Ellipse 72"/>
           <p:cNvSpPr>
             <a:spLocks noChangeAspect="1"/>
@@ -22155,7 +22178,7 @@
         </p:nvSpPr>
         <p:spPr bwMode="auto">
           <a:xfrm>
-            <a:off x="6450770" y="2459570"/>
+            <a:off x="6450770" y="2317049"/>
             <a:ext cx="216000" cy="216000"/>
           </a:xfrm>
           <a:prstGeom prst="ellipse">
@@ -22206,69 +22229,6 @@
           </a:p>
         </p:txBody>
       </p:sp>
-      <p:sp>
-        <p:nvSpPr>
-          <p:cNvPr id="74" name="Ellipse 73"/>
-          <p:cNvSpPr>
-            <a:spLocks noChangeAspect="1"/>
-          </p:cNvSpPr>
-          <p:nvPr/>
-        </p:nvSpPr>
-        <p:spPr bwMode="auto">
-          <a:xfrm>
-            <a:off x="3015203" y="4366643"/>
-            <a:ext cx="216000" cy="216000"/>
-          </a:xfrm>
-          <a:prstGeom prst="ellipse">
-            <a:avLst/>
-          </a:prstGeom>
-          <a:solidFill>
-            <a:srgbClr val="7A51C5"/>
-          </a:solidFill>
-          <a:ln w="12700" cap="flat">
-            <a:solidFill>
-              <a:schemeClr val="bg1"/>
-            </a:solidFill>
-            <a:prstDash val="solid"/>
-            <a:miter lim="800000"/>
-            <a:headEnd type="none" w="med" len="med"/>
-            <a:tailEnd type="none" w="med" len="med"/>
-          </a:ln>
-          <a:effectLst/>
-        </p:spPr>
-        <p:txBody>
-          <a:bodyPr wrap="none" lIns="18000" tIns="18000" rIns="0" bIns="0" rtlCol="0" anchor="ctr" anchorCtr="1">
-            <a:noAutofit/>
-          </a:bodyPr>
-          <a:lstStyle/>
-          <a:p>
-            <a:pPr algn="ctr">
-              <a:lnSpc>
-                <a:spcPct val="90000"/>
-              </a:lnSpc>
-              <a:spcBef>
-                <a:spcPts val="500"/>
-              </a:spcBef>
-              <a:buClr>
-                <a:schemeClr val="tx2"/>
-              </a:buClr>
-              <a:buSzPct val="100000"/>
-              <a:tabLst>
-                <a:tab pos="180975" algn="l"/>
-              </a:tabLst>
-            </a:pPr>
-            <a:r>
-              <a:rPr lang="de-DE" sz="1200" b="1" dirty="0" smtClean="0">
-                <a:solidFill>
-                  <a:schemeClr val="bg1"/>
-                </a:solidFill>
-                <a:sym typeface="Arial" charset="0"/>
-              </a:rPr>
-              <a:t>P</a:t>
-            </a:r>
-          </a:p>
-        </p:txBody>
-      </p:sp>
       <p:grpSp>
         <p:nvGrpSpPr>
           <p:cNvPr id="76" name="Gruppieren 75"/>
@@ -22277,7 +22237,7 @@
         </p:nvGrpSpPr>
         <p:grpSpPr>
           <a:xfrm>
-            <a:off x="6450770" y="4348227"/>
+            <a:off x="6450770" y="4205706"/>
             <a:ext cx="237381" cy="260400"/>
             <a:chOff x="6416198" y="4366643"/>
             <a:chExt cx="237381" cy="260400"/>
@@ -22404,7 +22364,7 @@
           <a:p>
             <a:fld id="{237DD65C-2085-4AC0-9278-7C919D64BFA2}" type="datetime1">
               <a:rPr lang="de-DE" smtClean="0"/>
-              <a:t>29.09.2015</a:t>
+              <a:t>15.04.2015</a:t>
             </a:fld>
             <a:endParaRPr lang="de-DE" dirty="0"/>
           </a:p>
@@ -22480,62 +22440,7 @@
       </p:grpSpPr>
       <p:sp>
         <p:nvSpPr>
-          <p:cNvPr id="7" name="Titel 6"/>
-          <p:cNvSpPr>
-            <a:spLocks noGrp="1"/>
-          </p:cNvSpPr>
-          <p:nvPr>
-            <p:ph type="title"/>
-          </p:nvPr>
-        </p:nvSpPr>
-        <p:spPr/>
-        <p:txBody>
-          <a:bodyPr/>
-          <a:lstStyle/>
-          <a:p>
-            <a:r>
-              <a:rPr lang="de-DE" dirty="0"/>
-              <a:t>Konfigurationsdaten für Vertragsattribute befinden sich immer in Anpassungsstufen!</a:t>
-            </a:r>
-            <a:endParaRPr lang="pt-BR" dirty="0"/>
-          </a:p>
-        </p:txBody>
-      </p:sp>
-      <p:cxnSp>
-        <p:nvCxnSpPr>
-          <p:cNvPr id="25" name="Gerade Verbindung 24"/>
-          <p:cNvCxnSpPr>
-            <a:stCxn id="47" idx="3"/>
-            <a:endCxn id="28" idx="1"/>
-          </p:cNvCxnSpPr>
-          <p:nvPr/>
-        </p:nvCxnSpPr>
-        <p:spPr bwMode="auto">
-          <a:xfrm>
-            <a:off x="2408286" y="3000379"/>
-            <a:ext cx="570873" cy="2"/>
-          </a:xfrm>
-          <a:prstGeom prst="line">
-            <a:avLst/>
-          </a:prstGeom>
-          <a:solidFill>
-            <a:schemeClr val="accent1"/>
-          </a:solidFill>
-          <a:ln w="9525" cap="flat" cmpd="sng" algn="ctr">
-            <a:solidFill>
-              <a:schemeClr val="tx1"/>
-            </a:solidFill>
-            <a:prstDash val="solid"/>
-            <a:round/>
-            <a:headEnd type="none" w="med" len="med"/>
-            <a:tailEnd type="none" w="med" len="med"/>
-          </a:ln>
-          <a:effectLst/>
-        </p:spPr>
-      </p:cxnSp>
-      <p:sp>
-        <p:nvSpPr>
-          <p:cNvPr id="28" name="Rectangle 5"/>
+          <p:cNvPr id="91" name="Rectangle 5"/>
           <p:cNvSpPr>
             <a:spLocks noChangeArrowheads="1"/>
           </p:cNvSpPr>
@@ -22547,7 +22452,7 @@
         </p:nvSpPr>
         <p:spPr bwMode="auto">
           <a:xfrm>
-            <a:off x="2979159" y="2753274"/>
+            <a:off x="356286" y="3042799"/>
             <a:ext cx="2052000" cy="494213"/>
           </a:xfrm>
           <a:prstGeom prst="rect">
@@ -22582,277 +22487,37 @@
               </a:buClr>
             </a:pPr>
             <a:r>
-              <a:rPr lang="en-US" sz="1100" dirty="0" err="1"/>
-              <a:t>Produktname</a:t>
-            </a:r>
-            <a:r>
-              <a:rPr lang="en-US" sz="1100" dirty="0"/>
-              <a:t>: String</a:t>
-            </a:r>
+              <a:rPr lang="en-US" sz="1000" dirty="0" err="1" smtClean="0"/>
+              <a:t>Zahlweise</a:t>
+            </a:r>
+            <a:r>
+              <a:rPr lang="en-US" sz="1000" dirty="0" smtClean="0"/>
+              <a:t>: Integer</a:t>
+            </a:r>
+            <a:endParaRPr lang="en-US" sz="1000" dirty="0"/>
           </a:p>
         </p:txBody>
       </p:sp>
       <p:sp>
         <p:nvSpPr>
-          <p:cNvPr id="29" name="Rectangle 6"/>
+          <p:cNvPr id="7" name="Titel 6"/>
           <p:cNvSpPr>
-            <a:spLocks noChangeArrowheads="1"/>
+            <a:spLocks noGrp="1"/>
           </p:cNvSpPr>
           <p:nvPr>
-            <p:custDataLst>
-              <p:tags r:id="rId2"/>
-            </p:custDataLst>
+            <p:ph type="title"/>
           </p:nvPr>
         </p:nvSpPr>
-        <p:spPr bwMode="auto">
-          <a:xfrm>
-            <a:off x="2979159" y="2383391"/>
-            <a:ext cx="2052000" cy="369881"/>
-          </a:xfrm>
-          <a:prstGeom prst="rect">
-            <a:avLst/>
-          </a:prstGeom>
-          <a:solidFill>
-            <a:srgbClr val="7A51C5"/>
-          </a:solidFill>
-          <a:ln w="9525">
-            <a:solidFill>
-              <a:schemeClr val="tx1"/>
-            </a:solidFill>
-            <a:miter lim="800000"/>
-            <a:headEnd/>
-            <a:tailEnd/>
-          </a:ln>
-          <a:effectLst/>
-        </p:spPr>
+        <p:spPr/>
         <p:txBody>
-          <a:bodyPr wrap="square" lIns="91440" tIns="91440" rIns="91440" bIns="91440" anchor="ctr"/>
+          <a:bodyPr/>
           <a:lstStyle/>
           <a:p>
-            <a:pPr algn="ctr" defTabSz="857250">
-              <a:spcBef>
-                <a:spcPts val="0"/>
-              </a:spcBef>
-              <a:spcAft>
-                <a:spcPts val="600"/>
-              </a:spcAft>
-            </a:pPr>
-            <a:r>
-              <a:rPr lang="en-US" sz="1000" b="1" dirty="0" err="1" smtClean="0">
-                <a:solidFill>
-                  <a:schemeClr val="bg1"/>
-                </a:solidFill>
-              </a:rPr>
-              <a:t>HausratProdukt</a:t>
-            </a:r>
-            <a:endParaRPr lang="en-US" sz="1000" b="1" dirty="0">
-              <a:solidFill>
-                <a:schemeClr val="bg1"/>
-              </a:solidFill>
-            </a:endParaRPr>
-          </a:p>
-        </p:txBody>
-      </p:sp>
-      <p:sp>
-        <p:nvSpPr>
-          <p:cNvPr id="30" name="Textfeld 29"/>
-          <p:cNvSpPr txBox="1"/>
-          <p:nvPr/>
-        </p:nvSpPr>
-        <p:spPr>
-          <a:xfrm>
-            <a:off x="2408286" y="2770361"/>
-            <a:ext cx="223174" cy="226591"/>
-          </a:xfrm>
-          <a:prstGeom prst="rect">
-            <a:avLst/>
-          </a:prstGeom>
-          <a:noFill/>
-        </p:spPr>
-        <p:txBody>
-          <a:bodyPr wrap="square" lIns="36000" tIns="36000" rIns="36000" bIns="36000" rtlCol="0">
-            <a:spAutoFit/>
-          </a:bodyPr>
-          <a:lstStyle/>
-          <a:p>
-            <a:pPr>
-              <a:spcAft>
-                <a:spcPts val="600"/>
-              </a:spcAft>
-            </a:pPr>
-            <a:r>
-              <a:rPr lang="de-DE" sz="1000" dirty="0" smtClean="0">
-                <a:solidFill>
-                  <a:schemeClr val="tx1"/>
-                </a:solidFill>
-              </a:rPr>
-              <a:t>1</a:t>
-            </a:r>
-            <a:endParaRPr lang="pt-BR" sz="1000" dirty="0" err="1" smtClean="0">
-              <a:solidFill>
-                <a:schemeClr val="tx1"/>
-              </a:solidFill>
-            </a:endParaRPr>
-          </a:p>
-        </p:txBody>
-      </p:sp>
-      <p:sp>
-        <p:nvSpPr>
-          <p:cNvPr id="31" name="Textfeld 30"/>
-          <p:cNvSpPr txBox="1"/>
-          <p:nvPr/>
-        </p:nvSpPr>
-        <p:spPr>
-          <a:xfrm>
-            <a:off x="2811778" y="2770361"/>
-            <a:ext cx="111587" cy="226591"/>
-          </a:xfrm>
-          <a:prstGeom prst="rect">
-            <a:avLst/>
-          </a:prstGeom>
-          <a:noFill/>
-        </p:spPr>
-        <p:txBody>
-          <a:bodyPr wrap="square" lIns="36000" tIns="36000" rIns="36000" bIns="36000" rtlCol="0">
-            <a:spAutoFit/>
-          </a:bodyPr>
-          <a:lstStyle/>
-          <a:p>
-            <a:pPr>
-              <a:spcAft>
-                <a:spcPts val="600"/>
-              </a:spcAft>
-            </a:pPr>
-            <a:r>
-              <a:rPr lang="de-DE" sz="1000" dirty="0"/>
-              <a:t>*</a:t>
-            </a:r>
-            <a:endParaRPr lang="pt-BR" sz="1000" dirty="0" err="1" smtClean="0">
-              <a:solidFill>
-                <a:schemeClr val="tx1"/>
-              </a:solidFill>
-            </a:endParaRPr>
-          </a:p>
-        </p:txBody>
-      </p:sp>
-      <p:sp>
-        <p:nvSpPr>
-          <p:cNvPr id="32" name="Rectangle 5"/>
-          <p:cNvSpPr>
-            <a:spLocks noChangeArrowheads="1"/>
-          </p:cNvSpPr>
-          <p:nvPr>
-            <p:custDataLst>
-              <p:tags r:id="rId3"/>
-            </p:custDataLst>
-          </p:nvPr>
-        </p:nvSpPr>
-        <p:spPr bwMode="auto">
-          <a:xfrm>
-            <a:off x="2985236" y="4659586"/>
-            <a:ext cx="2052000" cy="494213"/>
-          </a:xfrm>
-          <a:prstGeom prst="rect">
-            <a:avLst/>
-          </a:prstGeom>
-          <a:solidFill>
-            <a:schemeClr val="bg1"/>
-          </a:solidFill>
-          <a:ln w="12700">
-            <a:solidFill>
-              <a:schemeClr val="tx1"/>
-            </a:solidFill>
-            <a:miter lim="800000"/>
-            <a:headEnd/>
-            <a:tailEnd/>
-          </a:ln>
-          <a:effectLst/>
-        </p:spPr>
-        <p:txBody>
-          <a:bodyPr wrap="square" lIns="182880" tIns="182880" rIns="182880" bIns="182880" anchor="t" anchorCtr="0"/>
-          <a:lstStyle/>
-          <a:p>
-            <a:pPr defTabSz="971550">
-              <a:spcBef>
-                <a:spcPts val="0"/>
-              </a:spcBef>
-              <a:spcAft>
-                <a:spcPts val="0"/>
-              </a:spcAft>
-              <a:buClr>
-                <a:srgbClr val="005596"/>
-              </a:buClr>
-            </a:pPr>
-            <a:r>
-              <a:rPr lang="en-US" sz="1100" dirty="0" err="1" smtClean="0"/>
-              <a:t>validFrom</a:t>
-            </a:r>
-            <a:r>
-              <a:rPr lang="en-US" sz="1100" dirty="0" smtClean="0"/>
-              <a:t>: Date</a:t>
-            </a:r>
-            <a:endParaRPr lang="en-US" sz="1100" dirty="0"/>
-          </a:p>
-        </p:txBody>
-      </p:sp>
-      <p:sp>
-        <p:nvSpPr>
-          <p:cNvPr id="33" name="Rectangle 6"/>
-          <p:cNvSpPr>
-            <a:spLocks noChangeArrowheads="1"/>
-          </p:cNvSpPr>
-          <p:nvPr>
-            <p:custDataLst>
-              <p:tags r:id="rId4"/>
-            </p:custDataLst>
-          </p:nvPr>
-        </p:nvSpPr>
-        <p:spPr bwMode="auto">
-          <a:xfrm>
-            <a:off x="2985236" y="4289703"/>
-            <a:ext cx="2052000" cy="369881"/>
-          </a:xfrm>
-          <a:prstGeom prst="rect">
-            <a:avLst/>
-          </a:prstGeom>
-          <a:solidFill>
-            <a:srgbClr val="7A51C5"/>
-          </a:solidFill>
-          <a:ln w="9525">
-            <a:solidFill>
-              <a:schemeClr val="tx1"/>
-            </a:solidFill>
-            <a:miter lim="800000"/>
-            <a:headEnd/>
-            <a:tailEnd/>
-          </a:ln>
-          <a:effectLst/>
-        </p:spPr>
-        <p:txBody>
-          <a:bodyPr wrap="square" lIns="91440" tIns="91440" rIns="91440" bIns="91440" anchor="ctr"/>
-          <a:lstStyle/>
-          <a:p>
-            <a:pPr algn="ctr" defTabSz="857250">
-              <a:spcBef>
-                <a:spcPts val="0"/>
-              </a:spcBef>
-              <a:spcAft>
-                <a:spcPts val="600"/>
-              </a:spcAft>
-            </a:pPr>
-            <a:r>
-              <a:rPr lang="en-US" sz="1000" b="1" dirty="0" err="1" smtClean="0">
-                <a:solidFill>
-                  <a:schemeClr val="bg1"/>
-                </a:solidFill>
-              </a:rPr>
-              <a:t>HausratProduktAnpStufe</a:t>
-            </a:r>
-            <a:endParaRPr lang="en-US" sz="1000" b="1" dirty="0">
-              <a:solidFill>
-                <a:schemeClr val="bg1"/>
-              </a:solidFill>
-            </a:endParaRPr>
+            <a:r>
+              <a:rPr lang="de-DE" dirty="0"/>
+              <a:t>Konfigurationsdaten für Vertragsattribute befinden sich immer in Anpassungsstufen!</a:t>
+            </a:r>
+            <a:endParaRPr lang="pt-BR" dirty="0"/>
           </a:p>
         </p:txBody>
       </p:sp>
@@ -22861,13 +22526,12 @@
           <p:cNvPr id="44" name="Gerade Verbindung mit Pfeil 43"/>
           <p:cNvCxnSpPr>
             <a:stCxn id="59" idx="1"/>
-            <a:endCxn id="28" idx="3"/>
           </p:cNvCxnSpPr>
           <p:nvPr/>
         </p:nvCxnSpPr>
         <p:spPr bwMode="auto">
           <a:xfrm flipH="1">
-            <a:off x="5031159" y="3000381"/>
+            <a:off x="5031159" y="3289908"/>
             <a:ext cx="1358986" cy="0"/>
           </a:xfrm>
           <a:prstGeom prst="straightConnector1">
@@ -22925,8 +22589,8 @@
         </p:nvCxnSpPr>
         <p:spPr bwMode="auto">
           <a:xfrm flipV="1">
-            <a:off x="7560864" y="3247485"/>
-            <a:ext cx="0" cy="1042219"/>
+            <a:off x="7560864" y="3537012"/>
+            <a:ext cx="0" cy="752693"/>
           </a:xfrm>
           <a:prstGeom prst="straightConnector1">
             <a:avLst/>
@@ -22954,7 +22618,7 @@
         </p:nvSpPr>
         <p:spPr>
           <a:xfrm>
-            <a:off x="5256076" y="2708920"/>
+            <a:off x="5256076" y="2998447"/>
             <a:ext cx="900100" cy="211203"/>
           </a:xfrm>
           <a:prstGeom prst="rect">
@@ -23060,221 +22724,19 @@
       </p:sp>
       <p:sp>
         <p:nvSpPr>
-          <p:cNvPr id="63" name="Rectangle 2"/>
-          <p:cNvSpPr/>
-          <p:nvPr/>
-        </p:nvSpPr>
-        <p:spPr>
-          <a:xfrm>
-            <a:off x="2144531" y="5280069"/>
-            <a:ext cx="1557667" cy="297818"/>
-          </a:xfrm>
-          <a:prstGeom prst="rect">
-            <a:avLst/>
-          </a:prstGeom>
-          <a:solidFill>
-            <a:schemeClr val="bg1">
-              <a:lumMod val="75000"/>
-            </a:schemeClr>
-          </a:solidFill>
-          <a:ln>
-            <a:noFill/>
-          </a:ln>
-        </p:spPr>
-        <p:txBody>
-          <a:bodyPr wrap="none" lIns="0" tIns="0" rIns="0" bIns="0" anchor="ctr"/>
-          <a:lstStyle/>
-          <a:p>
-            <a:pPr algn="ctr"/>
-            <a:r>
-              <a:rPr lang="de-DE" sz="1000" dirty="0">
-                <a:solidFill>
-                  <a:schemeClr val="bg1"/>
-                </a:solidFill>
-              </a:rPr>
-              <a:t>Nicht explizit modelliert</a:t>
-            </a:r>
-            <a:endParaRPr sz="1000" dirty="0">
-              <a:solidFill>
-                <a:schemeClr val="bg1"/>
-              </a:solidFill>
-            </a:endParaRPr>
-          </a:p>
-        </p:txBody>
-      </p:sp>
-      <p:grpSp>
-        <p:nvGrpSpPr>
-          <p:cNvPr id="41" name="Gruppieren 40"/>
-          <p:cNvGrpSpPr/>
-          <p:nvPr/>
-        </p:nvGrpSpPr>
-        <p:grpSpPr>
-          <a:xfrm>
-            <a:off x="3920216" y="3272008"/>
-            <a:ext cx="371756" cy="1071004"/>
-            <a:chOff x="2051720" y="3573016"/>
-            <a:chExt cx="371756" cy="1492287"/>
-          </a:xfrm>
-        </p:grpSpPr>
-        <p:sp>
-          <p:nvSpPr>
-            <p:cNvPr id="42" name="Raute 41"/>
-            <p:cNvSpPr/>
-            <p:nvPr>
-              <p:custDataLst>
-                <p:tags r:id="rId11"/>
-              </p:custDataLst>
-            </p:nvPr>
-          </p:nvSpPr>
-          <p:spPr bwMode="gray">
-            <a:xfrm>
-              <a:off x="2051720" y="3573016"/>
-              <a:ext cx="259431" cy="569909"/>
-            </a:xfrm>
-            <a:prstGeom prst="diamond">
-              <a:avLst/>
-            </a:prstGeom>
-            <a:solidFill>
-              <a:srgbClr val="7A51C5"/>
-            </a:solidFill>
-            <a:ln w="19050" cap="flat" cmpd="sng" algn="ctr">
-              <a:solidFill>
-                <a:schemeClr val="accent1"/>
-              </a:solidFill>
-              <a:prstDash val="solid"/>
-              <a:round/>
-              <a:headEnd type="none" w="med" len="med"/>
-              <a:tailEnd type="none" w="med" len="med"/>
-            </a:ln>
-            <a:effectLst/>
-          </p:spPr>
-          <p:txBody>
-            <a:bodyPr vert="horz" wrap="square" lIns="72000" tIns="72000" rIns="72000" bIns="72000" numCol="1" rtlCol="0" anchor="ctr" anchorCtr="0" compatLnSpc="1">
-              <a:prstTxWarp prst="textNoShape">
-                <a:avLst/>
-              </a:prstTxWarp>
-            </a:bodyPr>
-            <a:lstStyle/>
-            <a:p>
-              <a:pPr marL="0" marR="0" indent="0" algn="l" defTabSz="914400" rtl="0" eaLnBrk="0" fontAlgn="base" latinLnBrk="0" hangingPunct="0">
-                <a:lnSpc>
-                  <a:spcPct val="100000"/>
-                </a:lnSpc>
-                <a:spcBef>
-                  <a:spcPct val="50000"/>
-                </a:spcBef>
-                <a:spcAft>
-                  <a:spcPct val="0"/>
-                </a:spcAft>
-                <a:buClr>
-                  <a:schemeClr val="accent1"/>
-                </a:buClr>
-                <a:buSzPct val="80000"/>
-                <a:buFont typeface="Wingdings" pitchFamily="2" charset="2"/>
-                <a:buNone/>
-                <a:tabLst/>
-              </a:pPr>
-              <a:endParaRPr kumimoji="0" lang="en-US" sz="1800" b="0" i="0" u="none" strike="noStrike" cap="none" normalizeH="0" baseline="0" smtClean="0">
-                <a:ln>
-                  <a:noFill/>
-                </a:ln>
-                <a:solidFill>
-                  <a:schemeClr val="tx1"/>
-                </a:solidFill>
-                <a:effectLst/>
-                <a:latin typeface="Arial" charset="0"/>
-              </a:endParaRPr>
-            </a:p>
-          </p:txBody>
-        </p:sp>
-        <p:cxnSp>
-          <p:nvCxnSpPr>
-            <p:cNvPr id="43" name="Gerade Verbindung 42"/>
-            <p:cNvCxnSpPr/>
-            <p:nvPr/>
-          </p:nvCxnSpPr>
-          <p:spPr bwMode="auto">
-            <a:xfrm flipH="1">
-              <a:off x="2181435" y="3983025"/>
-              <a:ext cx="1" cy="1008000"/>
-            </a:xfrm>
-            <a:prstGeom prst="line">
-              <a:avLst/>
-            </a:prstGeom>
-            <a:solidFill>
-              <a:schemeClr val="accent1"/>
-            </a:solidFill>
-            <a:ln w="9525" cap="flat" cmpd="sng" algn="ctr">
-              <a:solidFill>
-                <a:schemeClr val="tx1"/>
-              </a:solidFill>
-              <a:prstDash val="solid"/>
-              <a:round/>
-              <a:headEnd type="none" w="med" len="med"/>
-              <a:tailEnd type="none" w="med" len="med"/>
-            </a:ln>
-            <a:effectLst/>
-          </p:spPr>
-        </p:cxnSp>
-        <p:sp>
-          <p:nvSpPr>
-            <p:cNvPr id="45" name="Textfeld 44"/>
-            <p:cNvSpPr txBox="1"/>
-            <p:nvPr/>
-          </p:nvSpPr>
-          <p:spPr>
-            <a:xfrm>
-              <a:off x="2200302" y="4620929"/>
-              <a:ext cx="223174" cy="444374"/>
-            </a:xfrm>
-            <a:prstGeom prst="rect">
-              <a:avLst/>
-            </a:prstGeom>
-            <a:noFill/>
-          </p:spPr>
-          <p:txBody>
-            <a:bodyPr wrap="square" lIns="36000" tIns="36000" rIns="36000" bIns="36000" rtlCol="0">
-              <a:spAutoFit/>
-            </a:bodyPr>
-            <a:lstStyle/>
-            <a:p>
-              <a:pPr>
-                <a:spcAft>
-                  <a:spcPts val="600"/>
-                </a:spcAft>
-              </a:pPr>
-              <a:r>
-                <a:rPr lang="de-DE" sz="1600" dirty="0" smtClean="0">
-                  <a:solidFill>
-                    <a:schemeClr val="tx1"/>
-                  </a:solidFill>
-                </a:rPr>
-                <a:t>*</a:t>
-              </a:r>
-              <a:endParaRPr lang="pt-BR" sz="1600" dirty="0" err="1" smtClean="0">
-                <a:solidFill>
-                  <a:schemeClr val="tx1"/>
-                </a:solidFill>
-              </a:endParaRPr>
-            </a:p>
-          </p:txBody>
-        </p:sp>
-      </p:grpSp>
-      <p:sp>
-        <p:nvSpPr>
-          <p:cNvPr id="47" name="Rectangle 5"/>
+          <p:cNvPr id="59" name="Rectangle 5"/>
           <p:cNvSpPr>
             <a:spLocks noChangeArrowheads="1"/>
           </p:cNvSpPr>
           <p:nvPr>
             <p:custDataLst>
-              <p:tags r:id="rId5"/>
+              <p:tags r:id="rId2"/>
             </p:custDataLst>
           </p:nvPr>
         </p:nvSpPr>
         <p:spPr bwMode="auto">
           <a:xfrm>
-            <a:off x="356286" y="2753272"/>
+            <a:off x="6390145" y="3042801"/>
             <a:ext cx="2052000" cy="494213"/>
           </a:xfrm>
           <a:prstGeom prst="rect">
@@ -23310,166 +22772,6 @@
             </a:pPr>
             <a:r>
               <a:rPr lang="en-US" sz="1100" dirty="0" err="1" smtClean="0"/>
-              <a:t>Zahlweise</a:t>
-            </a:r>
-            <a:r>
-              <a:rPr lang="en-US" sz="1100" dirty="0" smtClean="0"/>
-              <a:t> : Integer</a:t>
-            </a:r>
-            <a:endParaRPr lang="en-US" sz="1100" dirty="0"/>
-          </a:p>
-        </p:txBody>
-      </p:sp>
-      <p:sp>
-        <p:nvSpPr>
-          <p:cNvPr id="48" name="Rectangle 6"/>
-          <p:cNvSpPr>
-            <a:spLocks noChangeArrowheads="1"/>
-          </p:cNvSpPr>
-          <p:nvPr>
-            <p:custDataLst>
-              <p:tags r:id="rId6"/>
-            </p:custDataLst>
-          </p:nvPr>
-        </p:nvSpPr>
-        <p:spPr bwMode="auto">
-          <a:xfrm>
-            <a:off x="356286" y="2383389"/>
-            <a:ext cx="2052000" cy="369881"/>
-          </a:xfrm>
-          <a:prstGeom prst="rect">
-            <a:avLst/>
-          </a:prstGeom>
-          <a:solidFill>
-            <a:srgbClr val="7A51C5"/>
-          </a:solidFill>
-          <a:ln w="9525">
-            <a:solidFill>
-              <a:schemeClr val="tx1"/>
-            </a:solidFill>
-            <a:miter lim="800000"/>
-            <a:headEnd/>
-            <a:tailEnd/>
-          </a:ln>
-          <a:effectLst/>
-        </p:spPr>
-        <p:txBody>
-          <a:bodyPr wrap="square" lIns="91440" tIns="91440" rIns="91440" bIns="91440" anchor="ctr"/>
-          <a:lstStyle/>
-          <a:p>
-            <a:pPr algn="ctr" defTabSz="857250">
-              <a:spcBef>
-                <a:spcPts val="0"/>
-              </a:spcBef>
-              <a:spcAft>
-                <a:spcPts val="600"/>
-              </a:spcAft>
-            </a:pPr>
-            <a:r>
-              <a:rPr lang="en-US" sz="1000" b="1" dirty="0" err="1" smtClean="0">
-                <a:solidFill>
-                  <a:schemeClr val="bg1"/>
-                </a:solidFill>
-              </a:rPr>
-              <a:t>HausratVertrag</a:t>
-            </a:r>
-            <a:endParaRPr lang="en-US" sz="1000" b="1" dirty="0">
-              <a:solidFill>
-                <a:schemeClr val="bg1"/>
-              </a:solidFill>
-            </a:endParaRPr>
-          </a:p>
-        </p:txBody>
-      </p:sp>
-      <p:sp>
-        <p:nvSpPr>
-          <p:cNvPr id="50" name="Textfeld 49"/>
-          <p:cNvSpPr txBox="1"/>
-          <p:nvPr/>
-        </p:nvSpPr>
-        <p:spPr>
-          <a:xfrm>
-            <a:off x="188905" y="2615225"/>
-            <a:ext cx="111587" cy="226591"/>
-          </a:xfrm>
-          <a:prstGeom prst="rect">
-            <a:avLst/>
-          </a:prstGeom>
-          <a:noFill/>
-        </p:spPr>
-        <p:txBody>
-          <a:bodyPr wrap="square" lIns="36000" tIns="36000" rIns="36000" bIns="36000" rtlCol="0">
-            <a:spAutoFit/>
-          </a:bodyPr>
-          <a:lstStyle/>
-          <a:p>
-            <a:pPr>
-              <a:spcAft>
-                <a:spcPts val="600"/>
-              </a:spcAft>
-            </a:pPr>
-            <a:r>
-              <a:rPr lang="de-DE" sz="1000" dirty="0"/>
-              <a:t>*</a:t>
-            </a:r>
-            <a:endParaRPr lang="pt-BR" sz="1000" dirty="0" err="1" smtClean="0">
-              <a:solidFill>
-                <a:schemeClr val="tx1"/>
-              </a:solidFill>
-            </a:endParaRPr>
-          </a:p>
-        </p:txBody>
-      </p:sp>
-      <p:sp>
-        <p:nvSpPr>
-          <p:cNvPr id="59" name="Rectangle 5"/>
-          <p:cNvSpPr>
-            <a:spLocks noChangeArrowheads="1"/>
-          </p:cNvSpPr>
-          <p:nvPr>
-            <p:custDataLst>
-              <p:tags r:id="rId7"/>
-            </p:custDataLst>
-          </p:nvPr>
-        </p:nvSpPr>
-        <p:spPr bwMode="auto">
-          <a:xfrm>
-            <a:off x="6390145" y="2753274"/>
-            <a:ext cx="2052000" cy="494213"/>
-          </a:xfrm>
-          <a:prstGeom prst="rect">
-            <a:avLst/>
-          </a:prstGeom>
-          <a:solidFill>
-            <a:schemeClr val="bg1"/>
-          </a:solidFill>
-          <a:ln w="12700">
-            <a:solidFill>
-              <a:schemeClr val="tx1"/>
-            </a:solidFill>
-            <a:miter lim="800000"/>
-            <a:headEnd/>
-            <a:tailEnd/>
-          </a:ln>
-          <a:effectLst/>
-        </p:spPr>
-        <p:txBody>
-          <a:bodyPr wrap="square" lIns="182880" tIns="182880" rIns="182880" bIns="182880" anchor="t" anchorCtr="0"/>
-          <a:lstStyle/>
-          <a:p>
-            <a:pPr defTabSz="971550">
-              <a:spcBef>
-                <a:spcPts val="0"/>
-              </a:spcBef>
-              <a:spcAft>
-                <a:spcPts val="0"/>
-              </a:spcAft>
-              <a:buClr>
-                <a:srgbClr val="005596"/>
-              </a:buClr>
-            </a:pPr>
-            <a:r>
-              <a:rPr lang="en-US" sz="1100" dirty="0" err="1" smtClean="0"/>
               <a:t>Produktname</a:t>
             </a:r>
             <a:r>
@@ -23496,13 +22798,13 @@
           </p:cNvSpPr>
           <p:nvPr>
             <p:custDataLst>
-              <p:tags r:id="rId8"/>
+              <p:tags r:id="rId3"/>
             </p:custDataLst>
           </p:nvPr>
         </p:nvSpPr>
         <p:spPr bwMode="auto">
           <a:xfrm>
-            <a:off x="6390145" y="2383391"/>
+            <a:off x="6390145" y="2672918"/>
             <a:ext cx="2052000" cy="369881"/>
           </a:xfrm>
           <a:prstGeom prst="rect">
@@ -23534,7 +22836,7 @@
               </a:spcAft>
             </a:pPr>
             <a:r>
-              <a:rPr lang="en-US" sz="1000" b="1" dirty="0" smtClean="0">
+              <a:rPr lang="en-US" sz="1000" b="1" u="sng" dirty="0" smtClean="0">
                 <a:solidFill>
                   <a:schemeClr val="bg1"/>
                 </a:solidFill>
@@ -23542,14 +22844,14 @@
               <a:t>HR-</a:t>
             </a:r>
             <a:r>
-              <a:rPr lang="en-US" sz="1000" b="1" dirty="0" err="1" smtClean="0">
+              <a:rPr lang="en-US" sz="1000" b="1" u="sng" dirty="0" err="1" smtClean="0">
                 <a:solidFill>
                   <a:schemeClr val="bg1"/>
                 </a:solidFill>
               </a:rPr>
               <a:t>Kompakt</a:t>
             </a:r>
-            <a:endParaRPr lang="en-US" sz="1000" b="1" dirty="0">
+            <a:endParaRPr lang="en-US" sz="1000" b="1" u="sng" dirty="0">
               <a:solidFill>
                 <a:schemeClr val="bg1"/>
               </a:solidFill>
@@ -23565,7 +22867,7 @@
         </p:nvSpPr>
         <p:spPr>
           <a:xfrm>
-            <a:off x="6222764" y="2770361"/>
+            <a:off x="6222764" y="3059888"/>
             <a:ext cx="111587" cy="226591"/>
           </a:xfrm>
           <a:prstGeom prst="rect">
@@ -23604,7 +22906,7 @@
           </p:cNvSpPr>
           <p:nvPr>
             <p:custDataLst>
-              <p:tags r:id="rId9"/>
+              <p:tags r:id="rId4"/>
             </p:custDataLst>
           </p:nvPr>
         </p:nvSpPr>
@@ -23779,7 +23081,7 @@
           </p:cNvSpPr>
           <p:nvPr>
             <p:custDataLst>
-              <p:tags r:id="rId10"/>
+              <p:tags r:id="rId5"/>
             </p:custDataLst>
           </p:nvPr>
         </p:nvSpPr>
@@ -23817,7 +23119,7 @@
               </a:spcAft>
             </a:pPr>
             <a:r>
-              <a:rPr lang="en-US" sz="1000" b="1" dirty="0" smtClean="0">
+              <a:rPr lang="en-US" sz="1000" b="1" u="sng" dirty="0" smtClean="0">
                 <a:solidFill>
                   <a:schemeClr val="bg1"/>
                 </a:solidFill>
@@ -23825,7 +23127,7 @@
               <a:t>HR-</a:t>
             </a:r>
             <a:r>
-              <a:rPr lang="en-US" sz="1000" b="1" dirty="0" err="1" smtClean="0">
+              <a:rPr lang="en-US" sz="1000" b="1" u="sng" dirty="0" err="1" smtClean="0">
                 <a:solidFill>
                   <a:schemeClr val="bg1"/>
                 </a:solidFill>
@@ -23833,14 +23135,14 @@
               <a:t>Kompakt</a:t>
             </a:r>
             <a:r>
-              <a:rPr lang="en-US" sz="1000" b="1" dirty="0" smtClean="0">
+              <a:rPr lang="en-US" sz="1000" b="1" u="sng" dirty="0" smtClean="0">
                 <a:solidFill>
                   <a:schemeClr val="bg1"/>
                 </a:solidFill>
               </a:rPr>
               <a:t> 1.4.2008</a:t>
             </a:r>
-            <a:endParaRPr lang="en-US" sz="1000" b="1" dirty="0">
+            <a:endParaRPr lang="en-US" sz="1000" b="1" u="sng" dirty="0">
               <a:solidFill>
                 <a:schemeClr val="bg1"/>
               </a:solidFill>
@@ -23903,7 +23205,7 @@
         </p:nvSpPr>
         <p:spPr>
           <a:xfrm>
-            <a:off x="1758372" y="1173535"/>
+            <a:off x="1777900" y="2339614"/>
             <a:ext cx="2111297" cy="318924"/>
           </a:xfrm>
           <a:prstGeom prst="rect">
@@ -23928,7 +23230,7 @@
                   <a:schemeClr val="tx1"/>
                 </a:solidFill>
               </a:rPr>
-              <a:t>Modell</a:t>
+              <a:t>Java Code</a:t>
             </a:r>
           </a:p>
         </p:txBody>
@@ -23964,132 +23266,6 @@
       </p:cxnSp>
       <p:sp>
         <p:nvSpPr>
-          <p:cNvPr id="71" name="Ellipse 70"/>
-          <p:cNvSpPr>
-            <a:spLocks noChangeAspect="1"/>
-          </p:cNvSpPr>
-          <p:nvPr/>
-        </p:nvSpPr>
-        <p:spPr bwMode="auto">
-          <a:xfrm>
-            <a:off x="381294" y="2460331"/>
-            <a:ext cx="216000" cy="216000"/>
-          </a:xfrm>
-          <a:prstGeom prst="ellipse">
-            <a:avLst/>
-          </a:prstGeom>
-          <a:solidFill>
-            <a:srgbClr val="7A51C5"/>
-          </a:solidFill>
-          <a:ln w="12700" cap="flat">
-            <a:solidFill>
-              <a:schemeClr val="bg1"/>
-            </a:solidFill>
-            <a:prstDash val="solid"/>
-            <a:miter lim="800000"/>
-            <a:headEnd type="none" w="med" len="med"/>
-            <a:tailEnd type="none" w="med" len="med"/>
-          </a:ln>
-          <a:effectLst/>
-        </p:spPr>
-        <p:txBody>
-          <a:bodyPr wrap="none" lIns="36000" tIns="36000" rIns="36000" bIns="36000" rtlCol="0" anchor="ctr" anchorCtr="1">
-            <a:noAutofit/>
-          </a:bodyPr>
-          <a:lstStyle/>
-          <a:p>
-            <a:pPr algn="ctr">
-              <a:lnSpc>
-                <a:spcPct val="90000"/>
-              </a:lnSpc>
-              <a:spcBef>
-                <a:spcPts val="500"/>
-              </a:spcBef>
-              <a:buClr>
-                <a:schemeClr val="tx2"/>
-              </a:buClr>
-              <a:buSzPct val="100000"/>
-              <a:tabLst>
-                <a:tab pos="180975" algn="l"/>
-              </a:tabLst>
-            </a:pPr>
-            <a:r>
-              <a:rPr lang="de-DE" sz="1200" b="1" dirty="0" smtClean="0">
-                <a:solidFill>
-                  <a:schemeClr val="bg1"/>
-                </a:solidFill>
-                <a:sym typeface="Arial" charset="0"/>
-              </a:rPr>
-              <a:t>V</a:t>
-            </a:r>
-          </a:p>
-        </p:txBody>
-      </p:sp>
-      <p:sp>
-        <p:nvSpPr>
-          <p:cNvPr id="72" name="Ellipse 71"/>
-          <p:cNvSpPr>
-            <a:spLocks noChangeAspect="1"/>
-          </p:cNvSpPr>
-          <p:nvPr/>
-        </p:nvSpPr>
-        <p:spPr bwMode="auto">
-          <a:xfrm>
-            <a:off x="3037884" y="2460329"/>
-            <a:ext cx="216000" cy="216000"/>
-          </a:xfrm>
-          <a:prstGeom prst="ellipse">
-            <a:avLst/>
-          </a:prstGeom>
-          <a:solidFill>
-            <a:srgbClr val="7A51C5"/>
-          </a:solidFill>
-          <a:ln w="12700" cap="flat">
-            <a:solidFill>
-              <a:schemeClr val="bg1"/>
-            </a:solidFill>
-            <a:prstDash val="solid"/>
-            <a:miter lim="800000"/>
-            <a:headEnd type="none" w="med" len="med"/>
-            <a:tailEnd type="none" w="med" len="med"/>
-          </a:ln>
-          <a:effectLst/>
-        </p:spPr>
-        <p:txBody>
-          <a:bodyPr wrap="none" lIns="18000" tIns="18000" rIns="0" bIns="0" rtlCol="0" anchor="ctr" anchorCtr="1">
-            <a:noAutofit/>
-          </a:bodyPr>
-          <a:lstStyle/>
-          <a:p>
-            <a:pPr algn="ctr">
-              <a:lnSpc>
-                <a:spcPct val="90000"/>
-              </a:lnSpc>
-              <a:spcBef>
-                <a:spcPts val="500"/>
-              </a:spcBef>
-              <a:buClr>
-                <a:schemeClr val="tx2"/>
-              </a:buClr>
-              <a:buSzPct val="100000"/>
-              <a:tabLst>
-                <a:tab pos="180975" algn="l"/>
-              </a:tabLst>
-            </a:pPr>
-            <a:r>
-              <a:rPr lang="de-DE" sz="1200" b="1" dirty="0" smtClean="0">
-                <a:solidFill>
-                  <a:schemeClr val="bg1"/>
-                </a:solidFill>
-                <a:sym typeface="Arial" charset="0"/>
-              </a:rPr>
-              <a:t>P</a:t>
-            </a:r>
-          </a:p>
-        </p:txBody>
-      </p:sp>
-      <p:sp>
-        <p:nvSpPr>
           <p:cNvPr id="73" name="Ellipse 72"/>
           <p:cNvSpPr>
             <a:spLocks noChangeAspect="1"/>
@@ -24098,76 +23274,13 @@
         </p:nvSpPr>
         <p:spPr bwMode="auto">
           <a:xfrm>
-            <a:off x="6450770" y="2459570"/>
+            <a:off x="6450770" y="2749097"/>
             <a:ext cx="216000" cy="216000"/>
           </a:xfrm>
           <a:prstGeom prst="ellipse">
             <a:avLst/>
           </a:prstGeom>
           <a:noFill/>
-          <a:ln w="12700" cap="flat">
-            <a:solidFill>
-              <a:schemeClr val="bg1"/>
-            </a:solidFill>
-            <a:prstDash val="solid"/>
-            <a:miter lim="800000"/>
-            <a:headEnd type="none" w="med" len="med"/>
-            <a:tailEnd type="none" w="med" len="med"/>
-          </a:ln>
-          <a:effectLst/>
-        </p:spPr>
-        <p:txBody>
-          <a:bodyPr wrap="none" lIns="18000" tIns="18000" rIns="0" bIns="0" rtlCol="0" anchor="ctr" anchorCtr="1">
-            <a:noAutofit/>
-          </a:bodyPr>
-          <a:lstStyle/>
-          <a:p>
-            <a:pPr algn="ctr">
-              <a:lnSpc>
-                <a:spcPct val="90000"/>
-              </a:lnSpc>
-              <a:spcBef>
-                <a:spcPts val="500"/>
-              </a:spcBef>
-              <a:buClr>
-                <a:schemeClr val="tx2"/>
-              </a:buClr>
-              <a:buSzPct val="100000"/>
-              <a:tabLst>
-                <a:tab pos="180975" algn="l"/>
-              </a:tabLst>
-            </a:pPr>
-            <a:r>
-              <a:rPr lang="de-DE" sz="1200" b="1" dirty="0" smtClean="0">
-                <a:solidFill>
-                  <a:schemeClr val="bg1"/>
-                </a:solidFill>
-                <a:sym typeface="Arial" charset="0"/>
-              </a:rPr>
-              <a:t>P</a:t>
-            </a:r>
-          </a:p>
-        </p:txBody>
-      </p:sp>
-      <p:sp>
-        <p:nvSpPr>
-          <p:cNvPr id="74" name="Ellipse 73"/>
-          <p:cNvSpPr>
-            <a:spLocks noChangeAspect="1"/>
-          </p:cNvSpPr>
-          <p:nvPr/>
-        </p:nvSpPr>
-        <p:spPr bwMode="auto">
-          <a:xfrm>
-            <a:off x="3015203" y="4366643"/>
-            <a:ext cx="216000" cy="216000"/>
-          </a:xfrm>
-          <a:prstGeom prst="ellipse">
-            <a:avLst/>
-          </a:prstGeom>
-          <a:solidFill>
-            <a:srgbClr val="7A51C5"/>
-          </a:solidFill>
           <a:ln w="12700" cap="flat">
             <a:solidFill>
               <a:schemeClr val="bg1"/>
@@ -24272,46 +23385,6 @@
           </a:p>
         </p:txBody>
       </p:sp>
-      <p:pic>
-        <p:nvPicPr>
-          <p:cNvPr id="40" name="Picture 2" descr="C:\dev\fips-head\org.faktorips.devtools.core.ui\icons\ovr16\changeovertime_ovr.gif"/>
-          <p:cNvPicPr>
-            <a:picLocks noChangeAspect="1" noChangeArrowheads="1"/>
-          </p:cNvPicPr>
-          <p:nvPr/>
-        </p:nvPicPr>
-        <p:blipFill>
-          <a:blip r:embed="rId13">
-            <a:extLst>
-              <a:ext uri="{28A0092B-C50C-407E-A947-70E740481C1C}">
-                <a14:useLocalDpi xmlns:a14="http://schemas.microsoft.com/office/drawing/2010/main" val="0"/>
-              </a:ext>
-            </a:extLst>
-          </a:blip>
-          <a:stretch>
-            <a:fillRect/>
-          </a:stretch>
-        </p:blipFill>
-        <p:spPr bwMode="auto">
-          <a:xfrm>
-            <a:off x="381294" y="2928693"/>
-            <a:ext cx="152400" cy="152400"/>
-          </a:xfrm>
-          <a:prstGeom prst="rect">
-            <a:avLst/>
-          </a:prstGeom>
-          <a:noFill/>
-          <a:extLst>
-            <a:ext uri="{909E8E84-426E-40DD-AFC4-6F175D3DCCD1}">
-              <a14:hiddenFill xmlns:a14="http://schemas.microsoft.com/office/drawing/2010/main">
-                <a:solidFill>
-                  <a:srgbClr val="FFFFFF"/>
-                </a:solidFill>
-              </a14:hiddenFill>
-            </a:ext>
-          </a:extLst>
-        </p:spPr>
-      </p:pic>
       <p:grpSp>
         <p:nvGrpSpPr>
           <p:cNvPr id="51" name="Gruppieren 50"/>
@@ -24398,7 +23471,7 @@
             <p:nvPr/>
           </p:nvPicPr>
           <p:blipFill>
-            <a:blip r:embed="rId13">
+            <a:blip r:embed="rId17">
               <a:extLst>
                 <a:ext uri="{28A0092B-C50C-407E-A947-70E740481C1C}">
                   <a14:useLocalDpi xmlns:a14="http://schemas.microsoft.com/office/drawing/2010/main" val="0"/>
@@ -24447,7 +23520,7 @@
           <a:p>
             <a:fld id="{D5652802-49E7-4967-8395-501233EBD476}" type="datetime1">
               <a:rPr lang="de-DE" smtClean="0"/>
-              <a:t>29.09.2015</a:t>
+              <a:t>15.04.2015</a:t>
             </a:fld>
             <a:endParaRPr lang="de-DE" dirty="0"/>
           </a:p>
@@ -24478,6 +23551,1187 @@
               <a:t>25</a:t>
             </a:fld>
             <a:endParaRPr lang="de-DE" dirty="0"/>
+          </a:p>
+        </p:txBody>
+      </p:sp>
+      <p:cxnSp>
+        <p:nvCxnSpPr>
+          <p:cNvPr id="80" name="Gerade Verbindung 79"/>
+          <p:cNvCxnSpPr>
+            <a:stCxn id="91" idx="3"/>
+            <a:endCxn id="81" idx="1"/>
+          </p:cNvCxnSpPr>
+          <p:nvPr/>
+        </p:nvCxnSpPr>
+        <p:spPr bwMode="auto">
+          <a:xfrm>
+            <a:off x="2408286" y="3289906"/>
+            <a:ext cx="570873" cy="2"/>
+          </a:xfrm>
+          <a:prstGeom prst="line">
+            <a:avLst/>
+          </a:prstGeom>
+          <a:solidFill>
+            <a:schemeClr val="accent1"/>
+          </a:solidFill>
+          <a:ln w="9525" cap="flat" cmpd="sng" algn="ctr">
+            <a:solidFill>
+              <a:schemeClr val="tx1"/>
+            </a:solidFill>
+            <a:prstDash val="solid"/>
+            <a:round/>
+            <a:headEnd type="none" w="med" len="med"/>
+            <a:tailEnd type="none" w="med" len="med"/>
+          </a:ln>
+          <a:effectLst/>
+        </p:spPr>
+      </p:cxnSp>
+      <p:sp>
+        <p:nvSpPr>
+          <p:cNvPr id="81" name="Rectangle 5"/>
+          <p:cNvSpPr>
+            <a:spLocks noChangeArrowheads="1"/>
+          </p:cNvSpPr>
+          <p:nvPr>
+            <p:custDataLst>
+              <p:tags r:id="rId6"/>
+            </p:custDataLst>
+          </p:nvPr>
+        </p:nvSpPr>
+        <p:spPr bwMode="auto">
+          <a:xfrm>
+            <a:off x="2979159" y="3042801"/>
+            <a:ext cx="2052000" cy="494213"/>
+          </a:xfrm>
+          <a:prstGeom prst="rect">
+            <a:avLst/>
+          </a:prstGeom>
+          <a:solidFill>
+            <a:schemeClr val="bg1"/>
+          </a:solidFill>
+          <a:ln w="12700">
+            <a:solidFill>
+              <a:schemeClr val="tx1"/>
+            </a:solidFill>
+            <a:miter lim="800000"/>
+            <a:headEnd/>
+            <a:tailEnd/>
+          </a:ln>
+          <a:effectLst/>
+        </p:spPr>
+        <p:txBody>
+          <a:bodyPr wrap="square" lIns="182880" tIns="182880" rIns="182880" bIns="182880" anchor="t" anchorCtr="0"/>
+          <a:lstStyle/>
+          <a:p>
+            <a:pPr defTabSz="971550">
+              <a:spcBef>
+                <a:spcPts val="0"/>
+              </a:spcBef>
+              <a:spcAft>
+                <a:spcPts val="0"/>
+              </a:spcAft>
+              <a:buClr>
+                <a:srgbClr val="005596"/>
+              </a:buClr>
+            </a:pPr>
+            <a:r>
+              <a:rPr lang="en-US" sz="1100" dirty="0" err="1"/>
+              <a:t>Produktname</a:t>
+            </a:r>
+            <a:r>
+              <a:rPr lang="en-US" sz="1100" dirty="0"/>
+              <a:t>: String</a:t>
+            </a:r>
+          </a:p>
+        </p:txBody>
+      </p:sp>
+      <p:sp>
+        <p:nvSpPr>
+          <p:cNvPr id="82" name="Rectangle 6"/>
+          <p:cNvSpPr>
+            <a:spLocks noChangeArrowheads="1"/>
+          </p:cNvSpPr>
+          <p:nvPr>
+            <p:custDataLst>
+              <p:tags r:id="rId7"/>
+            </p:custDataLst>
+          </p:nvPr>
+        </p:nvSpPr>
+        <p:spPr bwMode="auto">
+          <a:xfrm>
+            <a:off x="2979159" y="2672918"/>
+            <a:ext cx="2052000" cy="369881"/>
+          </a:xfrm>
+          <a:prstGeom prst="rect">
+            <a:avLst/>
+          </a:prstGeom>
+          <a:solidFill>
+            <a:schemeClr val="bg1"/>
+          </a:solidFill>
+          <a:ln w="9525">
+            <a:solidFill>
+              <a:schemeClr val="tx1"/>
+            </a:solidFill>
+            <a:miter lim="800000"/>
+            <a:headEnd/>
+            <a:tailEnd/>
+          </a:ln>
+          <a:effectLst/>
+        </p:spPr>
+        <p:txBody>
+          <a:bodyPr wrap="square" lIns="91440" tIns="91440" rIns="91440" bIns="91440" anchor="ctr"/>
+          <a:lstStyle/>
+          <a:p>
+            <a:pPr algn="ctr" defTabSz="857250">
+              <a:spcBef>
+                <a:spcPts val="0"/>
+              </a:spcBef>
+              <a:spcAft>
+                <a:spcPts val="600"/>
+              </a:spcAft>
+            </a:pPr>
+            <a:r>
+              <a:rPr lang="en-US" sz="1050" b="1" dirty="0" err="1" smtClean="0">
+                <a:solidFill>
+                  <a:schemeClr val="accent6"/>
+                </a:solidFill>
+              </a:rPr>
+              <a:t>HausratProdukt</a:t>
+            </a:r>
+            <a:endParaRPr lang="en-US" sz="1050" b="1" dirty="0">
+              <a:solidFill>
+                <a:schemeClr val="accent6"/>
+              </a:solidFill>
+            </a:endParaRPr>
+          </a:p>
+        </p:txBody>
+      </p:sp>
+      <p:sp>
+        <p:nvSpPr>
+          <p:cNvPr id="85" name="Rectangle 5"/>
+          <p:cNvSpPr>
+            <a:spLocks noChangeArrowheads="1"/>
+          </p:cNvSpPr>
+          <p:nvPr>
+            <p:custDataLst>
+              <p:tags r:id="rId8"/>
+            </p:custDataLst>
+          </p:nvPr>
+        </p:nvSpPr>
+        <p:spPr bwMode="auto">
+          <a:xfrm>
+            <a:off x="2715494" y="4659586"/>
+            <a:ext cx="2321742" cy="918301"/>
+          </a:xfrm>
+          <a:prstGeom prst="rect">
+            <a:avLst/>
+          </a:prstGeom>
+          <a:solidFill>
+            <a:schemeClr val="bg1"/>
+          </a:solidFill>
+          <a:ln w="12700">
+            <a:solidFill>
+              <a:schemeClr val="tx1"/>
+            </a:solidFill>
+            <a:miter lim="800000"/>
+            <a:headEnd/>
+            <a:tailEnd/>
+          </a:ln>
+          <a:effectLst/>
+        </p:spPr>
+        <p:txBody>
+          <a:bodyPr wrap="square" lIns="182880" tIns="182880" rIns="182880" bIns="182880" anchor="t" anchorCtr="0"/>
+          <a:lstStyle/>
+          <a:p>
+            <a:pPr defTabSz="971550">
+              <a:spcBef>
+                <a:spcPts val="0"/>
+              </a:spcBef>
+              <a:spcAft>
+                <a:spcPts val="0"/>
+              </a:spcAft>
+              <a:buClr>
+                <a:srgbClr val="005596"/>
+              </a:buClr>
+            </a:pPr>
+            <a:r>
+              <a:rPr lang="en-US" sz="1100" dirty="0" err="1" smtClean="0"/>
+              <a:t>validFrom</a:t>
+            </a:r>
+            <a:r>
+              <a:rPr lang="en-US" sz="1100" dirty="0" smtClean="0"/>
+              <a:t>: Date</a:t>
+            </a:r>
+          </a:p>
+          <a:p>
+            <a:pPr defTabSz="971550">
+              <a:spcBef>
+                <a:spcPts val="0"/>
+              </a:spcBef>
+              <a:spcAft>
+                <a:spcPts val="0"/>
+              </a:spcAft>
+              <a:buClr>
+                <a:srgbClr val="005596"/>
+              </a:buClr>
+            </a:pPr>
+            <a:r>
+              <a:rPr lang="en-US" sz="1100" dirty="0" err="1" smtClean="0"/>
+              <a:t>defaultZahlweise</a:t>
+            </a:r>
+            <a:r>
+              <a:rPr lang="en-US" sz="1100" dirty="0" smtClean="0"/>
+              <a:t>: Integer</a:t>
+            </a:r>
+          </a:p>
+          <a:p>
+            <a:pPr defTabSz="971550">
+              <a:spcBef>
+                <a:spcPts val="0"/>
+              </a:spcBef>
+              <a:spcAft>
+                <a:spcPts val="0"/>
+              </a:spcAft>
+              <a:buClr>
+                <a:srgbClr val="005596"/>
+              </a:buClr>
+            </a:pPr>
+            <a:r>
+              <a:rPr lang="en-US" sz="1100" dirty="0" err="1" smtClean="0"/>
+              <a:t>allowedValuesZahlweise</a:t>
+            </a:r>
+            <a:r>
+              <a:rPr lang="en-US" sz="1100" dirty="0" smtClean="0"/>
+              <a:t>: List</a:t>
+            </a:r>
+          </a:p>
+          <a:p>
+            <a:pPr defTabSz="971550">
+              <a:spcBef>
+                <a:spcPts val="0"/>
+              </a:spcBef>
+              <a:spcAft>
+                <a:spcPts val="0"/>
+              </a:spcAft>
+              <a:buClr>
+                <a:srgbClr val="005596"/>
+              </a:buClr>
+            </a:pPr>
+            <a:endParaRPr lang="en-US" sz="1100" dirty="0"/>
+          </a:p>
+        </p:txBody>
+      </p:sp>
+      <p:sp>
+        <p:nvSpPr>
+          <p:cNvPr id="86" name="Rectangle 6"/>
+          <p:cNvSpPr>
+            <a:spLocks noChangeArrowheads="1"/>
+          </p:cNvSpPr>
+          <p:nvPr>
+            <p:custDataLst>
+              <p:tags r:id="rId9"/>
+            </p:custDataLst>
+          </p:nvPr>
+        </p:nvSpPr>
+        <p:spPr bwMode="auto">
+          <a:xfrm>
+            <a:off x="2715495" y="4289703"/>
+            <a:ext cx="2321742" cy="369881"/>
+          </a:xfrm>
+          <a:prstGeom prst="rect">
+            <a:avLst/>
+          </a:prstGeom>
+          <a:solidFill>
+            <a:schemeClr val="bg1"/>
+          </a:solidFill>
+          <a:ln w="9525">
+            <a:solidFill>
+              <a:schemeClr val="tx1"/>
+            </a:solidFill>
+            <a:miter lim="800000"/>
+            <a:headEnd/>
+            <a:tailEnd/>
+          </a:ln>
+          <a:effectLst/>
+        </p:spPr>
+        <p:txBody>
+          <a:bodyPr wrap="square" lIns="91440" tIns="91440" rIns="91440" bIns="91440" anchor="ctr"/>
+          <a:lstStyle/>
+          <a:p>
+            <a:pPr algn="ctr" defTabSz="857250">
+              <a:spcBef>
+                <a:spcPts val="0"/>
+              </a:spcBef>
+              <a:spcAft>
+                <a:spcPts val="600"/>
+              </a:spcAft>
+            </a:pPr>
+            <a:r>
+              <a:rPr lang="en-US" sz="1050" b="1" dirty="0" err="1" smtClean="0">
+                <a:solidFill>
+                  <a:schemeClr val="accent6"/>
+                </a:solidFill>
+              </a:rPr>
+              <a:t>HausratProduktAnpStufe</a:t>
+            </a:r>
+            <a:endParaRPr lang="en-US" sz="1050" b="1" dirty="0">
+              <a:solidFill>
+                <a:schemeClr val="accent6"/>
+              </a:solidFill>
+            </a:endParaRPr>
+          </a:p>
+        </p:txBody>
+      </p:sp>
+      <p:grpSp>
+        <p:nvGrpSpPr>
+          <p:cNvPr id="87" name="Gruppieren 86"/>
+          <p:cNvGrpSpPr/>
+          <p:nvPr/>
+        </p:nvGrpSpPr>
+        <p:grpSpPr>
+          <a:xfrm>
+            <a:off x="3993005" y="3539520"/>
+            <a:ext cx="298967" cy="803492"/>
+            <a:chOff x="2124509" y="3591818"/>
+            <a:chExt cx="298967" cy="1473485"/>
+          </a:xfrm>
+        </p:grpSpPr>
+        <p:sp>
+          <p:nvSpPr>
+            <p:cNvPr id="88" name="Raute 87"/>
+            <p:cNvSpPr/>
+            <p:nvPr>
+              <p:custDataLst>
+                <p:tags r:id="rId15"/>
+              </p:custDataLst>
+            </p:nvPr>
+          </p:nvSpPr>
+          <p:spPr bwMode="gray">
+            <a:xfrm>
+              <a:off x="2124509" y="3591818"/>
+              <a:ext cx="113854" cy="250110"/>
+            </a:xfrm>
+            <a:prstGeom prst="diamond">
+              <a:avLst/>
+            </a:prstGeom>
+            <a:solidFill>
+              <a:srgbClr val="7A51C5"/>
+            </a:solidFill>
+            <a:ln w="19050" cap="flat" cmpd="sng" algn="ctr">
+              <a:solidFill>
+                <a:schemeClr val="accent1"/>
+              </a:solidFill>
+              <a:prstDash val="solid"/>
+              <a:round/>
+              <a:headEnd type="none" w="med" len="med"/>
+              <a:tailEnd type="none" w="med" len="med"/>
+            </a:ln>
+            <a:effectLst/>
+          </p:spPr>
+          <p:txBody>
+            <a:bodyPr vert="horz" wrap="square" lIns="72000" tIns="72000" rIns="72000" bIns="72000" numCol="1" rtlCol="0" anchor="ctr" anchorCtr="0" compatLnSpc="1">
+              <a:prstTxWarp prst="textNoShape">
+                <a:avLst/>
+              </a:prstTxWarp>
+            </a:bodyPr>
+            <a:lstStyle/>
+            <a:p>
+              <a:pPr marL="0" marR="0" indent="0" algn="l" defTabSz="914400" rtl="0" eaLnBrk="0" fontAlgn="base" latinLnBrk="0" hangingPunct="0">
+                <a:lnSpc>
+                  <a:spcPct val="100000"/>
+                </a:lnSpc>
+                <a:spcBef>
+                  <a:spcPct val="50000"/>
+                </a:spcBef>
+                <a:spcAft>
+                  <a:spcPct val="0"/>
+                </a:spcAft>
+                <a:buClr>
+                  <a:schemeClr val="accent1"/>
+                </a:buClr>
+                <a:buSzPct val="80000"/>
+                <a:buFont typeface="Wingdings" pitchFamily="2" charset="2"/>
+                <a:buNone/>
+                <a:tabLst/>
+              </a:pPr>
+              <a:endParaRPr kumimoji="0" lang="en-US" sz="1800" b="0" i="0" u="none" strike="noStrike" cap="none" normalizeH="0" baseline="0" smtClean="0">
+                <a:ln>
+                  <a:noFill/>
+                </a:ln>
+                <a:solidFill>
+                  <a:schemeClr val="tx1"/>
+                </a:solidFill>
+                <a:effectLst/>
+                <a:latin typeface="Arial" charset="0"/>
+              </a:endParaRPr>
+            </a:p>
+          </p:txBody>
+        </p:sp>
+        <p:cxnSp>
+          <p:nvCxnSpPr>
+            <p:cNvPr id="89" name="Gerade Verbindung 88"/>
+            <p:cNvCxnSpPr>
+              <a:stCxn id="88" idx="2"/>
+            </p:cNvCxnSpPr>
+            <p:nvPr/>
+          </p:nvCxnSpPr>
+          <p:spPr bwMode="auto">
+            <a:xfrm>
+              <a:off x="2181436" y="3841928"/>
+              <a:ext cx="0" cy="1149098"/>
+            </a:xfrm>
+            <a:prstGeom prst="line">
+              <a:avLst/>
+            </a:prstGeom>
+            <a:solidFill>
+              <a:schemeClr val="accent1"/>
+            </a:solidFill>
+            <a:ln w="9525" cap="flat" cmpd="sng" algn="ctr">
+              <a:solidFill>
+                <a:schemeClr val="tx1"/>
+              </a:solidFill>
+              <a:prstDash val="solid"/>
+              <a:round/>
+              <a:headEnd type="none" w="med" len="med"/>
+              <a:tailEnd type="none" w="med" len="med"/>
+            </a:ln>
+            <a:effectLst/>
+          </p:spPr>
+        </p:cxnSp>
+        <p:sp>
+          <p:nvSpPr>
+            <p:cNvPr id="90" name="Textfeld 89"/>
+            <p:cNvSpPr txBox="1"/>
+            <p:nvPr/>
+          </p:nvSpPr>
+          <p:spPr>
+            <a:xfrm>
+              <a:off x="2200302" y="4620929"/>
+              <a:ext cx="223174" cy="444374"/>
+            </a:xfrm>
+            <a:prstGeom prst="rect">
+              <a:avLst/>
+            </a:prstGeom>
+            <a:noFill/>
+          </p:spPr>
+          <p:txBody>
+            <a:bodyPr wrap="square" lIns="36000" tIns="36000" rIns="36000" bIns="36000" rtlCol="0">
+              <a:spAutoFit/>
+            </a:bodyPr>
+            <a:lstStyle/>
+            <a:p>
+              <a:pPr>
+                <a:spcAft>
+                  <a:spcPts val="600"/>
+                </a:spcAft>
+              </a:pPr>
+              <a:r>
+                <a:rPr lang="de-DE" sz="1600" dirty="0" smtClean="0">
+                  <a:solidFill>
+                    <a:schemeClr val="tx1"/>
+                  </a:solidFill>
+                </a:rPr>
+                <a:t>*</a:t>
+              </a:r>
+              <a:endParaRPr lang="pt-BR" sz="1600" dirty="0" err="1" smtClean="0">
+                <a:solidFill>
+                  <a:schemeClr val="tx1"/>
+                </a:solidFill>
+              </a:endParaRPr>
+            </a:p>
+          </p:txBody>
+        </p:sp>
+      </p:grpSp>
+      <p:sp>
+        <p:nvSpPr>
+          <p:cNvPr id="92" name="Rectangle 6"/>
+          <p:cNvSpPr>
+            <a:spLocks noChangeArrowheads="1"/>
+          </p:cNvSpPr>
+          <p:nvPr>
+            <p:custDataLst>
+              <p:tags r:id="rId10"/>
+            </p:custDataLst>
+          </p:nvPr>
+        </p:nvSpPr>
+        <p:spPr bwMode="auto">
+          <a:xfrm>
+            <a:off x="356286" y="2672916"/>
+            <a:ext cx="2052000" cy="369881"/>
+          </a:xfrm>
+          <a:prstGeom prst="rect">
+            <a:avLst/>
+          </a:prstGeom>
+          <a:solidFill>
+            <a:schemeClr val="bg1"/>
+          </a:solidFill>
+          <a:ln w="9525">
+            <a:solidFill>
+              <a:schemeClr val="tx1"/>
+            </a:solidFill>
+            <a:miter lim="800000"/>
+            <a:headEnd/>
+            <a:tailEnd/>
+          </a:ln>
+          <a:effectLst/>
+        </p:spPr>
+        <p:txBody>
+          <a:bodyPr wrap="square" lIns="91440" tIns="91440" rIns="91440" bIns="91440" anchor="ctr"/>
+          <a:lstStyle/>
+          <a:p>
+            <a:pPr algn="ctr" defTabSz="857250">
+              <a:spcBef>
+                <a:spcPts val="0"/>
+              </a:spcBef>
+              <a:spcAft>
+                <a:spcPts val="600"/>
+              </a:spcAft>
+            </a:pPr>
+            <a:r>
+              <a:rPr lang="en-US" sz="1050" b="1" dirty="0" err="1" smtClean="0">
+                <a:solidFill>
+                  <a:schemeClr val="accent6"/>
+                </a:solidFill>
+              </a:rPr>
+              <a:t>HausratVertrag</a:t>
+            </a:r>
+            <a:endParaRPr lang="en-US" sz="1050" b="1" dirty="0">
+              <a:solidFill>
+                <a:schemeClr val="accent6"/>
+              </a:solidFill>
+            </a:endParaRPr>
+          </a:p>
+        </p:txBody>
+      </p:sp>
+      <p:cxnSp>
+        <p:nvCxnSpPr>
+          <p:cNvPr id="93" name="Gerade Verbindung 92"/>
+          <p:cNvCxnSpPr>
+            <a:stCxn id="98" idx="3"/>
+            <a:endCxn id="94" idx="1"/>
+          </p:cNvCxnSpPr>
+          <p:nvPr/>
+        </p:nvCxnSpPr>
+        <p:spPr bwMode="auto">
+          <a:xfrm>
+            <a:off x="2430057" y="1805395"/>
+            <a:ext cx="570873" cy="2"/>
+          </a:xfrm>
+          <a:prstGeom prst="line">
+            <a:avLst/>
+          </a:prstGeom>
+          <a:solidFill>
+            <a:schemeClr val="accent1"/>
+          </a:solidFill>
+          <a:ln w="9525" cap="flat" cmpd="sng" algn="ctr">
+            <a:solidFill>
+              <a:schemeClr val="tx1"/>
+            </a:solidFill>
+            <a:prstDash val="solid"/>
+            <a:round/>
+            <a:headEnd type="none" w="med" len="med"/>
+            <a:tailEnd type="none" w="med" len="med"/>
+          </a:ln>
+          <a:effectLst/>
+        </p:spPr>
+      </p:cxnSp>
+      <p:sp>
+        <p:nvSpPr>
+          <p:cNvPr id="94" name="Rectangle 5"/>
+          <p:cNvSpPr>
+            <a:spLocks noChangeArrowheads="1"/>
+          </p:cNvSpPr>
+          <p:nvPr>
+            <p:custDataLst>
+              <p:tags r:id="rId11"/>
+            </p:custDataLst>
+          </p:nvPr>
+        </p:nvSpPr>
+        <p:spPr bwMode="auto">
+          <a:xfrm>
+            <a:off x="3000930" y="1558290"/>
+            <a:ext cx="2052000" cy="494213"/>
+          </a:xfrm>
+          <a:prstGeom prst="rect">
+            <a:avLst/>
+          </a:prstGeom>
+          <a:solidFill>
+            <a:schemeClr val="bg1"/>
+          </a:solidFill>
+          <a:ln w="12700">
+            <a:solidFill>
+              <a:schemeClr val="tx1"/>
+            </a:solidFill>
+            <a:miter lim="800000"/>
+            <a:headEnd/>
+            <a:tailEnd/>
+          </a:ln>
+          <a:effectLst/>
+        </p:spPr>
+        <p:txBody>
+          <a:bodyPr wrap="square" lIns="182880" tIns="182880" rIns="182880" bIns="182880" anchor="t" anchorCtr="0"/>
+          <a:lstStyle/>
+          <a:p>
+            <a:pPr defTabSz="971550">
+              <a:spcBef>
+                <a:spcPts val="0"/>
+              </a:spcBef>
+              <a:spcAft>
+                <a:spcPts val="0"/>
+              </a:spcAft>
+              <a:buClr>
+                <a:srgbClr val="005596"/>
+              </a:buClr>
+            </a:pPr>
+            <a:r>
+              <a:rPr lang="en-US" sz="1100" dirty="0" err="1"/>
+              <a:t>Produktname</a:t>
+            </a:r>
+            <a:r>
+              <a:rPr lang="en-US" sz="1100" dirty="0"/>
+              <a:t>: String</a:t>
+            </a:r>
+          </a:p>
+        </p:txBody>
+      </p:sp>
+      <p:sp>
+        <p:nvSpPr>
+          <p:cNvPr id="95" name="Rectangle 6"/>
+          <p:cNvSpPr>
+            <a:spLocks noChangeArrowheads="1"/>
+          </p:cNvSpPr>
+          <p:nvPr>
+            <p:custDataLst>
+              <p:tags r:id="rId12"/>
+            </p:custDataLst>
+          </p:nvPr>
+        </p:nvSpPr>
+        <p:spPr bwMode="auto">
+          <a:xfrm>
+            <a:off x="3000930" y="1188407"/>
+            <a:ext cx="2052000" cy="369881"/>
+          </a:xfrm>
+          <a:prstGeom prst="rect">
+            <a:avLst/>
+          </a:prstGeom>
+          <a:solidFill>
+            <a:srgbClr val="7A51C5"/>
+          </a:solidFill>
+          <a:ln w="9525">
+            <a:solidFill>
+              <a:schemeClr val="tx1"/>
+            </a:solidFill>
+            <a:miter lim="800000"/>
+            <a:headEnd/>
+            <a:tailEnd/>
+          </a:ln>
+          <a:effectLst/>
+        </p:spPr>
+        <p:txBody>
+          <a:bodyPr wrap="square" lIns="91440" tIns="91440" rIns="91440" bIns="91440" anchor="ctr"/>
+          <a:lstStyle/>
+          <a:p>
+            <a:pPr algn="ctr" defTabSz="857250">
+              <a:spcBef>
+                <a:spcPts val="0"/>
+              </a:spcBef>
+              <a:spcAft>
+                <a:spcPts val="600"/>
+              </a:spcAft>
+            </a:pPr>
+            <a:r>
+              <a:rPr lang="en-US" sz="1000" b="1" dirty="0" err="1" smtClean="0">
+                <a:solidFill>
+                  <a:schemeClr val="bg1"/>
+                </a:solidFill>
+              </a:rPr>
+              <a:t>HausratProdukt</a:t>
+            </a:r>
+            <a:endParaRPr lang="en-US" sz="1000" b="1" dirty="0">
+              <a:solidFill>
+                <a:schemeClr val="bg1"/>
+              </a:solidFill>
+            </a:endParaRPr>
+          </a:p>
+        </p:txBody>
+      </p:sp>
+      <p:sp>
+        <p:nvSpPr>
+          <p:cNvPr id="98" name="Rectangle 5"/>
+          <p:cNvSpPr>
+            <a:spLocks noChangeArrowheads="1"/>
+          </p:cNvSpPr>
+          <p:nvPr>
+            <p:custDataLst>
+              <p:tags r:id="rId13"/>
+            </p:custDataLst>
+          </p:nvPr>
+        </p:nvSpPr>
+        <p:spPr bwMode="auto">
+          <a:xfrm>
+            <a:off x="378057" y="1558288"/>
+            <a:ext cx="2052000" cy="494213"/>
+          </a:xfrm>
+          <a:prstGeom prst="rect">
+            <a:avLst/>
+          </a:prstGeom>
+          <a:solidFill>
+            <a:schemeClr val="bg1"/>
+          </a:solidFill>
+          <a:ln w="12700">
+            <a:solidFill>
+              <a:schemeClr val="tx1"/>
+            </a:solidFill>
+            <a:miter lim="800000"/>
+            <a:headEnd/>
+            <a:tailEnd/>
+          </a:ln>
+          <a:effectLst/>
+        </p:spPr>
+        <p:txBody>
+          <a:bodyPr wrap="square" lIns="182880" tIns="182880" rIns="182880" bIns="182880" anchor="t" anchorCtr="0"/>
+          <a:lstStyle/>
+          <a:p>
+            <a:pPr defTabSz="971550">
+              <a:spcBef>
+                <a:spcPts val="0"/>
+              </a:spcBef>
+              <a:spcAft>
+                <a:spcPts val="0"/>
+              </a:spcAft>
+              <a:buClr>
+                <a:srgbClr val="005596"/>
+              </a:buClr>
+            </a:pPr>
+            <a:r>
+              <a:rPr lang="en-US" sz="1100" dirty="0" err="1" smtClean="0"/>
+              <a:t>Zahlweise</a:t>
+            </a:r>
+            <a:r>
+              <a:rPr lang="en-US" sz="1100" dirty="0" smtClean="0"/>
+              <a:t> : Integer</a:t>
+            </a:r>
+            <a:endParaRPr lang="en-US" sz="1100" dirty="0"/>
+          </a:p>
+        </p:txBody>
+      </p:sp>
+      <p:sp>
+        <p:nvSpPr>
+          <p:cNvPr id="99" name="Rectangle 6"/>
+          <p:cNvSpPr>
+            <a:spLocks noChangeArrowheads="1"/>
+          </p:cNvSpPr>
+          <p:nvPr>
+            <p:custDataLst>
+              <p:tags r:id="rId14"/>
+            </p:custDataLst>
+          </p:nvPr>
+        </p:nvSpPr>
+        <p:spPr bwMode="auto">
+          <a:xfrm>
+            <a:off x="378057" y="1188405"/>
+            <a:ext cx="2052000" cy="369881"/>
+          </a:xfrm>
+          <a:prstGeom prst="rect">
+            <a:avLst/>
+          </a:prstGeom>
+          <a:solidFill>
+            <a:srgbClr val="7A51C5"/>
+          </a:solidFill>
+          <a:ln w="9525">
+            <a:solidFill>
+              <a:schemeClr val="tx1"/>
+            </a:solidFill>
+            <a:miter lim="800000"/>
+            <a:headEnd/>
+            <a:tailEnd/>
+          </a:ln>
+          <a:effectLst/>
+        </p:spPr>
+        <p:txBody>
+          <a:bodyPr wrap="square" lIns="91440" tIns="91440" rIns="91440" bIns="91440" anchor="ctr"/>
+          <a:lstStyle/>
+          <a:p>
+            <a:pPr algn="ctr" defTabSz="857250">
+              <a:spcBef>
+                <a:spcPts val="0"/>
+              </a:spcBef>
+              <a:spcAft>
+                <a:spcPts val="600"/>
+              </a:spcAft>
+            </a:pPr>
+            <a:r>
+              <a:rPr lang="en-US" sz="1000" b="1" dirty="0" err="1" smtClean="0">
+                <a:solidFill>
+                  <a:schemeClr val="bg1"/>
+                </a:solidFill>
+              </a:rPr>
+              <a:t>HausratVertrag</a:t>
+            </a:r>
+            <a:endParaRPr lang="en-US" sz="1000" b="1" dirty="0">
+              <a:solidFill>
+                <a:schemeClr val="bg1"/>
+              </a:solidFill>
+            </a:endParaRPr>
+          </a:p>
+        </p:txBody>
+      </p:sp>
+      <p:sp>
+        <p:nvSpPr>
+          <p:cNvPr id="100" name="Ellipse 99"/>
+          <p:cNvSpPr>
+            <a:spLocks noChangeAspect="1"/>
+          </p:cNvSpPr>
+          <p:nvPr/>
+        </p:nvSpPr>
+        <p:spPr bwMode="auto">
+          <a:xfrm>
+            <a:off x="403065" y="1265347"/>
+            <a:ext cx="216000" cy="216000"/>
+          </a:xfrm>
+          <a:prstGeom prst="ellipse">
+            <a:avLst/>
+          </a:prstGeom>
+          <a:solidFill>
+            <a:srgbClr val="7A51C5"/>
+          </a:solidFill>
+          <a:ln w="12700" cap="flat">
+            <a:solidFill>
+              <a:schemeClr val="bg1"/>
+            </a:solidFill>
+            <a:prstDash val="solid"/>
+            <a:miter lim="800000"/>
+            <a:headEnd type="none" w="med" len="med"/>
+            <a:tailEnd type="none" w="med" len="med"/>
+          </a:ln>
+          <a:effectLst/>
+        </p:spPr>
+        <p:txBody>
+          <a:bodyPr wrap="none" lIns="36000" tIns="36000" rIns="36000" bIns="36000" rtlCol="0" anchor="ctr" anchorCtr="1">
+            <a:noAutofit/>
+          </a:bodyPr>
+          <a:lstStyle/>
+          <a:p>
+            <a:pPr algn="ctr">
+              <a:lnSpc>
+                <a:spcPct val="90000"/>
+              </a:lnSpc>
+              <a:spcBef>
+                <a:spcPts val="500"/>
+              </a:spcBef>
+              <a:buClr>
+                <a:schemeClr val="tx2"/>
+              </a:buClr>
+              <a:buSzPct val="100000"/>
+              <a:tabLst>
+                <a:tab pos="180975" algn="l"/>
+              </a:tabLst>
+            </a:pPr>
+            <a:r>
+              <a:rPr lang="de-DE" sz="1200" b="1" dirty="0" smtClean="0">
+                <a:solidFill>
+                  <a:schemeClr val="bg1"/>
+                </a:solidFill>
+                <a:sym typeface="Arial" charset="0"/>
+              </a:rPr>
+              <a:t>V</a:t>
+            </a:r>
+          </a:p>
+        </p:txBody>
+      </p:sp>
+      <p:sp>
+        <p:nvSpPr>
+          <p:cNvPr id="101" name="Ellipse 100"/>
+          <p:cNvSpPr>
+            <a:spLocks noChangeAspect="1"/>
+          </p:cNvSpPr>
+          <p:nvPr/>
+        </p:nvSpPr>
+        <p:spPr bwMode="auto">
+          <a:xfrm>
+            <a:off x="3059655" y="1265345"/>
+            <a:ext cx="216000" cy="216000"/>
+          </a:xfrm>
+          <a:prstGeom prst="ellipse">
+            <a:avLst/>
+          </a:prstGeom>
+          <a:solidFill>
+            <a:srgbClr val="7A51C5"/>
+          </a:solidFill>
+          <a:ln w="12700" cap="flat">
+            <a:solidFill>
+              <a:schemeClr val="bg1"/>
+            </a:solidFill>
+            <a:prstDash val="solid"/>
+            <a:miter lim="800000"/>
+            <a:headEnd type="none" w="med" len="med"/>
+            <a:tailEnd type="none" w="med" len="med"/>
+          </a:ln>
+          <a:effectLst/>
+        </p:spPr>
+        <p:txBody>
+          <a:bodyPr wrap="none" lIns="18000" tIns="18000" rIns="0" bIns="0" rtlCol="0" anchor="ctr" anchorCtr="1">
+            <a:noAutofit/>
+          </a:bodyPr>
+          <a:lstStyle/>
+          <a:p>
+            <a:pPr algn="ctr">
+              <a:lnSpc>
+                <a:spcPct val="90000"/>
+              </a:lnSpc>
+              <a:spcBef>
+                <a:spcPts val="500"/>
+              </a:spcBef>
+              <a:buClr>
+                <a:schemeClr val="tx2"/>
+              </a:buClr>
+              <a:buSzPct val="100000"/>
+              <a:tabLst>
+                <a:tab pos="180975" algn="l"/>
+              </a:tabLst>
+            </a:pPr>
+            <a:r>
+              <a:rPr lang="de-DE" sz="1200" b="1" dirty="0" smtClean="0">
+                <a:solidFill>
+                  <a:schemeClr val="bg1"/>
+                </a:solidFill>
+                <a:sym typeface="Arial" charset="0"/>
+              </a:rPr>
+              <a:t>P</a:t>
+            </a:r>
+          </a:p>
+        </p:txBody>
+      </p:sp>
+      <p:pic>
+        <p:nvPicPr>
+          <p:cNvPr id="102" name="Picture 2" descr="C:\dev\fips-head\org.faktorips.devtools.core.ui\icons\ovr16\changeovertime_ovr.gif"/>
+          <p:cNvPicPr>
+            <a:picLocks noChangeAspect="1" noChangeArrowheads="1"/>
+          </p:cNvPicPr>
+          <p:nvPr/>
+        </p:nvPicPr>
+        <p:blipFill>
+          <a:blip r:embed="rId17">
+            <a:extLst>
+              <a:ext uri="{28A0092B-C50C-407E-A947-70E740481C1C}">
+                <a14:useLocalDpi xmlns:a14="http://schemas.microsoft.com/office/drawing/2010/main" val="0"/>
+              </a:ext>
+            </a:extLst>
+          </a:blip>
+          <a:stretch>
+            <a:fillRect/>
+          </a:stretch>
+        </p:blipFill>
+        <p:spPr bwMode="auto">
+          <a:xfrm>
+            <a:off x="403065" y="1733709"/>
+            <a:ext cx="152400" cy="152400"/>
+          </a:xfrm>
+          <a:prstGeom prst="rect">
+            <a:avLst/>
+          </a:prstGeom>
+          <a:noFill/>
+          <a:extLst>
+            <a:ext uri="{909E8E84-426E-40DD-AFC4-6F175D3DCCD1}">
+              <a14:hiddenFill xmlns:a14="http://schemas.microsoft.com/office/drawing/2010/main">
+                <a:solidFill>
+                  <a:srgbClr val="FFFFFF"/>
+                </a:solidFill>
+              </a14:hiddenFill>
+            </a:ext>
+          </a:extLst>
+        </p:spPr>
+      </p:pic>
+      <p:sp>
+        <p:nvSpPr>
+          <p:cNvPr id="104" name="Textfeld 103"/>
+          <p:cNvSpPr txBox="1"/>
+          <p:nvPr/>
+        </p:nvSpPr>
+        <p:spPr>
+          <a:xfrm>
+            <a:off x="2430057" y="1547347"/>
+            <a:ext cx="223174" cy="226591"/>
+          </a:xfrm>
+          <a:prstGeom prst="rect">
+            <a:avLst/>
+          </a:prstGeom>
+          <a:noFill/>
+        </p:spPr>
+        <p:txBody>
+          <a:bodyPr wrap="square" lIns="36000" tIns="36000" rIns="36000" bIns="36000" rtlCol="0">
+            <a:spAutoFit/>
+          </a:bodyPr>
+          <a:lstStyle/>
+          <a:p>
+            <a:pPr>
+              <a:spcAft>
+                <a:spcPts val="600"/>
+              </a:spcAft>
+            </a:pPr>
+            <a:r>
+              <a:rPr lang="de-DE" sz="1000" dirty="0" smtClean="0">
+                <a:solidFill>
+                  <a:schemeClr val="tx1"/>
+                </a:solidFill>
+              </a:rPr>
+              <a:t>*</a:t>
+            </a:r>
+            <a:endParaRPr lang="pt-BR" sz="1000" dirty="0" err="1" smtClean="0">
+              <a:solidFill>
+                <a:schemeClr val="tx1"/>
+              </a:solidFill>
+            </a:endParaRPr>
+          </a:p>
+        </p:txBody>
+      </p:sp>
+      <p:sp>
+        <p:nvSpPr>
+          <p:cNvPr id="105" name="Textfeld 104"/>
+          <p:cNvSpPr txBox="1"/>
+          <p:nvPr/>
+        </p:nvSpPr>
+        <p:spPr>
+          <a:xfrm>
+            <a:off x="2833549" y="1547347"/>
+            <a:ext cx="111587" cy="226591"/>
+          </a:xfrm>
+          <a:prstGeom prst="rect">
+            <a:avLst/>
+          </a:prstGeom>
+          <a:noFill/>
+        </p:spPr>
+        <p:txBody>
+          <a:bodyPr wrap="square" lIns="36000" tIns="36000" rIns="36000" bIns="36000" rtlCol="0">
+            <a:spAutoFit/>
+          </a:bodyPr>
+          <a:lstStyle/>
+          <a:p>
+            <a:pPr>
+              <a:spcAft>
+                <a:spcPts val="600"/>
+              </a:spcAft>
+            </a:pPr>
+            <a:r>
+              <a:rPr lang="de-DE" sz="1000" dirty="0"/>
+              <a:t>1</a:t>
+            </a:r>
+            <a:endParaRPr lang="pt-BR" sz="1000" dirty="0" err="1" smtClean="0">
+              <a:solidFill>
+                <a:schemeClr val="tx1"/>
+              </a:solidFill>
+            </a:endParaRPr>
+          </a:p>
+        </p:txBody>
+      </p:sp>
+      <p:cxnSp>
+        <p:nvCxnSpPr>
+          <p:cNvPr id="106" name="Gerade Verbindung 105"/>
+          <p:cNvCxnSpPr/>
+          <p:nvPr/>
+        </p:nvCxnSpPr>
+        <p:spPr bwMode="auto">
+          <a:xfrm>
+            <a:off x="2408286" y="3284982"/>
+            <a:ext cx="570873" cy="2"/>
+          </a:xfrm>
+          <a:prstGeom prst="line">
+            <a:avLst/>
+          </a:prstGeom>
+          <a:solidFill>
+            <a:schemeClr val="accent1"/>
+          </a:solidFill>
+          <a:ln w="9525" cap="flat" cmpd="sng" algn="ctr">
+            <a:solidFill>
+              <a:schemeClr val="tx1"/>
+            </a:solidFill>
+            <a:prstDash val="solid"/>
+            <a:round/>
+            <a:headEnd type="none" w="med" len="med"/>
+            <a:tailEnd type="none" w="med" len="med"/>
+          </a:ln>
+          <a:effectLst/>
+        </p:spPr>
+      </p:cxnSp>
+      <p:sp>
+        <p:nvSpPr>
+          <p:cNvPr id="107" name="Textfeld 106"/>
+          <p:cNvSpPr txBox="1"/>
+          <p:nvPr/>
+        </p:nvSpPr>
+        <p:spPr>
+          <a:xfrm>
+            <a:off x="2408286" y="3054964"/>
+            <a:ext cx="223174" cy="226591"/>
+          </a:xfrm>
+          <a:prstGeom prst="rect">
+            <a:avLst/>
+          </a:prstGeom>
+          <a:noFill/>
+        </p:spPr>
+        <p:txBody>
+          <a:bodyPr wrap="square" lIns="36000" tIns="36000" rIns="36000" bIns="36000" rtlCol="0">
+            <a:spAutoFit/>
+          </a:bodyPr>
+          <a:lstStyle/>
+          <a:p>
+            <a:pPr>
+              <a:spcAft>
+                <a:spcPts val="600"/>
+              </a:spcAft>
+            </a:pPr>
+            <a:r>
+              <a:rPr lang="de-DE" sz="1000" dirty="0" smtClean="0">
+                <a:solidFill>
+                  <a:schemeClr val="tx1"/>
+                </a:solidFill>
+              </a:rPr>
+              <a:t>*</a:t>
+            </a:r>
+            <a:endParaRPr lang="pt-BR" sz="1000" dirty="0" err="1" smtClean="0">
+              <a:solidFill>
+                <a:schemeClr val="tx1"/>
+              </a:solidFill>
+            </a:endParaRPr>
+          </a:p>
+        </p:txBody>
+      </p:sp>
+      <p:sp>
+        <p:nvSpPr>
+          <p:cNvPr id="108" name="Textfeld 107"/>
+          <p:cNvSpPr txBox="1"/>
+          <p:nvPr/>
+        </p:nvSpPr>
+        <p:spPr>
+          <a:xfrm>
+            <a:off x="2811778" y="3054964"/>
+            <a:ext cx="111587" cy="226591"/>
+          </a:xfrm>
+          <a:prstGeom prst="rect">
+            <a:avLst/>
+          </a:prstGeom>
+          <a:noFill/>
+        </p:spPr>
+        <p:txBody>
+          <a:bodyPr wrap="square" lIns="36000" tIns="36000" rIns="36000" bIns="36000" rtlCol="0">
+            <a:spAutoFit/>
+          </a:bodyPr>
+          <a:lstStyle/>
+          <a:p>
+            <a:pPr>
+              <a:spcAft>
+                <a:spcPts val="600"/>
+              </a:spcAft>
+            </a:pPr>
+            <a:r>
+              <a:rPr lang="de-DE" sz="1000" dirty="0"/>
+              <a:t>1</a:t>
+            </a:r>
+            <a:endParaRPr lang="pt-BR" sz="1000" dirty="0" err="1" smtClean="0">
+              <a:solidFill>
+                <a:schemeClr val="tx1"/>
+              </a:solidFill>
+            </a:endParaRPr>
           </a:p>
         </p:txBody>
       </p:sp>
@@ -24606,7 +24860,7 @@
           <a:p>
             <a:fld id="{33690158-2B12-4CC9-AAD4-24DD5053DF58}" type="datetime1">
               <a:rPr lang="de-DE" smtClean="0"/>
-              <a:t>29.09.2015</a:t>
+              <a:t>15.04.2015</a:t>
             </a:fld>
             <a:endParaRPr lang="de-DE" dirty="0"/>
           </a:p>
@@ -24724,7 +24978,7 @@
           <a:p>
             <a:fld id="{7C2A4CE9-7791-47B0-9846-3C9F3E1A063A}" type="datetime1">
               <a:rPr lang="de-DE" smtClean="0"/>
-              <a:t>29.09.2015</a:t>
+              <a:t>15.04.2015</a:t>
             </a:fld>
             <a:endParaRPr lang="de-DE" dirty="0"/>
           </a:p>
@@ -26159,7 +26413,7 @@
           <a:p>
             <a:fld id="{0BCA1907-1B92-4086-A66F-C28B40A92E30}" type="datetime1">
               <a:rPr lang="de-DE" smtClean="0"/>
-              <a:t>29.09.2015</a:t>
+              <a:t>15.04.2015</a:t>
             </a:fld>
             <a:endParaRPr lang="de-DE" dirty="0"/>
           </a:p>
@@ -26256,38 +26510,6 @@
           </a:p>
         </p:txBody>
       </p:sp>
-      <p:cxnSp>
-        <p:nvCxnSpPr>
-          <p:cNvPr id="25" name="Gerade Verbindung 24"/>
-          <p:cNvCxnSpPr>
-            <a:stCxn id="47" idx="3"/>
-            <a:endCxn id="28" idx="1"/>
-          </p:cNvCxnSpPr>
-          <p:nvPr/>
-        </p:nvCxnSpPr>
-        <p:spPr bwMode="auto">
-          <a:xfrm>
-            <a:off x="2408286" y="3114895"/>
-            <a:ext cx="570873" cy="1"/>
-          </a:xfrm>
-          <a:prstGeom prst="line">
-            <a:avLst/>
-          </a:prstGeom>
-          <a:solidFill>
-            <a:schemeClr val="accent1"/>
-          </a:solidFill>
-          <a:ln w="9525" cap="flat" cmpd="sng" algn="ctr">
-            <a:solidFill>
-              <a:schemeClr val="tx1"/>
-            </a:solidFill>
-            <a:prstDash val="solid"/>
-            <a:round/>
-            <a:headEnd type="none" w="med" len="med"/>
-            <a:tailEnd type="none" w="med" len="med"/>
-          </a:ln>
-          <a:effectLst/>
-        </p:spPr>
-      </p:cxnSp>
       <p:sp>
         <p:nvSpPr>
           <p:cNvPr id="28" name="Rectangle 5"/>
@@ -26429,88 +26651,6 @@
             <a:endParaRPr lang="en-US" sz="1000" b="1" dirty="0">
               <a:solidFill>
                 <a:schemeClr val="bg1"/>
-              </a:solidFill>
-            </a:endParaRPr>
-          </a:p>
-        </p:txBody>
-      </p:sp>
-      <p:sp>
-        <p:nvSpPr>
-          <p:cNvPr id="30" name="Textfeld 29"/>
-          <p:cNvSpPr txBox="1"/>
-          <p:nvPr/>
-        </p:nvSpPr>
-        <p:spPr>
-          <a:xfrm>
-            <a:off x="2408286" y="2770361"/>
-            <a:ext cx="223174" cy="226591"/>
-          </a:xfrm>
-          <a:prstGeom prst="rect">
-            <a:avLst/>
-          </a:prstGeom>
-          <a:noFill/>
-        </p:spPr>
-        <p:txBody>
-          <a:bodyPr wrap="square" lIns="36000" tIns="36000" rIns="36000" bIns="36000" rtlCol="0">
-            <a:spAutoFit/>
-          </a:bodyPr>
-          <a:lstStyle/>
-          <a:p>
-            <a:pPr>
-              <a:spcAft>
-                <a:spcPts val="600"/>
-              </a:spcAft>
-            </a:pPr>
-            <a:r>
-              <a:rPr lang="de-DE" sz="1000" dirty="0" smtClean="0">
-                <a:solidFill>
-                  <a:schemeClr val="tx1"/>
-                </a:solidFill>
-              </a:rPr>
-              <a:t>1</a:t>
-            </a:r>
-            <a:endParaRPr lang="pt-BR" sz="1000" dirty="0" err="1" smtClean="0">
-              <a:solidFill>
-                <a:schemeClr val="tx1"/>
-              </a:solidFill>
-            </a:endParaRPr>
-          </a:p>
-        </p:txBody>
-      </p:sp>
-      <p:sp>
-        <p:nvSpPr>
-          <p:cNvPr id="31" name="Textfeld 30"/>
-          <p:cNvSpPr txBox="1"/>
-          <p:nvPr/>
-        </p:nvSpPr>
-        <p:spPr>
-          <a:xfrm>
-            <a:off x="2811778" y="2770361"/>
-            <a:ext cx="111587" cy="226591"/>
-          </a:xfrm>
-          <a:prstGeom prst="rect">
-            <a:avLst/>
-          </a:prstGeom>
-          <a:noFill/>
-        </p:spPr>
-        <p:txBody>
-          <a:bodyPr wrap="square" lIns="36000" tIns="36000" rIns="36000" bIns="36000" rtlCol="0">
-            <a:spAutoFit/>
-          </a:bodyPr>
-          <a:lstStyle/>
-          <a:p>
-            <a:pPr>
-              <a:spcAft>
-                <a:spcPts val="600"/>
-              </a:spcAft>
-            </a:pPr>
-            <a:r>
-              <a:rPr lang="de-DE" sz="1000" dirty="0"/>
-              <a:t>*</a:t>
-            </a:r>
-            <a:endParaRPr lang="pt-BR" sz="1000" dirty="0" err="1" smtClean="0">
-              <a:solidFill>
-                <a:schemeClr val="tx1"/>
               </a:solidFill>
             </a:endParaRPr>
           </a:p>
@@ -26748,45 +26888,6 @@
       </p:sp>
       <p:sp>
         <p:nvSpPr>
-          <p:cNvPr id="50" name="Textfeld 49"/>
-          <p:cNvSpPr txBox="1"/>
-          <p:nvPr/>
-        </p:nvSpPr>
-        <p:spPr>
-          <a:xfrm>
-            <a:off x="188905" y="2615225"/>
-            <a:ext cx="111587" cy="226591"/>
-          </a:xfrm>
-          <a:prstGeom prst="rect">
-            <a:avLst/>
-          </a:prstGeom>
-          <a:noFill/>
-        </p:spPr>
-        <p:txBody>
-          <a:bodyPr wrap="square" lIns="36000" tIns="36000" rIns="36000" bIns="36000" rtlCol="0">
-            <a:spAutoFit/>
-          </a:bodyPr>
-          <a:lstStyle/>
-          <a:p>
-            <a:pPr>
-              <a:spcAft>
-                <a:spcPts val="600"/>
-              </a:spcAft>
-            </a:pPr>
-            <a:r>
-              <a:rPr lang="de-DE" sz="1000" dirty="0"/>
-              <a:t>*</a:t>
-            </a:r>
-            <a:endParaRPr lang="pt-BR" sz="1000" dirty="0" err="1" smtClean="0">
-              <a:solidFill>
-                <a:schemeClr val="tx1"/>
-              </a:solidFill>
-            </a:endParaRPr>
-          </a:p>
-        </p:txBody>
-      </p:sp>
-      <p:sp>
-        <p:nvSpPr>
           <p:cNvPr id="59" name="Rectangle 5"/>
           <p:cNvSpPr>
             <a:spLocks noChangeArrowheads="1"/>
@@ -26899,7 +27000,7 @@
               </a:spcAft>
             </a:pPr>
             <a:r>
-              <a:rPr lang="en-US" sz="1000" b="1" dirty="0" smtClean="0">
+              <a:rPr lang="en-US" sz="1000" b="1" u="sng" dirty="0" smtClean="0">
                 <a:solidFill>
                   <a:schemeClr val="bg1"/>
                 </a:solidFill>
@@ -26907,14 +27008,14 @@
               <a:t>HR-</a:t>
             </a:r>
             <a:r>
-              <a:rPr lang="en-US" sz="1000" b="1" dirty="0" err="1" smtClean="0">
+              <a:rPr lang="en-US" sz="1000" b="1" u="sng" dirty="0" err="1" smtClean="0">
                 <a:solidFill>
                   <a:schemeClr val="bg1"/>
                 </a:solidFill>
               </a:rPr>
               <a:t>Kompakt</a:t>
             </a:r>
-            <a:endParaRPr lang="en-US" sz="1000" b="1" dirty="0">
+            <a:endParaRPr lang="en-US" sz="1000" b="1" u="sng" dirty="0">
               <a:solidFill>
                 <a:schemeClr val="bg1"/>
               </a:solidFill>
@@ -27133,7 +27234,7 @@
               </a:spcAft>
             </a:pPr>
             <a:r>
-              <a:rPr lang="en-US" sz="1000" b="1" dirty="0" smtClean="0">
+              <a:rPr lang="en-US" sz="1000" b="1" u="sng" dirty="0" smtClean="0">
                 <a:solidFill>
                   <a:schemeClr val="bg1"/>
                 </a:solidFill>
@@ -27141,7 +27242,7 @@
               <a:t>HR-</a:t>
             </a:r>
             <a:r>
-              <a:rPr lang="en-US" sz="1000" b="1" dirty="0" err="1" smtClean="0">
+              <a:rPr lang="en-US" sz="1000" b="1" u="sng" dirty="0" err="1" smtClean="0">
                 <a:solidFill>
                   <a:schemeClr val="bg1"/>
                 </a:solidFill>
@@ -27149,14 +27250,14 @@
               <a:t>Kompakt</a:t>
             </a:r>
             <a:r>
-              <a:rPr lang="en-US" sz="1000" b="1" dirty="0" smtClean="0">
+              <a:rPr lang="en-US" sz="1000" b="1" u="sng" dirty="0" smtClean="0">
                 <a:solidFill>
                   <a:schemeClr val="bg1"/>
                 </a:solidFill>
               </a:rPr>
               <a:t> 1.4.2008</a:t>
             </a:r>
-            <a:endParaRPr lang="en-US" sz="1000" b="1" dirty="0">
+            <a:endParaRPr lang="en-US" sz="1000" b="1" u="sng" dirty="0">
               <a:solidFill>
                 <a:schemeClr val="bg1"/>
               </a:solidFill>
@@ -27698,7 +27799,7 @@
           <a:p>
             <a:fld id="{85F3A94C-995C-45AE-A346-609B595FC8F8}" type="datetime1">
               <a:rPr lang="de-DE" smtClean="0"/>
-              <a:t>29.09.2015</a:t>
+              <a:t>15.04.2015</a:t>
             </a:fld>
             <a:endParaRPr lang="de-DE" dirty="0"/>
           </a:p>
@@ -27729,6 +27830,117 @@
               <a:t>29</a:t>
             </a:fld>
             <a:endParaRPr lang="de-DE" dirty="0"/>
+          </a:p>
+        </p:txBody>
+      </p:sp>
+      <p:cxnSp>
+        <p:nvCxnSpPr>
+          <p:cNvPr id="32" name="Gerade Verbindung 31"/>
+          <p:cNvCxnSpPr/>
+          <p:nvPr/>
+        </p:nvCxnSpPr>
+        <p:spPr bwMode="auto">
+          <a:xfrm>
+            <a:off x="2411760" y="3104962"/>
+            <a:ext cx="570873" cy="2"/>
+          </a:xfrm>
+          <a:prstGeom prst="line">
+            <a:avLst/>
+          </a:prstGeom>
+          <a:solidFill>
+            <a:schemeClr val="accent1"/>
+          </a:solidFill>
+          <a:ln w="9525" cap="flat" cmpd="sng" algn="ctr">
+            <a:solidFill>
+              <a:schemeClr val="tx1"/>
+            </a:solidFill>
+            <a:prstDash val="solid"/>
+            <a:round/>
+            <a:headEnd type="none" w="med" len="med"/>
+            <a:tailEnd type="none" w="med" len="med"/>
+          </a:ln>
+          <a:effectLst/>
+        </p:spPr>
+      </p:cxnSp>
+      <p:sp>
+        <p:nvSpPr>
+          <p:cNvPr id="33" name="Textfeld 32"/>
+          <p:cNvSpPr txBox="1"/>
+          <p:nvPr/>
+        </p:nvSpPr>
+        <p:spPr>
+          <a:xfrm>
+            <a:off x="2411760" y="2874944"/>
+            <a:ext cx="223174" cy="226591"/>
+          </a:xfrm>
+          <a:prstGeom prst="rect">
+            <a:avLst/>
+          </a:prstGeom>
+          <a:noFill/>
+        </p:spPr>
+        <p:txBody>
+          <a:bodyPr wrap="square" lIns="36000" tIns="36000" rIns="36000" bIns="36000" rtlCol="0">
+            <a:spAutoFit/>
+          </a:bodyPr>
+          <a:lstStyle/>
+          <a:p>
+            <a:pPr>
+              <a:spcAft>
+                <a:spcPts val="600"/>
+              </a:spcAft>
+            </a:pPr>
+            <a:r>
+              <a:rPr lang="de-DE" sz="1000" dirty="0" smtClean="0">
+                <a:solidFill>
+                  <a:schemeClr val="tx1"/>
+                </a:solidFill>
+              </a:rPr>
+              <a:t>*</a:t>
+            </a:r>
+            <a:endParaRPr lang="pt-BR" sz="1000" dirty="0" err="1" smtClean="0">
+              <a:solidFill>
+                <a:schemeClr val="tx1"/>
+              </a:solidFill>
+            </a:endParaRPr>
+          </a:p>
+        </p:txBody>
+      </p:sp>
+      <p:sp>
+        <p:nvSpPr>
+          <p:cNvPr id="34" name="Textfeld 33"/>
+          <p:cNvSpPr txBox="1"/>
+          <p:nvPr/>
+        </p:nvSpPr>
+        <p:spPr>
+          <a:xfrm>
+            <a:off x="2815252" y="2874944"/>
+            <a:ext cx="111587" cy="226591"/>
+          </a:xfrm>
+          <a:prstGeom prst="rect">
+            <a:avLst/>
+          </a:prstGeom>
+          <a:noFill/>
+        </p:spPr>
+        <p:txBody>
+          <a:bodyPr wrap="square" lIns="36000" tIns="36000" rIns="36000" bIns="36000" rtlCol="0">
+            <a:spAutoFit/>
+          </a:bodyPr>
+          <a:lstStyle/>
+          <a:p>
+            <a:pPr>
+              <a:spcAft>
+                <a:spcPts val="600"/>
+              </a:spcAft>
+            </a:pPr>
+            <a:r>
+              <a:rPr lang="de-DE" sz="1000" dirty="0"/>
+              <a:t>1</a:t>
+            </a:r>
+            <a:endParaRPr lang="pt-BR" sz="1000" dirty="0" err="1" smtClean="0">
+              <a:solidFill>
+                <a:schemeClr val="tx1"/>
+              </a:solidFill>
+            </a:endParaRPr>
           </a:p>
         </p:txBody>
       </p:sp>
@@ -28139,7 +28351,7 @@
                 </a:spcAft>
               </a:pPr>
               <a:r>
-                <a:rPr lang="de-DE" sz="1200" dirty="0" smtClean="0">
+                <a:rPr lang="de-DE" sz="1200" u="sng" dirty="0" smtClean="0">
                   <a:solidFill>
                     <a:schemeClr val="bg1"/>
                   </a:solidFill>
@@ -28393,7 +28605,7 @@
                 </a:spcAft>
               </a:pPr>
               <a:r>
-                <a:rPr lang="de-DE" sz="1200" dirty="0" smtClean="0">
+                <a:rPr lang="de-DE" sz="1200" u="sng" dirty="0" smtClean="0">
                   <a:solidFill>
                     <a:schemeClr val="bg1"/>
                   </a:solidFill>
@@ -29064,7 +29276,7 @@
           <a:p>
             <a:fld id="{D28729F1-0C7C-445A-96B0-F0B4CA84AA04}" type="datetime1">
               <a:rPr lang="de-DE" smtClean="0"/>
-              <a:t>29.09.2015</a:t>
+              <a:t>15.04.2015</a:t>
             </a:fld>
             <a:endParaRPr lang="de-DE" dirty="0"/>
           </a:p>
@@ -29155,389 +29367,9 @@
           <a:p>
             <a:r>
               <a:rPr lang="de-DE" dirty="0" smtClean="0"/>
-              <a:t>Modell des generierten Codes</a:t>
+              <a:t>Generierter Code</a:t>
             </a:r>
             <a:endParaRPr lang="pt-BR" dirty="0"/>
-          </a:p>
-        </p:txBody>
-      </p:sp>
-      <p:cxnSp>
-        <p:nvCxnSpPr>
-          <p:cNvPr id="25" name="Gerade Verbindung 24"/>
-          <p:cNvCxnSpPr>
-            <a:stCxn id="47" idx="3"/>
-            <a:endCxn id="28" idx="1"/>
-          </p:cNvCxnSpPr>
-          <p:nvPr/>
-        </p:nvCxnSpPr>
-        <p:spPr bwMode="auto">
-          <a:xfrm>
-            <a:off x="2408286" y="3114895"/>
-            <a:ext cx="570873" cy="1"/>
-          </a:xfrm>
-          <a:prstGeom prst="line">
-            <a:avLst/>
-          </a:prstGeom>
-          <a:solidFill>
-            <a:schemeClr val="accent1"/>
-          </a:solidFill>
-          <a:ln w="9525" cap="flat" cmpd="sng" algn="ctr">
-            <a:solidFill>
-              <a:schemeClr val="tx1"/>
-            </a:solidFill>
-            <a:prstDash val="solid"/>
-            <a:round/>
-            <a:headEnd type="none" w="med" len="med"/>
-            <a:tailEnd type="none" w="med" len="med"/>
-          </a:ln>
-          <a:effectLst/>
-        </p:spPr>
-      </p:cxnSp>
-      <p:sp>
-        <p:nvSpPr>
-          <p:cNvPr id="28" name="Rectangle 5"/>
-          <p:cNvSpPr>
-            <a:spLocks noChangeArrowheads="1"/>
-          </p:cNvSpPr>
-          <p:nvPr>
-            <p:custDataLst>
-              <p:tags r:id="rId1"/>
-            </p:custDataLst>
-          </p:nvPr>
-        </p:nvSpPr>
-        <p:spPr bwMode="auto">
-          <a:xfrm>
-            <a:off x="2979159" y="2753274"/>
-            <a:ext cx="2052000" cy="723244"/>
-          </a:xfrm>
-          <a:prstGeom prst="rect">
-            <a:avLst/>
-          </a:prstGeom>
-          <a:solidFill>
-            <a:schemeClr val="bg1"/>
-          </a:solidFill>
-          <a:ln w="12700">
-            <a:solidFill>
-              <a:schemeClr val="tx1"/>
-            </a:solidFill>
-            <a:miter lim="800000"/>
-            <a:headEnd/>
-            <a:tailEnd/>
-          </a:ln>
-          <a:effectLst/>
-        </p:spPr>
-        <p:txBody>
-          <a:bodyPr wrap="square" lIns="182880" tIns="182880" rIns="182880" bIns="182880" anchor="t" anchorCtr="0"/>
-          <a:lstStyle/>
-          <a:p>
-            <a:pPr defTabSz="971550">
-              <a:spcBef>
-                <a:spcPts val="0"/>
-              </a:spcBef>
-              <a:spcAft>
-                <a:spcPts val="0"/>
-              </a:spcAft>
-              <a:buClr>
-                <a:srgbClr val="005596"/>
-              </a:buClr>
-            </a:pPr>
-            <a:r>
-              <a:rPr lang="en-US" sz="1100" dirty="0" err="1"/>
-              <a:t>Produktname</a:t>
-            </a:r>
-            <a:r>
-              <a:rPr lang="en-US" sz="1100" dirty="0"/>
-              <a:t>: </a:t>
-            </a:r>
-            <a:r>
-              <a:rPr lang="en-US" sz="1100" dirty="0" smtClean="0"/>
-              <a:t>String</a:t>
-            </a:r>
-          </a:p>
-        </p:txBody>
-      </p:sp>
-      <p:sp>
-        <p:nvSpPr>
-          <p:cNvPr id="29" name="Rectangle 6"/>
-          <p:cNvSpPr>
-            <a:spLocks noChangeArrowheads="1"/>
-          </p:cNvSpPr>
-          <p:nvPr>
-            <p:custDataLst>
-              <p:tags r:id="rId2"/>
-            </p:custDataLst>
-          </p:nvPr>
-        </p:nvSpPr>
-        <p:spPr bwMode="auto">
-          <a:xfrm>
-            <a:off x="2979159" y="2383391"/>
-            <a:ext cx="2052000" cy="369881"/>
-          </a:xfrm>
-          <a:prstGeom prst="rect">
-            <a:avLst/>
-          </a:prstGeom>
-          <a:solidFill>
-            <a:srgbClr val="7A51C5"/>
-          </a:solidFill>
-          <a:ln w="9525">
-            <a:solidFill>
-              <a:schemeClr val="tx1"/>
-            </a:solidFill>
-            <a:miter lim="800000"/>
-            <a:headEnd/>
-            <a:tailEnd/>
-          </a:ln>
-          <a:effectLst/>
-        </p:spPr>
-        <p:txBody>
-          <a:bodyPr wrap="square" lIns="91440" tIns="91440" rIns="91440" bIns="91440" anchor="ctr"/>
-          <a:lstStyle/>
-          <a:p>
-            <a:pPr algn="ctr" defTabSz="857250">
-              <a:spcBef>
-                <a:spcPts val="0"/>
-              </a:spcBef>
-              <a:spcAft>
-                <a:spcPts val="600"/>
-              </a:spcAft>
-            </a:pPr>
-            <a:r>
-              <a:rPr lang="en-US" sz="1000" b="1" dirty="0" err="1" smtClean="0">
-                <a:solidFill>
-                  <a:schemeClr val="bg1"/>
-                </a:solidFill>
-              </a:rPr>
-              <a:t>HausratProdukt</a:t>
-            </a:r>
-            <a:endParaRPr lang="en-US" sz="1000" b="1" dirty="0">
-              <a:solidFill>
-                <a:schemeClr val="bg1"/>
-              </a:solidFill>
-            </a:endParaRPr>
-          </a:p>
-        </p:txBody>
-      </p:sp>
-      <p:sp>
-        <p:nvSpPr>
-          <p:cNvPr id="30" name="Textfeld 29"/>
-          <p:cNvSpPr txBox="1"/>
-          <p:nvPr/>
-        </p:nvSpPr>
-        <p:spPr>
-          <a:xfrm>
-            <a:off x="2408286" y="2770361"/>
-            <a:ext cx="223174" cy="226591"/>
-          </a:xfrm>
-          <a:prstGeom prst="rect">
-            <a:avLst/>
-          </a:prstGeom>
-          <a:noFill/>
-        </p:spPr>
-        <p:txBody>
-          <a:bodyPr wrap="square" lIns="36000" tIns="36000" rIns="36000" bIns="36000" rtlCol="0">
-            <a:spAutoFit/>
-          </a:bodyPr>
-          <a:lstStyle/>
-          <a:p>
-            <a:pPr>
-              <a:spcAft>
-                <a:spcPts val="600"/>
-              </a:spcAft>
-            </a:pPr>
-            <a:r>
-              <a:rPr lang="de-DE" sz="1000" dirty="0" smtClean="0">
-                <a:solidFill>
-                  <a:schemeClr val="tx1"/>
-                </a:solidFill>
-              </a:rPr>
-              <a:t>1</a:t>
-            </a:r>
-            <a:endParaRPr lang="pt-BR" sz="1000" dirty="0" err="1" smtClean="0">
-              <a:solidFill>
-                <a:schemeClr val="tx1"/>
-              </a:solidFill>
-            </a:endParaRPr>
-          </a:p>
-        </p:txBody>
-      </p:sp>
-      <p:sp>
-        <p:nvSpPr>
-          <p:cNvPr id="31" name="Textfeld 30"/>
-          <p:cNvSpPr txBox="1"/>
-          <p:nvPr/>
-        </p:nvSpPr>
-        <p:spPr>
-          <a:xfrm>
-            <a:off x="2811778" y="2770361"/>
-            <a:ext cx="111587" cy="226591"/>
-          </a:xfrm>
-          <a:prstGeom prst="rect">
-            <a:avLst/>
-          </a:prstGeom>
-          <a:noFill/>
-        </p:spPr>
-        <p:txBody>
-          <a:bodyPr wrap="square" lIns="36000" tIns="36000" rIns="36000" bIns="36000" rtlCol="0">
-            <a:spAutoFit/>
-          </a:bodyPr>
-          <a:lstStyle/>
-          <a:p>
-            <a:pPr>
-              <a:spcAft>
-                <a:spcPts val="600"/>
-              </a:spcAft>
-            </a:pPr>
-            <a:r>
-              <a:rPr lang="de-DE" sz="1000" dirty="0"/>
-              <a:t>*</a:t>
-            </a:r>
-            <a:endParaRPr lang="pt-BR" sz="1000" dirty="0" err="1" smtClean="0">
-              <a:solidFill>
-                <a:schemeClr val="tx1"/>
-              </a:solidFill>
-            </a:endParaRPr>
-          </a:p>
-        </p:txBody>
-      </p:sp>
-      <p:sp>
-        <p:nvSpPr>
-          <p:cNvPr id="32" name="Rectangle 5"/>
-          <p:cNvSpPr>
-            <a:spLocks noChangeArrowheads="1"/>
-          </p:cNvSpPr>
-          <p:nvPr>
-            <p:custDataLst>
-              <p:tags r:id="rId3"/>
-            </p:custDataLst>
-          </p:nvPr>
-        </p:nvSpPr>
-        <p:spPr bwMode="auto">
-          <a:xfrm>
-            <a:off x="2985236" y="4659586"/>
-            <a:ext cx="2052000" cy="643122"/>
-          </a:xfrm>
-          <a:prstGeom prst="rect">
-            <a:avLst/>
-          </a:prstGeom>
-          <a:solidFill>
-            <a:schemeClr val="bg1"/>
-          </a:solidFill>
-          <a:ln w="12700">
-            <a:solidFill>
-              <a:schemeClr val="tx1"/>
-            </a:solidFill>
-            <a:miter lim="800000"/>
-            <a:headEnd/>
-            <a:tailEnd/>
-          </a:ln>
-          <a:effectLst/>
-        </p:spPr>
-        <p:txBody>
-          <a:bodyPr wrap="square" lIns="36000" tIns="182880" rIns="36000" bIns="182880" anchor="t" anchorCtr="0"/>
-          <a:lstStyle/>
-          <a:p>
-            <a:pPr defTabSz="971550">
-              <a:spcBef>
-                <a:spcPts val="0"/>
-              </a:spcBef>
-              <a:spcAft>
-                <a:spcPts val="0"/>
-              </a:spcAft>
-              <a:buClr>
-                <a:srgbClr val="005596"/>
-              </a:buClr>
-            </a:pPr>
-            <a:r>
-              <a:rPr lang="en-US" sz="1100" dirty="0" err="1" smtClean="0"/>
-              <a:t>validFrom</a:t>
-            </a:r>
-            <a:r>
-              <a:rPr lang="en-US" sz="1100" dirty="0" smtClean="0"/>
-              <a:t>: Date</a:t>
-            </a:r>
-          </a:p>
-          <a:p>
-            <a:pPr defTabSz="971550">
-              <a:spcBef>
-                <a:spcPts val="0"/>
-              </a:spcBef>
-              <a:spcAft>
-                <a:spcPts val="0"/>
-              </a:spcAft>
-              <a:buClr>
-                <a:srgbClr val="005596"/>
-              </a:buClr>
-            </a:pPr>
-            <a:r>
-              <a:rPr lang="en-US" sz="1100" dirty="0" err="1" smtClean="0"/>
-              <a:t>versSummeProQm</a:t>
-            </a:r>
-            <a:r>
-              <a:rPr lang="en-US" sz="1100" dirty="0" smtClean="0"/>
-              <a:t> : Money</a:t>
-            </a:r>
-            <a:endParaRPr lang="en-US" sz="1100" dirty="0"/>
-          </a:p>
-        </p:txBody>
-      </p:sp>
-      <p:sp>
-        <p:nvSpPr>
-          <p:cNvPr id="33" name="Rectangle 6"/>
-          <p:cNvSpPr>
-            <a:spLocks noChangeArrowheads="1"/>
-          </p:cNvSpPr>
-          <p:nvPr>
-            <p:custDataLst>
-              <p:tags r:id="rId4"/>
-            </p:custDataLst>
-          </p:nvPr>
-        </p:nvSpPr>
-        <p:spPr bwMode="auto">
-          <a:xfrm>
-            <a:off x="2985236" y="4289703"/>
-            <a:ext cx="2052000" cy="369881"/>
-          </a:xfrm>
-          <a:prstGeom prst="rect">
-            <a:avLst/>
-          </a:prstGeom>
-          <a:solidFill>
-            <a:srgbClr val="7A51C5"/>
-          </a:solidFill>
-          <a:ln w="9525">
-            <a:solidFill>
-              <a:schemeClr val="tx1"/>
-            </a:solidFill>
-            <a:miter lim="800000"/>
-            <a:headEnd/>
-            <a:tailEnd/>
-          </a:ln>
-          <a:effectLst/>
-        </p:spPr>
-        <p:txBody>
-          <a:bodyPr wrap="square" lIns="91440" tIns="91440" rIns="91440" bIns="91440" anchor="ctr"/>
-          <a:lstStyle/>
-          <a:p>
-            <a:pPr algn="ctr" defTabSz="857250">
-              <a:spcBef>
-                <a:spcPts val="0"/>
-              </a:spcBef>
-              <a:spcAft>
-                <a:spcPts val="600"/>
-              </a:spcAft>
-            </a:pPr>
-            <a:r>
-              <a:rPr lang="en-US" sz="1000" b="1" dirty="0" err="1" smtClean="0">
-                <a:solidFill>
-                  <a:schemeClr val="bg1"/>
-                </a:solidFill>
-              </a:rPr>
-              <a:t>HausratProduktAnpStufe</a:t>
-            </a:r>
-            <a:endParaRPr lang="en-US" sz="1000" b="1" dirty="0">
-              <a:solidFill>
-                <a:schemeClr val="bg1"/>
-              </a:solidFill>
-            </a:endParaRPr>
           </a:p>
         </p:txBody>
       </p:sp>
@@ -29546,7 +29378,6 @@
           <p:cNvPr id="44" name="Gerade Verbindung mit Pfeil 43"/>
           <p:cNvCxnSpPr>
             <a:stCxn id="59" idx="1"/>
-            <a:endCxn id="28" idx="3"/>
           </p:cNvCxnSpPr>
           <p:nvPr/>
         </p:nvCxnSpPr>
@@ -29745,222 +29576,20 @@
       </p:sp>
       <p:sp>
         <p:nvSpPr>
-          <p:cNvPr id="63" name="Rectangle 2"/>
-          <p:cNvSpPr/>
-          <p:nvPr/>
-        </p:nvSpPr>
-        <p:spPr>
-          <a:xfrm>
-            <a:off x="1296127" y="5004890"/>
-            <a:ext cx="1557667" cy="297818"/>
-          </a:xfrm>
-          <a:prstGeom prst="rect">
-            <a:avLst/>
-          </a:prstGeom>
-          <a:solidFill>
-            <a:schemeClr val="bg1">
-              <a:lumMod val="75000"/>
-            </a:schemeClr>
-          </a:solidFill>
-          <a:ln>
-            <a:noFill/>
-          </a:ln>
-        </p:spPr>
-        <p:txBody>
-          <a:bodyPr wrap="none" lIns="0" tIns="0" rIns="0" bIns="0" anchor="ctr"/>
-          <a:lstStyle/>
-          <a:p>
-            <a:pPr algn="ctr"/>
-            <a:r>
-              <a:rPr lang="de-DE" sz="1000" dirty="0">
-                <a:solidFill>
-                  <a:schemeClr val="bg1"/>
-                </a:solidFill>
-              </a:rPr>
-              <a:t>Nicht explizit modelliert</a:t>
-            </a:r>
-            <a:endParaRPr sz="1000" dirty="0">
-              <a:solidFill>
-                <a:schemeClr val="bg1"/>
-              </a:solidFill>
-            </a:endParaRPr>
-          </a:p>
-        </p:txBody>
-      </p:sp>
-      <p:grpSp>
-        <p:nvGrpSpPr>
-          <p:cNvPr id="41" name="Gruppieren 40"/>
-          <p:cNvGrpSpPr/>
-          <p:nvPr/>
-        </p:nvGrpSpPr>
-        <p:grpSpPr>
-          <a:xfrm>
-            <a:off x="3920216" y="3476518"/>
-            <a:ext cx="371756" cy="866494"/>
-            <a:chOff x="2051720" y="3573016"/>
-            <a:chExt cx="371756" cy="1492287"/>
-          </a:xfrm>
-        </p:grpSpPr>
-        <p:sp>
-          <p:nvSpPr>
-            <p:cNvPr id="42" name="Raute 41"/>
-            <p:cNvSpPr/>
-            <p:nvPr>
-              <p:custDataLst>
-                <p:tags r:id="rId11"/>
-              </p:custDataLst>
-            </p:nvPr>
-          </p:nvSpPr>
-          <p:spPr bwMode="gray">
-            <a:xfrm>
-              <a:off x="2051720" y="3573016"/>
-              <a:ext cx="259431" cy="569909"/>
-            </a:xfrm>
-            <a:prstGeom prst="diamond">
-              <a:avLst/>
-            </a:prstGeom>
-            <a:solidFill>
-              <a:srgbClr val="7A51C5"/>
-            </a:solidFill>
-            <a:ln w="19050" cap="flat" cmpd="sng" algn="ctr">
-              <a:solidFill>
-                <a:schemeClr val="accent1"/>
-              </a:solidFill>
-              <a:prstDash val="solid"/>
-              <a:round/>
-              <a:headEnd type="none" w="med" len="med"/>
-              <a:tailEnd type="none" w="med" len="med"/>
-            </a:ln>
-            <a:effectLst/>
-          </p:spPr>
-          <p:txBody>
-            <a:bodyPr vert="horz" wrap="square" lIns="72000" tIns="72000" rIns="72000" bIns="72000" numCol="1" rtlCol="0" anchor="ctr" anchorCtr="0" compatLnSpc="1">
-              <a:prstTxWarp prst="textNoShape">
-                <a:avLst/>
-              </a:prstTxWarp>
-            </a:bodyPr>
-            <a:lstStyle/>
-            <a:p>
-              <a:pPr marL="0" marR="0" indent="0" algn="l" defTabSz="914400" rtl="0" eaLnBrk="0" fontAlgn="base" latinLnBrk="0" hangingPunct="0">
-                <a:lnSpc>
-                  <a:spcPct val="100000"/>
-                </a:lnSpc>
-                <a:spcBef>
-                  <a:spcPct val="50000"/>
-                </a:spcBef>
-                <a:spcAft>
-                  <a:spcPct val="0"/>
-                </a:spcAft>
-                <a:buClr>
-                  <a:schemeClr val="accent1"/>
-                </a:buClr>
-                <a:buSzPct val="80000"/>
-                <a:buFont typeface="Wingdings" pitchFamily="2" charset="2"/>
-                <a:buNone/>
-                <a:tabLst/>
-              </a:pPr>
-              <a:endParaRPr kumimoji="0" lang="en-US" sz="1800" b="0" i="0" u="none" strike="noStrike" cap="none" normalizeH="0" baseline="0" smtClean="0">
-                <a:ln>
-                  <a:noFill/>
-                </a:ln>
-                <a:solidFill>
-                  <a:schemeClr val="tx1"/>
-                </a:solidFill>
-                <a:effectLst/>
-                <a:latin typeface="Arial" charset="0"/>
-              </a:endParaRPr>
-            </a:p>
-          </p:txBody>
-        </p:sp>
-        <p:cxnSp>
-          <p:nvCxnSpPr>
-            <p:cNvPr id="43" name="Gerade Verbindung 42"/>
-            <p:cNvCxnSpPr/>
-            <p:nvPr/>
-          </p:nvCxnSpPr>
-          <p:spPr bwMode="auto">
-            <a:xfrm flipH="1">
-              <a:off x="2181435" y="3983025"/>
-              <a:ext cx="1" cy="1008000"/>
-            </a:xfrm>
-            <a:prstGeom prst="line">
-              <a:avLst/>
-            </a:prstGeom>
-            <a:solidFill>
-              <a:schemeClr val="accent1"/>
-            </a:solidFill>
-            <a:ln w="9525" cap="flat" cmpd="sng" algn="ctr">
-              <a:solidFill>
-                <a:schemeClr val="tx1"/>
-              </a:solidFill>
-              <a:prstDash val="solid"/>
-              <a:round/>
-              <a:headEnd type="none" w="med" len="med"/>
-              <a:tailEnd type="none" w="med" len="med"/>
-            </a:ln>
-            <a:effectLst/>
-          </p:spPr>
-        </p:cxnSp>
-        <p:sp>
-          <p:nvSpPr>
-            <p:cNvPr id="45" name="Textfeld 44"/>
-            <p:cNvSpPr txBox="1"/>
-            <p:nvPr/>
-          </p:nvSpPr>
-          <p:spPr>
-            <a:xfrm>
-              <a:off x="2200302" y="4620929"/>
-              <a:ext cx="223174" cy="444374"/>
-            </a:xfrm>
-            <a:prstGeom prst="rect">
-              <a:avLst/>
-            </a:prstGeom>
-            <a:noFill/>
-          </p:spPr>
-          <p:txBody>
-            <a:bodyPr wrap="square" lIns="36000" tIns="36000" rIns="36000" bIns="36000" rtlCol="0">
-              <a:spAutoFit/>
-            </a:bodyPr>
-            <a:lstStyle/>
-            <a:p>
-              <a:pPr>
-                <a:spcAft>
-                  <a:spcPts val="600"/>
-                </a:spcAft>
-              </a:pPr>
-              <a:r>
-                <a:rPr lang="de-DE" sz="1600" dirty="0" smtClean="0">
-                  <a:solidFill>
-                    <a:schemeClr val="tx1"/>
-                  </a:solidFill>
-                </a:rPr>
-                <a:t>*</a:t>
-              </a:r>
-              <a:endParaRPr lang="pt-BR" sz="1600" dirty="0" err="1" smtClean="0">
-                <a:solidFill>
-                  <a:schemeClr val="tx1"/>
-                </a:solidFill>
-              </a:endParaRPr>
-            </a:p>
-          </p:txBody>
-        </p:sp>
-      </p:grpSp>
-      <p:sp>
-        <p:nvSpPr>
-          <p:cNvPr id="47" name="Rectangle 5"/>
+          <p:cNvPr id="59" name="Rectangle 5"/>
           <p:cNvSpPr>
             <a:spLocks noChangeArrowheads="1"/>
           </p:cNvSpPr>
           <p:nvPr>
             <p:custDataLst>
-              <p:tags r:id="rId5"/>
+              <p:tags r:id="rId1"/>
             </p:custDataLst>
           </p:nvPr>
         </p:nvSpPr>
         <p:spPr bwMode="auto">
           <a:xfrm>
-            <a:off x="356286" y="2753272"/>
-            <a:ext cx="2052000" cy="723246"/>
+            <a:off x="6390145" y="2753274"/>
+            <a:ext cx="2052000" cy="723244"/>
           </a:xfrm>
           <a:prstGeom prst="rect">
             <a:avLst/>
@@ -29993,158 +29622,6 @@
                 <a:srgbClr val="005596"/>
               </a:buClr>
             </a:pPr>
-            <a:endParaRPr lang="en-US" sz="1100" dirty="0"/>
-          </a:p>
-        </p:txBody>
-      </p:sp>
-      <p:sp>
-        <p:nvSpPr>
-          <p:cNvPr id="48" name="Rectangle 6"/>
-          <p:cNvSpPr>
-            <a:spLocks noChangeArrowheads="1"/>
-          </p:cNvSpPr>
-          <p:nvPr>
-            <p:custDataLst>
-              <p:tags r:id="rId6"/>
-            </p:custDataLst>
-          </p:nvPr>
-        </p:nvSpPr>
-        <p:spPr bwMode="auto">
-          <a:xfrm>
-            <a:off x="356286" y="2383389"/>
-            <a:ext cx="2052000" cy="369881"/>
-          </a:xfrm>
-          <a:prstGeom prst="rect">
-            <a:avLst/>
-          </a:prstGeom>
-          <a:solidFill>
-            <a:srgbClr val="7A51C5"/>
-          </a:solidFill>
-          <a:ln w="9525">
-            <a:solidFill>
-              <a:schemeClr val="tx1"/>
-            </a:solidFill>
-            <a:miter lim="800000"/>
-            <a:headEnd/>
-            <a:tailEnd/>
-          </a:ln>
-          <a:effectLst/>
-        </p:spPr>
-        <p:txBody>
-          <a:bodyPr wrap="square" lIns="91440" tIns="91440" rIns="91440" bIns="91440" anchor="ctr"/>
-          <a:lstStyle/>
-          <a:p>
-            <a:pPr algn="ctr" defTabSz="857250">
-              <a:spcBef>
-                <a:spcPts val="0"/>
-              </a:spcBef>
-              <a:spcAft>
-                <a:spcPts val="600"/>
-              </a:spcAft>
-            </a:pPr>
-            <a:r>
-              <a:rPr lang="en-US" sz="1000" b="1" dirty="0" err="1" smtClean="0">
-                <a:solidFill>
-                  <a:schemeClr val="bg1"/>
-                </a:solidFill>
-              </a:rPr>
-              <a:t>HausratVertrag</a:t>
-            </a:r>
-            <a:endParaRPr lang="en-US" sz="1000" b="1" dirty="0">
-              <a:solidFill>
-                <a:schemeClr val="bg1"/>
-              </a:solidFill>
-            </a:endParaRPr>
-          </a:p>
-        </p:txBody>
-      </p:sp>
-      <p:sp>
-        <p:nvSpPr>
-          <p:cNvPr id="50" name="Textfeld 49"/>
-          <p:cNvSpPr txBox="1"/>
-          <p:nvPr/>
-        </p:nvSpPr>
-        <p:spPr>
-          <a:xfrm>
-            <a:off x="188905" y="2615225"/>
-            <a:ext cx="111587" cy="226591"/>
-          </a:xfrm>
-          <a:prstGeom prst="rect">
-            <a:avLst/>
-          </a:prstGeom>
-          <a:noFill/>
-        </p:spPr>
-        <p:txBody>
-          <a:bodyPr wrap="square" lIns="36000" tIns="36000" rIns="36000" bIns="36000" rtlCol="0">
-            <a:spAutoFit/>
-          </a:bodyPr>
-          <a:lstStyle/>
-          <a:p>
-            <a:pPr>
-              <a:spcAft>
-                <a:spcPts val="600"/>
-              </a:spcAft>
-            </a:pPr>
-            <a:r>
-              <a:rPr lang="de-DE" sz="1000" dirty="0"/>
-              <a:t>*</a:t>
-            </a:r>
-            <a:endParaRPr lang="pt-BR" sz="1000" dirty="0" err="1" smtClean="0">
-              <a:solidFill>
-                <a:schemeClr val="tx1"/>
-              </a:solidFill>
-            </a:endParaRPr>
-          </a:p>
-        </p:txBody>
-      </p:sp>
-      <p:sp>
-        <p:nvSpPr>
-          <p:cNvPr id="59" name="Rectangle 5"/>
-          <p:cNvSpPr>
-            <a:spLocks noChangeArrowheads="1"/>
-          </p:cNvSpPr>
-          <p:nvPr>
-            <p:custDataLst>
-              <p:tags r:id="rId7"/>
-            </p:custDataLst>
-          </p:nvPr>
-        </p:nvSpPr>
-        <p:spPr bwMode="auto">
-          <a:xfrm>
-            <a:off x="6390145" y="2753274"/>
-            <a:ext cx="2052000" cy="723244"/>
-          </a:xfrm>
-          <a:prstGeom prst="rect">
-            <a:avLst/>
-          </a:prstGeom>
-          <a:solidFill>
-            <a:schemeClr val="bg1"/>
-          </a:solidFill>
-          <a:ln w="12700">
-            <a:solidFill>
-              <a:schemeClr val="tx1"/>
-            </a:solidFill>
-            <a:miter lim="800000"/>
-            <a:headEnd/>
-            <a:tailEnd/>
-          </a:ln>
-          <a:effectLst/>
-        </p:spPr>
-        <p:txBody>
-          <a:bodyPr wrap="square" lIns="182880" tIns="182880" rIns="182880" bIns="182880" anchor="t" anchorCtr="0"/>
-          <a:lstStyle/>
-          <a:p>
-            <a:pPr defTabSz="971550">
-              <a:spcBef>
-                <a:spcPts val="0"/>
-              </a:spcBef>
-              <a:spcAft>
-                <a:spcPts val="0"/>
-              </a:spcAft>
-              <a:buClr>
-                <a:srgbClr val="005596"/>
-              </a:buClr>
-            </a:pPr>
             <a:r>
               <a:rPr lang="en-US" sz="1100" dirty="0" err="1" smtClean="0"/>
               <a:t>Produktname</a:t>
@@ -30173,7 +29650,7 @@
           </p:cNvSpPr>
           <p:nvPr>
             <p:custDataLst>
-              <p:tags r:id="rId8"/>
+              <p:tags r:id="rId2"/>
             </p:custDataLst>
           </p:nvPr>
         </p:nvSpPr>
@@ -30281,7 +29758,7 @@
           </p:cNvSpPr>
           <p:nvPr>
             <p:custDataLst>
-              <p:tags r:id="rId9"/>
+              <p:tags r:id="rId3"/>
             </p:custDataLst>
           </p:nvPr>
         </p:nvSpPr>
@@ -30407,7 +29884,7 @@
           </p:cNvSpPr>
           <p:nvPr>
             <p:custDataLst>
-              <p:tags r:id="rId10"/>
+              <p:tags r:id="rId4"/>
             </p:custDataLst>
           </p:nvPr>
         </p:nvSpPr>
@@ -30556,7 +30033,7 @@
                   <a:schemeClr val="tx1"/>
                 </a:solidFill>
               </a:rPr>
-              <a:t>Modell</a:t>
+              <a:t>Java Code</a:t>
             </a:r>
           </a:p>
         </p:txBody>
@@ -30592,132 +30069,6 @@
       </p:cxnSp>
       <p:sp>
         <p:nvSpPr>
-          <p:cNvPr id="71" name="Ellipse 70"/>
-          <p:cNvSpPr>
-            <a:spLocks noChangeAspect="1"/>
-          </p:cNvSpPr>
-          <p:nvPr/>
-        </p:nvSpPr>
-        <p:spPr bwMode="auto">
-          <a:xfrm>
-            <a:off x="381294" y="2460331"/>
-            <a:ext cx="216000" cy="216000"/>
-          </a:xfrm>
-          <a:prstGeom prst="ellipse">
-            <a:avLst/>
-          </a:prstGeom>
-          <a:solidFill>
-            <a:srgbClr val="7A51C5"/>
-          </a:solidFill>
-          <a:ln w="12700" cap="flat">
-            <a:solidFill>
-              <a:schemeClr val="bg1"/>
-            </a:solidFill>
-            <a:prstDash val="solid"/>
-            <a:miter lim="800000"/>
-            <a:headEnd type="none" w="med" len="med"/>
-            <a:tailEnd type="none" w="med" len="med"/>
-          </a:ln>
-          <a:effectLst/>
-        </p:spPr>
-        <p:txBody>
-          <a:bodyPr wrap="none" lIns="36000" tIns="36000" rIns="36000" bIns="36000" rtlCol="0" anchor="ctr" anchorCtr="1">
-            <a:noAutofit/>
-          </a:bodyPr>
-          <a:lstStyle/>
-          <a:p>
-            <a:pPr algn="ctr">
-              <a:lnSpc>
-                <a:spcPct val="90000"/>
-              </a:lnSpc>
-              <a:spcBef>
-                <a:spcPts val="500"/>
-              </a:spcBef>
-              <a:buClr>
-                <a:schemeClr val="tx2"/>
-              </a:buClr>
-              <a:buSzPct val="100000"/>
-              <a:tabLst>
-                <a:tab pos="180975" algn="l"/>
-              </a:tabLst>
-            </a:pPr>
-            <a:r>
-              <a:rPr lang="de-DE" sz="1200" b="1" dirty="0" smtClean="0">
-                <a:solidFill>
-                  <a:schemeClr val="bg1"/>
-                </a:solidFill>
-                <a:sym typeface="Arial" charset="0"/>
-              </a:rPr>
-              <a:t>V</a:t>
-            </a:r>
-          </a:p>
-        </p:txBody>
-      </p:sp>
-      <p:sp>
-        <p:nvSpPr>
-          <p:cNvPr id="72" name="Ellipse 71"/>
-          <p:cNvSpPr>
-            <a:spLocks noChangeAspect="1"/>
-          </p:cNvSpPr>
-          <p:nvPr/>
-        </p:nvSpPr>
-        <p:spPr bwMode="auto">
-          <a:xfrm>
-            <a:off x="3037884" y="2460329"/>
-            <a:ext cx="216000" cy="216000"/>
-          </a:xfrm>
-          <a:prstGeom prst="ellipse">
-            <a:avLst/>
-          </a:prstGeom>
-          <a:solidFill>
-            <a:srgbClr val="7A51C5"/>
-          </a:solidFill>
-          <a:ln w="12700" cap="flat">
-            <a:solidFill>
-              <a:schemeClr val="bg1"/>
-            </a:solidFill>
-            <a:prstDash val="solid"/>
-            <a:miter lim="800000"/>
-            <a:headEnd type="none" w="med" len="med"/>
-            <a:tailEnd type="none" w="med" len="med"/>
-          </a:ln>
-          <a:effectLst/>
-        </p:spPr>
-        <p:txBody>
-          <a:bodyPr wrap="none" lIns="18000" tIns="18000" rIns="0" bIns="0" rtlCol="0" anchor="ctr" anchorCtr="1">
-            <a:noAutofit/>
-          </a:bodyPr>
-          <a:lstStyle/>
-          <a:p>
-            <a:pPr algn="ctr">
-              <a:lnSpc>
-                <a:spcPct val="90000"/>
-              </a:lnSpc>
-              <a:spcBef>
-                <a:spcPts val="500"/>
-              </a:spcBef>
-              <a:buClr>
-                <a:schemeClr val="tx2"/>
-              </a:buClr>
-              <a:buSzPct val="100000"/>
-              <a:tabLst>
-                <a:tab pos="180975" algn="l"/>
-              </a:tabLst>
-            </a:pPr>
-            <a:r>
-              <a:rPr lang="de-DE" sz="1200" b="1" dirty="0" smtClean="0">
-                <a:solidFill>
-                  <a:schemeClr val="bg1"/>
-                </a:solidFill>
-                <a:sym typeface="Arial" charset="0"/>
-              </a:rPr>
-              <a:t>P</a:t>
-            </a:r>
-          </a:p>
-        </p:txBody>
-      </p:sp>
-      <p:sp>
-        <p:nvSpPr>
           <p:cNvPr id="73" name="Ellipse 72"/>
           <p:cNvSpPr>
             <a:spLocks noChangeAspect="1"/>
@@ -30733,69 +30084,6 @@
             <a:avLst/>
           </a:prstGeom>
           <a:noFill/>
-          <a:ln w="12700" cap="flat">
-            <a:solidFill>
-              <a:schemeClr val="bg1"/>
-            </a:solidFill>
-            <a:prstDash val="solid"/>
-            <a:miter lim="800000"/>
-            <a:headEnd type="none" w="med" len="med"/>
-            <a:tailEnd type="none" w="med" len="med"/>
-          </a:ln>
-          <a:effectLst/>
-        </p:spPr>
-        <p:txBody>
-          <a:bodyPr wrap="none" lIns="18000" tIns="18000" rIns="0" bIns="0" rtlCol="0" anchor="ctr" anchorCtr="1">
-            <a:noAutofit/>
-          </a:bodyPr>
-          <a:lstStyle/>
-          <a:p>
-            <a:pPr algn="ctr">
-              <a:lnSpc>
-                <a:spcPct val="90000"/>
-              </a:lnSpc>
-              <a:spcBef>
-                <a:spcPts val="500"/>
-              </a:spcBef>
-              <a:buClr>
-                <a:schemeClr val="tx2"/>
-              </a:buClr>
-              <a:buSzPct val="100000"/>
-              <a:tabLst>
-                <a:tab pos="180975" algn="l"/>
-              </a:tabLst>
-            </a:pPr>
-            <a:r>
-              <a:rPr lang="de-DE" sz="1200" b="1" dirty="0" smtClean="0">
-                <a:solidFill>
-                  <a:schemeClr val="bg1"/>
-                </a:solidFill>
-                <a:sym typeface="Arial" charset="0"/>
-              </a:rPr>
-              <a:t>P</a:t>
-            </a:r>
-          </a:p>
-        </p:txBody>
-      </p:sp>
-      <p:sp>
-        <p:nvSpPr>
-          <p:cNvPr id="74" name="Ellipse 73"/>
-          <p:cNvSpPr>
-            <a:spLocks noChangeAspect="1"/>
-          </p:cNvSpPr>
-          <p:nvPr/>
-        </p:nvSpPr>
-        <p:spPr bwMode="auto">
-          <a:xfrm>
-            <a:off x="3015203" y="4366643"/>
-            <a:ext cx="216000" cy="216000"/>
-          </a:xfrm>
-          <a:prstGeom prst="ellipse">
-            <a:avLst/>
-          </a:prstGeom>
-          <a:solidFill>
-            <a:srgbClr val="7A51C5"/>
-          </a:solidFill>
           <a:ln w="12700" cap="flat">
             <a:solidFill>
               <a:schemeClr val="bg1"/>
@@ -31033,7 +30321,7 @@
           <a:p>
             <a:fld id="{323E3525-FFBB-4874-957A-FF8E287515E5}" type="datetime1">
               <a:rPr lang="de-DE" smtClean="0"/>
-              <a:t>29.09.2015</a:t>
+              <a:t>15.04.2015</a:t>
             </a:fld>
             <a:endParaRPr lang="de-DE" dirty="0"/>
           </a:p>
@@ -31064,6 +30352,655 @@
               <a:t>30</a:t>
             </a:fld>
             <a:endParaRPr lang="de-DE" dirty="0"/>
+          </a:p>
+        </p:txBody>
+      </p:sp>
+      <p:cxnSp>
+        <p:nvCxnSpPr>
+          <p:cNvPr id="51" name="Gerade Verbindung 50"/>
+          <p:cNvCxnSpPr>
+            <a:stCxn id="79" idx="3"/>
+            <a:endCxn id="54" idx="1"/>
+          </p:cNvCxnSpPr>
+          <p:nvPr/>
+        </p:nvCxnSpPr>
+        <p:spPr bwMode="auto">
+          <a:xfrm>
+            <a:off x="2408286" y="3000379"/>
+            <a:ext cx="570873" cy="2"/>
+          </a:xfrm>
+          <a:prstGeom prst="line">
+            <a:avLst/>
+          </a:prstGeom>
+          <a:solidFill>
+            <a:schemeClr val="accent1"/>
+          </a:solidFill>
+          <a:ln w="9525" cap="flat" cmpd="sng" algn="ctr">
+            <a:solidFill>
+              <a:schemeClr val="tx1"/>
+            </a:solidFill>
+            <a:prstDash val="solid"/>
+            <a:round/>
+            <a:headEnd type="none" w="med" len="med"/>
+            <a:tailEnd type="none" w="med" len="med"/>
+          </a:ln>
+          <a:effectLst/>
+        </p:spPr>
+      </p:cxnSp>
+      <p:sp>
+        <p:nvSpPr>
+          <p:cNvPr id="54" name="Rectangle 5"/>
+          <p:cNvSpPr>
+            <a:spLocks noChangeArrowheads="1"/>
+          </p:cNvSpPr>
+          <p:nvPr>
+            <p:custDataLst>
+              <p:tags r:id="rId5"/>
+            </p:custDataLst>
+          </p:nvPr>
+        </p:nvSpPr>
+        <p:spPr bwMode="auto">
+          <a:xfrm>
+            <a:off x="2979159" y="2753274"/>
+            <a:ext cx="2052000" cy="494213"/>
+          </a:xfrm>
+          <a:prstGeom prst="rect">
+            <a:avLst/>
+          </a:prstGeom>
+          <a:solidFill>
+            <a:schemeClr val="bg1"/>
+          </a:solidFill>
+          <a:ln w="12700">
+            <a:solidFill>
+              <a:schemeClr val="tx1"/>
+            </a:solidFill>
+            <a:miter lim="800000"/>
+            <a:headEnd/>
+            <a:tailEnd/>
+          </a:ln>
+          <a:effectLst/>
+        </p:spPr>
+        <p:txBody>
+          <a:bodyPr wrap="square" lIns="182880" tIns="182880" rIns="182880" bIns="182880" anchor="t" anchorCtr="0"/>
+          <a:lstStyle/>
+          <a:p>
+            <a:pPr defTabSz="971550">
+              <a:spcBef>
+                <a:spcPts val="0"/>
+              </a:spcBef>
+              <a:spcAft>
+                <a:spcPts val="0"/>
+              </a:spcAft>
+              <a:buClr>
+                <a:srgbClr val="005596"/>
+              </a:buClr>
+            </a:pPr>
+            <a:r>
+              <a:rPr lang="en-US" sz="1100" dirty="0" err="1"/>
+              <a:t>Produktname</a:t>
+            </a:r>
+            <a:r>
+              <a:rPr lang="en-US" sz="1100" dirty="0"/>
+              <a:t>: String</a:t>
+            </a:r>
+          </a:p>
+        </p:txBody>
+      </p:sp>
+      <p:sp>
+        <p:nvSpPr>
+          <p:cNvPr id="55" name="Rectangle 6"/>
+          <p:cNvSpPr>
+            <a:spLocks noChangeArrowheads="1"/>
+          </p:cNvSpPr>
+          <p:nvPr>
+            <p:custDataLst>
+              <p:tags r:id="rId6"/>
+            </p:custDataLst>
+          </p:nvPr>
+        </p:nvSpPr>
+        <p:spPr bwMode="auto">
+          <a:xfrm>
+            <a:off x="2979159" y="2383391"/>
+            <a:ext cx="2052000" cy="369881"/>
+          </a:xfrm>
+          <a:prstGeom prst="rect">
+            <a:avLst/>
+          </a:prstGeom>
+          <a:solidFill>
+            <a:schemeClr val="bg1"/>
+          </a:solidFill>
+          <a:ln w="9525">
+            <a:solidFill>
+              <a:schemeClr val="tx1"/>
+            </a:solidFill>
+            <a:miter lim="800000"/>
+            <a:headEnd/>
+            <a:tailEnd/>
+          </a:ln>
+          <a:effectLst/>
+        </p:spPr>
+        <p:txBody>
+          <a:bodyPr wrap="square" lIns="91440" tIns="91440" rIns="91440" bIns="91440" anchor="ctr"/>
+          <a:lstStyle/>
+          <a:p>
+            <a:pPr algn="ctr" defTabSz="857250">
+              <a:spcBef>
+                <a:spcPts val="0"/>
+              </a:spcBef>
+              <a:spcAft>
+                <a:spcPts val="600"/>
+              </a:spcAft>
+            </a:pPr>
+            <a:r>
+              <a:rPr lang="en-US" sz="1050" b="1" dirty="0" err="1" smtClean="0">
+                <a:solidFill>
+                  <a:schemeClr val="accent6"/>
+                </a:solidFill>
+              </a:rPr>
+              <a:t>HausratProdukt</a:t>
+            </a:r>
+            <a:endParaRPr lang="en-US" sz="1050" b="1" dirty="0">
+              <a:solidFill>
+                <a:schemeClr val="accent6"/>
+              </a:solidFill>
+            </a:endParaRPr>
+          </a:p>
+        </p:txBody>
+      </p:sp>
+      <p:sp>
+        <p:nvSpPr>
+          <p:cNvPr id="56" name="Textfeld 55"/>
+          <p:cNvSpPr txBox="1"/>
+          <p:nvPr/>
+        </p:nvSpPr>
+        <p:spPr>
+          <a:xfrm>
+            <a:off x="2408286" y="2770361"/>
+            <a:ext cx="223174" cy="226591"/>
+          </a:xfrm>
+          <a:prstGeom prst="rect">
+            <a:avLst/>
+          </a:prstGeom>
+          <a:noFill/>
+        </p:spPr>
+        <p:txBody>
+          <a:bodyPr wrap="square" lIns="36000" tIns="36000" rIns="36000" bIns="36000" rtlCol="0">
+            <a:spAutoFit/>
+          </a:bodyPr>
+          <a:lstStyle/>
+          <a:p>
+            <a:pPr>
+              <a:spcAft>
+                <a:spcPts val="600"/>
+              </a:spcAft>
+            </a:pPr>
+            <a:r>
+              <a:rPr lang="de-DE" sz="1000" dirty="0" smtClean="0">
+                <a:solidFill>
+                  <a:schemeClr val="tx1"/>
+                </a:solidFill>
+              </a:rPr>
+              <a:t>*</a:t>
+            </a:r>
+            <a:endParaRPr lang="pt-BR" sz="1000" dirty="0" err="1" smtClean="0">
+              <a:solidFill>
+                <a:schemeClr val="tx1"/>
+              </a:solidFill>
+            </a:endParaRPr>
+          </a:p>
+        </p:txBody>
+      </p:sp>
+      <p:sp>
+        <p:nvSpPr>
+          <p:cNvPr id="57" name="Textfeld 56"/>
+          <p:cNvSpPr txBox="1"/>
+          <p:nvPr/>
+        </p:nvSpPr>
+        <p:spPr>
+          <a:xfrm>
+            <a:off x="2811778" y="2770361"/>
+            <a:ext cx="111587" cy="226591"/>
+          </a:xfrm>
+          <a:prstGeom prst="rect">
+            <a:avLst/>
+          </a:prstGeom>
+          <a:noFill/>
+        </p:spPr>
+        <p:txBody>
+          <a:bodyPr wrap="square" lIns="36000" tIns="36000" rIns="36000" bIns="36000" rtlCol="0">
+            <a:spAutoFit/>
+          </a:bodyPr>
+          <a:lstStyle/>
+          <a:p>
+            <a:pPr>
+              <a:spcAft>
+                <a:spcPts val="600"/>
+              </a:spcAft>
+            </a:pPr>
+            <a:r>
+              <a:rPr lang="de-DE" sz="1000" dirty="0"/>
+              <a:t>1</a:t>
+            </a:r>
+            <a:endParaRPr lang="pt-BR" sz="1000" dirty="0" err="1" smtClean="0">
+              <a:solidFill>
+                <a:schemeClr val="tx1"/>
+              </a:solidFill>
+            </a:endParaRPr>
+          </a:p>
+        </p:txBody>
+      </p:sp>
+      <p:sp>
+        <p:nvSpPr>
+          <p:cNvPr id="58" name="Rectangle 5"/>
+          <p:cNvSpPr>
+            <a:spLocks noChangeArrowheads="1"/>
+          </p:cNvSpPr>
+          <p:nvPr>
+            <p:custDataLst>
+              <p:tags r:id="rId7"/>
+            </p:custDataLst>
+          </p:nvPr>
+        </p:nvSpPr>
+        <p:spPr bwMode="auto">
+          <a:xfrm>
+            <a:off x="2985236" y="4659586"/>
+            <a:ext cx="2052000" cy="599009"/>
+          </a:xfrm>
+          <a:prstGeom prst="rect">
+            <a:avLst/>
+          </a:prstGeom>
+          <a:solidFill>
+            <a:schemeClr val="bg1"/>
+          </a:solidFill>
+          <a:ln w="12700">
+            <a:solidFill>
+              <a:schemeClr val="tx1"/>
+            </a:solidFill>
+            <a:miter lim="800000"/>
+            <a:headEnd/>
+            <a:tailEnd/>
+          </a:ln>
+          <a:effectLst/>
+        </p:spPr>
+        <p:txBody>
+          <a:bodyPr wrap="square" lIns="182880" tIns="182880" rIns="182880" bIns="182880" anchor="t" anchorCtr="0"/>
+          <a:lstStyle/>
+          <a:p>
+            <a:pPr defTabSz="971550">
+              <a:spcBef>
+                <a:spcPts val="0"/>
+              </a:spcBef>
+              <a:spcAft>
+                <a:spcPts val="0"/>
+              </a:spcAft>
+              <a:buClr>
+                <a:srgbClr val="005596"/>
+              </a:buClr>
+            </a:pPr>
+            <a:r>
+              <a:rPr lang="en-US" sz="1100" dirty="0" err="1" smtClean="0"/>
+              <a:t>validFrom</a:t>
+            </a:r>
+            <a:r>
+              <a:rPr lang="en-US" sz="1100" dirty="0" smtClean="0"/>
+              <a:t>: Date</a:t>
+            </a:r>
+          </a:p>
+          <a:p>
+            <a:pPr defTabSz="971550">
+              <a:spcBef>
+                <a:spcPts val="0"/>
+              </a:spcBef>
+              <a:spcAft>
+                <a:spcPts val="0"/>
+              </a:spcAft>
+              <a:buClr>
+                <a:srgbClr val="005596"/>
+              </a:buClr>
+            </a:pPr>
+            <a:r>
+              <a:rPr lang="en-US" sz="1100" dirty="0" err="1" smtClean="0"/>
+              <a:t>versSummeProQm</a:t>
+            </a:r>
+            <a:r>
+              <a:rPr lang="en-US" sz="1100" dirty="0" smtClean="0"/>
+              <a:t>: Money</a:t>
+            </a:r>
+            <a:endParaRPr lang="en-US" sz="1100" dirty="0"/>
+          </a:p>
+        </p:txBody>
+      </p:sp>
+      <p:sp>
+        <p:nvSpPr>
+          <p:cNvPr id="68" name="Rectangle 6"/>
+          <p:cNvSpPr>
+            <a:spLocks noChangeArrowheads="1"/>
+          </p:cNvSpPr>
+          <p:nvPr>
+            <p:custDataLst>
+              <p:tags r:id="rId8"/>
+            </p:custDataLst>
+          </p:nvPr>
+        </p:nvSpPr>
+        <p:spPr bwMode="auto">
+          <a:xfrm>
+            <a:off x="2985236" y="4289703"/>
+            <a:ext cx="2052000" cy="369881"/>
+          </a:xfrm>
+          <a:prstGeom prst="rect">
+            <a:avLst/>
+          </a:prstGeom>
+          <a:solidFill>
+            <a:schemeClr val="bg1"/>
+          </a:solidFill>
+          <a:ln w="9525">
+            <a:solidFill>
+              <a:schemeClr val="tx1"/>
+            </a:solidFill>
+            <a:miter lim="800000"/>
+            <a:headEnd/>
+            <a:tailEnd/>
+          </a:ln>
+          <a:effectLst/>
+        </p:spPr>
+        <p:txBody>
+          <a:bodyPr wrap="square" lIns="91440" tIns="91440" rIns="91440" bIns="91440" anchor="ctr"/>
+          <a:lstStyle/>
+          <a:p>
+            <a:pPr algn="ctr" defTabSz="857250">
+              <a:spcBef>
+                <a:spcPts val="0"/>
+              </a:spcBef>
+              <a:spcAft>
+                <a:spcPts val="600"/>
+              </a:spcAft>
+            </a:pPr>
+            <a:r>
+              <a:rPr lang="en-US" sz="1050" b="1" dirty="0" err="1" smtClean="0">
+                <a:solidFill>
+                  <a:schemeClr val="accent6"/>
+                </a:solidFill>
+              </a:rPr>
+              <a:t>HausratProduktAnpStufe</a:t>
+            </a:r>
+            <a:endParaRPr lang="en-US" sz="1050" b="1" dirty="0">
+              <a:solidFill>
+                <a:schemeClr val="accent6"/>
+              </a:solidFill>
+            </a:endParaRPr>
+          </a:p>
+        </p:txBody>
+      </p:sp>
+      <p:grpSp>
+        <p:nvGrpSpPr>
+          <p:cNvPr id="75" name="Gruppieren 74"/>
+          <p:cNvGrpSpPr/>
+          <p:nvPr/>
+        </p:nvGrpSpPr>
+        <p:grpSpPr>
+          <a:xfrm>
+            <a:off x="3993005" y="3285502"/>
+            <a:ext cx="298967" cy="1057510"/>
+            <a:chOff x="2124509" y="3591818"/>
+            <a:chExt cx="298967" cy="1473485"/>
+          </a:xfrm>
+        </p:grpSpPr>
+        <p:sp>
+          <p:nvSpPr>
+            <p:cNvPr id="76" name="Raute 75"/>
+            <p:cNvSpPr/>
+            <p:nvPr>
+              <p:custDataLst>
+                <p:tags r:id="rId11"/>
+              </p:custDataLst>
+            </p:nvPr>
+          </p:nvSpPr>
+          <p:spPr bwMode="gray">
+            <a:xfrm>
+              <a:off x="2124509" y="3591818"/>
+              <a:ext cx="113854" cy="250110"/>
+            </a:xfrm>
+            <a:prstGeom prst="diamond">
+              <a:avLst/>
+            </a:prstGeom>
+            <a:solidFill>
+              <a:srgbClr val="7A51C5"/>
+            </a:solidFill>
+            <a:ln w="19050" cap="flat" cmpd="sng" algn="ctr">
+              <a:solidFill>
+                <a:schemeClr val="accent1"/>
+              </a:solidFill>
+              <a:prstDash val="solid"/>
+              <a:round/>
+              <a:headEnd type="none" w="med" len="med"/>
+              <a:tailEnd type="none" w="med" len="med"/>
+            </a:ln>
+            <a:effectLst/>
+          </p:spPr>
+          <p:txBody>
+            <a:bodyPr vert="horz" wrap="square" lIns="72000" tIns="72000" rIns="72000" bIns="72000" numCol="1" rtlCol="0" anchor="ctr" anchorCtr="0" compatLnSpc="1">
+              <a:prstTxWarp prst="textNoShape">
+                <a:avLst/>
+              </a:prstTxWarp>
+            </a:bodyPr>
+            <a:lstStyle/>
+            <a:p>
+              <a:pPr marL="0" marR="0" indent="0" algn="l" defTabSz="914400" rtl="0" eaLnBrk="0" fontAlgn="base" latinLnBrk="0" hangingPunct="0">
+                <a:lnSpc>
+                  <a:spcPct val="100000"/>
+                </a:lnSpc>
+                <a:spcBef>
+                  <a:spcPct val="50000"/>
+                </a:spcBef>
+                <a:spcAft>
+                  <a:spcPct val="0"/>
+                </a:spcAft>
+                <a:buClr>
+                  <a:schemeClr val="accent1"/>
+                </a:buClr>
+                <a:buSzPct val="80000"/>
+                <a:buFont typeface="Wingdings" pitchFamily="2" charset="2"/>
+                <a:buNone/>
+                <a:tabLst/>
+              </a:pPr>
+              <a:endParaRPr kumimoji="0" lang="en-US" sz="1800" b="0" i="0" u="none" strike="noStrike" cap="none" normalizeH="0" baseline="0" smtClean="0">
+                <a:ln>
+                  <a:noFill/>
+                </a:ln>
+                <a:solidFill>
+                  <a:schemeClr val="tx1"/>
+                </a:solidFill>
+                <a:effectLst/>
+                <a:latin typeface="Arial" charset="0"/>
+              </a:endParaRPr>
+            </a:p>
+          </p:txBody>
+        </p:sp>
+        <p:cxnSp>
+          <p:nvCxnSpPr>
+            <p:cNvPr id="77" name="Gerade Verbindung 76"/>
+            <p:cNvCxnSpPr>
+              <a:stCxn id="76" idx="2"/>
+            </p:cNvCxnSpPr>
+            <p:nvPr/>
+          </p:nvCxnSpPr>
+          <p:spPr bwMode="auto">
+            <a:xfrm>
+              <a:off x="2181436" y="3841928"/>
+              <a:ext cx="0" cy="1149098"/>
+            </a:xfrm>
+            <a:prstGeom prst="line">
+              <a:avLst/>
+            </a:prstGeom>
+            <a:solidFill>
+              <a:schemeClr val="accent1"/>
+            </a:solidFill>
+            <a:ln w="9525" cap="flat" cmpd="sng" algn="ctr">
+              <a:solidFill>
+                <a:schemeClr val="tx1"/>
+              </a:solidFill>
+              <a:prstDash val="solid"/>
+              <a:round/>
+              <a:headEnd type="none" w="med" len="med"/>
+              <a:tailEnd type="none" w="med" len="med"/>
+            </a:ln>
+            <a:effectLst/>
+          </p:spPr>
+        </p:cxnSp>
+        <p:sp>
+          <p:nvSpPr>
+            <p:cNvPr id="78" name="Textfeld 77"/>
+            <p:cNvSpPr txBox="1"/>
+            <p:nvPr/>
+          </p:nvSpPr>
+          <p:spPr>
+            <a:xfrm>
+              <a:off x="2200302" y="4620929"/>
+              <a:ext cx="223174" cy="444374"/>
+            </a:xfrm>
+            <a:prstGeom prst="rect">
+              <a:avLst/>
+            </a:prstGeom>
+            <a:noFill/>
+          </p:spPr>
+          <p:txBody>
+            <a:bodyPr wrap="square" lIns="36000" tIns="36000" rIns="36000" bIns="36000" rtlCol="0">
+              <a:spAutoFit/>
+            </a:bodyPr>
+            <a:lstStyle/>
+            <a:p>
+              <a:pPr>
+                <a:spcAft>
+                  <a:spcPts val="600"/>
+                </a:spcAft>
+              </a:pPr>
+              <a:r>
+                <a:rPr lang="de-DE" sz="1600" dirty="0" smtClean="0">
+                  <a:solidFill>
+                    <a:schemeClr val="tx1"/>
+                  </a:solidFill>
+                </a:rPr>
+                <a:t>*</a:t>
+              </a:r>
+              <a:endParaRPr lang="pt-BR" sz="1600" dirty="0" err="1" smtClean="0">
+                <a:solidFill>
+                  <a:schemeClr val="tx1"/>
+                </a:solidFill>
+              </a:endParaRPr>
+            </a:p>
+          </p:txBody>
+        </p:sp>
+      </p:grpSp>
+      <p:sp>
+        <p:nvSpPr>
+          <p:cNvPr id="79" name="Rectangle 5"/>
+          <p:cNvSpPr>
+            <a:spLocks noChangeArrowheads="1"/>
+          </p:cNvSpPr>
+          <p:nvPr>
+            <p:custDataLst>
+              <p:tags r:id="rId9"/>
+            </p:custDataLst>
+          </p:nvPr>
+        </p:nvSpPr>
+        <p:spPr bwMode="auto">
+          <a:xfrm>
+            <a:off x="356286" y="2753272"/>
+            <a:ext cx="2052000" cy="494213"/>
+          </a:xfrm>
+          <a:prstGeom prst="rect">
+            <a:avLst/>
+          </a:prstGeom>
+          <a:solidFill>
+            <a:schemeClr val="bg1"/>
+          </a:solidFill>
+          <a:ln w="12700">
+            <a:solidFill>
+              <a:schemeClr val="tx1"/>
+            </a:solidFill>
+            <a:miter lim="800000"/>
+            <a:headEnd/>
+            <a:tailEnd/>
+          </a:ln>
+          <a:effectLst/>
+        </p:spPr>
+        <p:txBody>
+          <a:bodyPr wrap="square" lIns="182880" tIns="182880" rIns="182880" bIns="182880" anchor="t" anchorCtr="0"/>
+          <a:lstStyle/>
+          <a:p>
+            <a:pPr defTabSz="971550">
+              <a:spcBef>
+                <a:spcPts val="0"/>
+              </a:spcBef>
+              <a:spcAft>
+                <a:spcPts val="0"/>
+              </a:spcAft>
+              <a:buClr>
+                <a:srgbClr val="005596"/>
+              </a:buClr>
+            </a:pPr>
+            <a:endParaRPr lang="en-US" sz="800" dirty="0"/>
+          </a:p>
+        </p:txBody>
+      </p:sp>
+      <p:sp>
+        <p:nvSpPr>
+          <p:cNvPr id="80" name="Rectangle 6"/>
+          <p:cNvSpPr>
+            <a:spLocks noChangeArrowheads="1"/>
+          </p:cNvSpPr>
+          <p:nvPr>
+            <p:custDataLst>
+              <p:tags r:id="rId10"/>
+            </p:custDataLst>
+          </p:nvPr>
+        </p:nvSpPr>
+        <p:spPr bwMode="auto">
+          <a:xfrm>
+            <a:off x="356286" y="2383389"/>
+            <a:ext cx="2052000" cy="369881"/>
+          </a:xfrm>
+          <a:prstGeom prst="rect">
+            <a:avLst/>
+          </a:prstGeom>
+          <a:solidFill>
+            <a:schemeClr val="bg1"/>
+          </a:solidFill>
+          <a:ln w="9525">
+            <a:solidFill>
+              <a:schemeClr val="tx1"/>
+            </a:solidFill>
+            <a:miter lim="800000"/>
+            <a:headEnd/>
+            <a:tailEnd/>
+          </a:ln>
+          <a:effectLst/>
+        </p:spPr>
+        <p:txBody>
+          <a:bodyPr wrap="square" lIns="91440" tIns="91440" rIns="91440" bIns="91440" anchor="ctr"/>
+          <a:lstStyle/>
+          <a:p>
+            <a:pPr algn="ctr" defTabSz="857250">
+              <a:spcBef>
+                <a:spcPts val="0"/>
+              </a:spcBef>
+              <a:spcAft>
+                <a:spcPts val="600"/>
+              </a:spcAft>
+            </a:pPr>
+            <a:r>
+              <a:rPr lang="en-US" sz="1050" b="1" dirty="0" err="1" smtClean="0">
+                <a:solidFill>
+                  <a:schemeClr val="accent6"/>
+                </a:solidFill>
+              </a:rPr>
+              <a:t>HausratVertrag</a:t>
+            </a:r>
+            <a:endParaRPr lang="en-US" sz="1050" b="1" dirty="0">
+              <a:solidFill>
+                <a:schemeClr val="accent6"/>
+              </a:solidFill>
+            </a:endParaRPr>
           </a:p>
         </p:txBody>
       </p:sp>
@@ -31292,7 +31229,7 @@
           <a:p>
             <a:fld id="{D8F6D534-1AB6-42A3-9B02-3A9CBF1D4773}" type="datetime1">
               <a:rPr lang="de-DE" smtClean="0"/>
-              <a:t>29.09.2015</a:t>
+              <a:t>15.04.2015</a:t>
             </a:fld>
             <a:endParaRPr lang="de-DE" dirty="0"/>
           </a:p>
@@ -31406,7 +31343,7 @@
           <a:p>
             <a:fld id="{CA1337F5-84F1-4ED4-BFAA-1B2DE980E53C}" type="datetime1">
               <a:rPr lang="de-DE" smtClean="0"/>
-              <a:t>29.09.2015</a:t>
+              <a:t>15.04.2015</a:t>
             </a:fld>
             <a:endParaRPr lang="de-DE" dirty="0"/>
           </a:p>
@@ -31524,7 +31461,7 @@
           <a:p>
             <a:fld id="{E3D384F5-27EE-4D4F-B33B-A45D12B9A2D9}" type="datetime1">
               <a:rPr lang="de-DE" smtClean="0"/>
-              <a:t>29.09.2015</a:t>
+              <a:t>15.04.2015</a:t>
             </a:fld>
             <a:endParaRPr lang="de-DE" dirty="0"/>
           </a:p>
@@ -32813,7 +32750,7 @@
           <a:p>
             <a:fld id="{CDE83168-DACE-49D4-BBFA-A5E200368A63}" type="datetime1">
               <a:rPr lang="de-DE" smtClean="0"/>
-              <a:t>29.09.2015</a:t>
+              <a:t>15.04.2015</a:t>
             </a:fld>
             <a:endParaRPr lang="de-DE" dirty="0"/>
           </a:p>
@@ -32860,6 +32797,13 @@
   <p:transition spd="slow">
     <p:fade/>
   </p:transition>
+  <p:timing>
+    <p:tnLst>
+      <p:par>
+        <p:cTn id="1" dur="indefinite" restart="never" nodeType="tmRoot"/>
+      </p:par>
+    </p:tnLst>
+  </p:timing>
 </p:sld>
 </file>
 
@@ -32920,7 +32864,7 @@
           <a:p>
             <a:fld id="{C97DC1A3-9196-4992-A528-4098D816F7DC}" type="datetime1">
               <a:rPr lang="de-DE" smtClean="0"/>
-              <a:t>29.09.2015</a:t>
+              <a:t>15.04.2015</a:t>
             </a:fld>
             <a:endParaRPr lang="de-DE" dirty="0"/>
           </a:p>
@@ -32967,6 +32911,13 @@
   <p:transition spd="slow">
     <p:fade/>
   </p:transition>
+  <p:timing>
+    <p:tnLst>
+      <p:par>
+        <p:cTn id="1" dur="indefinite" restart="never" nodeType="tmRoot"/>
+      </p:par>
+    </p:tnLst>
+  </p:timing>
 </p:sld>
 </file>
 
@@ -33208,7 +33159,7 @@
           <a:p>
             <a:fld id="{3660FDF8-55CD-48E8-84AE-7FE249D0C181}" type="datetime1">
               <a:rPr lang="de-DE" smtClean="0"/>
-              <a:t>29.09.2015</a:t>
+              <a:t>15.04.2015</a:t>
             </a:fld>
             <a:endParaRPr lang="de-DE" dirty="0"/>
           </a:p>
@@ -33322,7 +33273,7 @@
           <a:p>
             <a:fld id="{70C6534D-5BA8-4A0F-B024-A0E05CBCA114}" type="datetime1">
               <a:rPr lang="de-DE" smtClean="0"/>
-              <a:t>29.09.2015</a:t>
+              <a:t>15.04.2015</a:t>
             </a:fld>
             <a:endParaRPr lang="de-DE" dirty="0"/>
           </a:p>
@@ -33440,7 +33391,7 @@
           <a:p>
             <a:fld id="{CDF3D59D-23D3-4454-99A5-E4948CEC8A1D}" type="datetime1">
               <a:rPr lang="de-DE" smtClean="0"/>
-              <a:t>29.09.2015</a:t>
+              <a:t>15.04.2015</a:t>
             </a:fld>
             <a:endParaRPr lang="de-DE" dirty="0"/>
           </a:p>
@@ -36147,7 +36098,7 @@
           <a:p>
             <a:fld id="{31C207BA-F90D-4F81-A0C1-4401488FFC46}" type="datetime1">
               <a:rPr lang="de-DE" smtClean="0"/>
-              <a:t>29.09.2015</a:t>
+              <a:t>15.04.2015</a:t>
             </a:fld>
             <a:endParaRPr lang="de-DE" dirty="0"/>
           </a:p>
@@ -37809,7 +37760,7 @@
         </p:nvSpPr>
         <p:spPr bwMode="auto">
           <a:xfrm>
-            <a:off x="7209512" y="3489849"/>
+            <a:off x="7209512" y="3526816"/>
             <a:ext cx="756084" cy="1447800"/>
           </a:xfrm>
           <a:prstGeom prst="rect">
@@ -37973,7 +37924,7 @@
                 </a:spcAft>
               </a:pPr>
               <a:r>
-                <a:rPr lang="de-DE" sz="1200" dirty="0" smtClean="0">
+                <a:rPr lang="de-DE" sz="1200" u="sng" dirty="0" smtClean="0">
                   <a:solidFill>
                     <a:schemeClr val="bg1"/>
                   </a:solidFill>
@@ -38023,7 +37974,7 @@
         </p:nvSpPr>
         <p:spPr>
           <a:xfrm>
-            <a:off x="5316866" y="2881554"/>
+            <a:off x="5544108" y="2965769"/>
             <a:ext cx="900100" cy="211203"/>
           </a:xfrm>
           <a:prstGeom prst="rect">
@@ -38080,9 +38031,9 @@
         <p:grpSpPr>
           <a:xfrm>
             <a:off x="6579554" y="5128578"/>
-            <a:ext cx="2016000" cy="720000"/>
-            <a:chOff x="4932040" y="4509405"/>
-            <a:chExt cx="2052000" cy="863811"/>
+            <a:ext cx="2016000" cy="720001"/>
+            <a:chOff x="4932040" y="4509404"/>
+            <a:chExt cx="2052000" cy="863812"/>
           </a:xfrm>
         </p:grpSpPr>
         <p:sp>
@@ -38151,8 +38102,8 @@
           </p:nvSpPr>
           <p:spPr bwMode="auto">
             <a:xfrm>
-              <a:off x="4932040" y="4509405"/>
-              <a:ext cx="2052000" cy="369881"/>
+              <a:off x="4932040" y="4509404"/>
+              <a:ext cx="2052000" cy="444307"/>
             </a:xfrm>
             <a:prstGeom prst="rect">
               <a:avLst/>
@@ -38183,7 +38134,7 @@
                 </a:spcAft>
               </a:pPr>
               <a:r>
-                <a:rPr lang="de-DE" sz="1200" dirty="0" smtClean="0">
+                <a:rPr lang="de-DE" sz="1200" u="sng" dirty="0" smtClean="0">
                   <a:solidFill>
                     <a:schemeClr val="bg1"/>
                   </a:solidFill>
@@ -38234,7 +38185,7 @@
         </p:nvSpPr>
         <p:spPr>
           <a:xfrm>
-            <a:off x="5316866" y="5298787"/>
+            <a:off x="5400092" y="5298787"/>
             <a:ext cx="900100" cy="211203"/>
           </a:xfrm>
           <a:prstGeom prst="rect">
@@ -38294,7 +38245,7 @@
         <p:spPr bwMode="auto">
           <a:xfrm>
             <a:off x="7587554" y="3489849"/>
-            <a:ext cx="0" cy="1638729"/>
+            <a:ext cx="0" cy="1638728"/>
           </a:xfrm>
           <a:prstGeom prst="line">
             <a:avLst/>
@@ -38309,7 +38260,7 @@
             <a:prstDash val="solid"/>
             <a:round/>
             <a:headEnd type="none" w="med" len="med"/>
-            <a:tailEnd type="none" w="med" len="med"/>
+            <a:tailEnd type="arrow" w="med" len="med"/>
           </a:ln>
           <a:effectLst/>
         </p:spPr>
@@ -38571,7 +38522,7 @@
           <a:p>
             <a:fld id="{C98A80CF-9460-4B5F-B0DA-7A8B739753CF}" type="datetime1">
               <a:rPr lang="de-DE" smtClean="0"/>
-              <a:t>29.09.2015</a:t>
+              <a:t>15.04.2015</a:t>
             </a:fld>
             <a:endParaRPr lang="de-DE" dirty="0"/>
           </a:p>
@@ -38688,47 +38639,89 @@
           <a:bodyPr/>
           <a:lstStyle/>
           <a:p>
+            <a:pPr marL="342900" indent="-342900">
+              <a:buFont typeface="Arial" pitchFamily="34" charset="0"/>
+              <a:buChar char="•"/>
+            </a:pPr>
             <a:r>
               <a:rPr lang="pt-BR" dirty="0" smtClean="0"/>
               <a:t>Produktbausteintyp Hausratgrunddeckungstyp anlegen und mit HausratGrunddeckung verknüpfen.</a:t>
             </a:r>
           </a:p>
           <a:p>
+            <a:pPr marL="342900" indent="-342900">
+              <a:buFont typeface="Arial" pitchFamily="34" charset="0"/>
+              <a:buChar char="•"/>
+            </a:pPr>
             <a:r>
               <a:rPr lang="pt-BR" dirty="0" smtClean="0"/>
               <a:t>Beziehung zwischen Hausratprodukt und HausratGrunddeckungstyp anlegen.</a:t>
             </a:r>
           </a:p>
           <a:p>
+            <a:pPr marL="342900" indent="-342900">
+              <a:buFont typeface="Arial" pitchFamily="34" charset="0"/>
+              <a:buChar char="•"/>
+            </a:pPr>
             <a:r>
               <a:rPr lang="pt-BR" dirty="0" smtClean="0"/>
-              <a:t>	Darauf achten, dass die Beziehung nicht änderbar ist im Zeitablauf.</a:t>
-            </a:r>
-          </a:p>
-          <a:p>
+              <a:t>Darauf </a:t>
+            </a:r>
+            <a:r>
+              <a:rPr lang="pt-BR" dirty="0" smtClean="0"/>
+              <a:t>achten, dass die Beziehung nicht änderbar ist im Zeitablauf.</a:t>
+            </a:r>
+          </a:p>
+          <a:p>
+            <a:pPr marL="342900" indent="-342900">
+              <a:buFont typeface="Arial" pitchFamily="34" charset="0"/>
+              <a:buChar char="•"/>
+            </a:pPr>
             <a:r>
               <a:rPr lang="pt-BR" dirty="0" smtClean="0"/>
               <a:t>Wechseln in die Produktdefinitionsperspektive.</a:t>
             </a:r>
           </a:p>
           <a:p>
+            <a:pPr marL="342900" indent="-342900">
+              <a:buFont typeface="Arial" pitchFamily="34" charset="0"/>
+              <a:buChar char="•"/>
+            </a:pPr>
             <a:r>
               <a:rPr lang="pt-BR" dirty="0" smtClean="0"/>
-              <a:t>Grunddeckungen für Hausrat-Kompakt anlegen</a:t>
+              <a:t>Grunddeckungen für Hausrat-Kompakt anlegen und Beziehung per Drag &amp; Drop herstellen.</a:t>
+            </a:r>
+          </a:p>
+          <a:p>
+            <a:pPr marL="342900" indent="-342900">
+              <a:buFont typeface="Arial" pitchFamily="34" charset="0"/>
+              <a:buChar char="•"/>
+            </a:pPr>
+            <a:r>
+              <a:rPr lang="pt-BR" dirty="0" smtClean="0"/>
+              <a:t>Hausrat-Optimal </a:t>
             </a:r>
             <a:r>
               <a:rPr lang="pt-BR" dirty="0"/>
-              <a:t> </a:t>
+              <a:t>im Produktstruktur-Explorer </a:t>
             </a:r>
             <a:r>
               <a:rPr lang="pt-BR" dirty="0" smtClean="0"/>
-              <a:t>und Beziehung per Drag &amp; Drop herstellen.</a:t>
-            </a:r>
-          </a:p>
-          <a:p>
+              <a:t>öffnen</a:t>
+            </a:r>
+          </a:p>
+          <a:p>
+            <a:pPr marL="342900" indent="-342900">
+              <a:buFont typeface="Arial" pitchFamily="34" charset="0"/>
+              <a:buChar char="•"/>
+            </a:pPr>
+            <a:r>
+              <a:rPr lang="pt-BR" dirty="0" smtClean="0"/>
+              <a:t>Grunddeckungen </a:t>
+            </a:r>
             <a:r>
               <a:rPr lang="pt-BR" dirty="0"/>
-              <a:t>Grunddeckungen für </a:t>
+              <a:t>für </a:t>
             </a:r>
             <a:r>
               <a:rPr lang="pt-BR" dirty="0" smtClean="0"/>
@@ -38740,12 +38733,24 @@
             <a:endParaRPr lang="pt-BR" dirty="0" smtClean="0"/>
           </a:p>
           <a:p>
+            <a:pPr marL="342900" indent="-342900">
+              <a:buFont typeface="Arial" pitchFamily="34" charset="0"/>
+              <a:buChar char="•"/>
+            </a:pPr>
             <a:endParaRPr lang="pt-BR" dirty="0" smtClean="0"/>
           </a:p>
           <a:p>
+            <a:pPr marL="342900" indent="-342900">
+              <a:buFont typeface="Arial" pitchFamily="34" charset="0"/>
+              <a:buChar char="•"/>
+            </a:pPr>
             <a:endParaRPr lang="pt-BR" dirty="0" smtClean="0"/>
           </a:p>
           <a:p>
+            <a:pPr marL="342900" indent="-342900">
+              <a:buFont typeface="Arial" pitchFamily="34" charset="0"/>
+              <a:buChar char="•"/>
+            </a:pPr>
             <a:endParaRPr lang="pt-BR" dirty="0"/>
           </a:p>
         </p:txBody>
@@ -38767,7 +38772,7 @@
           <a:p>
             <a:fld id="{28240372-C596-4DC1-8B18-DD426E74B0A3}" type="datetime1">
               <a:rPr lang="de-DE" smtClean="0"/>
-              <a:t>29.09.2015</a:t>
+              <a:t>15.04.2015</a:t>
             </a:fld>
             <a:endParaRPr lang="de-DE" dirty="0"/>
           </a:p>
@@ -39126,31 +39131,31 @@
 
 <file path=ppt/tags/tag55.xml><?xml version="1.0" encoding="utf-8"?>
 <p:tagLst xmlns:a="http://schemas.openxmlformats.org/drawingml/2006/main" xmlns:r="http://schemas.openxmlformats.org/officeDocument/2006/relationships" xmlns:p="http://schemas.openxmlformats.org/presentationml/2006/main">
-  <p:tag name="THINKCELLSHAPEDONOTDELETE" val="p5EjNVMsJNEiMsLf2PpS3Xw"/>
+  <p:tag name="THINKCELLSHAPEDONOTDELETE" val="pApyc.n78QE6T.Njh25jfog"/>
 </p:tagLst>
 </file>
 
 <file path=ppt/tags/tag56.xml><?xml version="1.0" encoding="utf-8"?>
 <p:tagLst xmlns:a="http://schemas.openxmlformats.org/drawingml/2006/main" xmlns:r="http://schemas.openxmlformats.org/officeDocument/2006/relationships" xmlns:p="http://schemas.openxmlformats.org/presentationml/2006/main">
-  <p:tag name="THINKCELLSHAPEDONOTDELETE" val="pApyc.n78QE6T.Njh25jfog"/>
+  <p:tag name="THINKCELLSHAPEDONOTDELETE" val="p5EjNVMsJNEiMsLf2PpS3Xw"/>
 </p:tagLst>
 </file>
 
 <file path=ppt/tags/tag57.xml><?xml version="1.0" encoding="utf-8"?>
 <p:tagLst xmlns:a="http://schemas.openxmlformats.org/drawingml/2006/main" xmlns:r="http://schemas.openxmlformats.org/officeDocument/2006/relationships" xmlns:p="http://schemas.openxmlformats.org/presentationml/2006/main">
-  <p:tag name="THINKCELLSHAPEDONOTDELETE" val="p5EjNVMsJNEiMsLf2PpS3Xw"/>
+  <p:tag name="THINKCELLSHAPEDONOTDELETE" val="pApyc.n78QE6T.Njh25jfog"/>
 </p:tagLst>
 </file>
 
 <file path=ppt/tags/tag58.xml><?xml version="1.0" encoding="utf-8"?>
 <p:tagLst xmlns:a="http://schemas.openxmlformats.org/drawingml/2006/main" xmlns:r="http://schemas.openxmlformats.org/officeDocument/2006/relationships" xmlns:p="http://schemas.openxmlformats.org/presentationml/2006/main">
-  <p:tag name="THINKCELLSHAPEDONOTDELETE" val="pApyc.n78QE6T.Njh25jfog"/>
+  <p:tag name="THINKCELLSHAPEDONOTDELETE" val="p5EjNVMsJNEiMsLf2PpS3Xw"/>
 </p:tagLst>
 </file>
 
 <file path=ppt/tags/tag59.xml><?xml version="1.0" encoding="utf-8"?>
 <p:tagLst xmlns:a="http://schemas.openxmlformats.org/drawingml/2006/main" xmlns:r="http://schemas.openxmlformats.org/officeDocument/2006/relationships" xmlns:p="http://schemas.openxmlformats.org/presentationml/2006/main">
-  <p:tag name="THINKCELLSHAPEDONOTDELETE" val="p5EjNVMsJNEiMsLf2PpS3Xw"/>
+  <p:tag name="THINKCELLSHAPEDONOTDELETE" val="pApyc.n78QE6T.Njh25jfog"/>
 </p:tagLst>
 </file>
 
@@ -39162,19 +39167,19 @@
 
 <file path=ppt/tags/tag60.xml><?xml version="1.0" encoding="utf-8"?>
 <p:tagLst xmlns:a="http://schemas.openxmlformats.org/drawingml/2006/main" xmlns:r="http://schemas.openxmlformats.org/officeDocument/2006/relationships" xmlns:p="http://schemas.openxmlformats.org/presentationml/2006/main">
-  <p:tag name="THINKCELLSHAPEDONOTDELETE" val="pApyc.n78QE6T.Njh25jfog"/>
+  <p:tag name="THINKCELLSHAPEDONOTDELETE" val="p5EjNVMsJNEiMsLf2PpS3Xw"/>
 </p:tagLst>
 </file>
 
 <file path=ppt/tags/tag61.xml><?xml version="1.0" encoding="utf-8"?>
 <p:tagLst xmlns:a="http://schemas.openxmlformats.org/drawingml/2006/main" xmlns:r="http://schemas.openxmlformats.org/officeDocument/2006/relationships" xmlns:p="http://schemas.openxmlformats.org/presentationml/2006/main">
-  <p:tag name="THINKCELLSHAPEDONOTDELETE" val="p5EjNVMsJNEiMsLf2PpS3Xw"/>
+  <p:tag name="THINKCELLSHAPEDONOTDELETE" val="pApyc.n78QE6T.Njh25jfog"/>
 </p:tagLst>
 </file>
 
 <file path=ppt/tags/tag62.xml><?xml version="1.0" encoding="utf-8"?>
 <p:tagLst xmlns:a="http://schemas.openxmlformats.org/drawingml/2006/main" xmlns:r="http://schemas.openxmlformats.org/officeDocument/2006/relationships" xmlns:p="http://schemas.openxmlformats.org/presentationml/2006/main">
-  <p:tag name="THINKCELLSHAPEDONOTDELETE" val="pApyc.n78QE6T.Njh25jfog"/>
+  <p:tag name="THINKCELLSHAPEDONOTDELETE" val="p5EjNVMsJNEiMsLf2PpS3Xw"/>
 </p:tagLst>
 </file>
 
@@ -39186,31 +39191,31 @@
 
 <file path=ppt/tags/tag64.xml><?xml version="1.0" encoding="utf-8"?>
 <p:tagLst xmlns:a="http://schemas.openxmlformats.org/drawingml/2006/main" xmlns:r="http://schemas.openxmlformats.org/officeDocument/2006/relationships" xmlns:p="http://schemas.openxmlformats.org/presentationml/2006/main">
-  <p:tag name="THINKCELLSHAPEDONOTDELETE" val="t8zKyYfcen0GY7Wqjy8ypGQ"/>
+  <p:tag name="THINKCELLSHAPEDONOTDELETE" val="pApyc.n78QE6T.Njh25jfog"/>
 </p:tagLst>
 </file>
 
 <file path=ppt/tags/tag65.xml><?xml version="1.0" encoding="utf-8"?>
 <p:tagLst xmlns:a="http://schemas.openxmlformats.org/drawingml/2006/main" xmlns:r="http://schemas.openxmlformats.org/officeDocument/2006/relationships" xmlns:p="http://schemas.openxmlformats.org/presentationml/2006/main">
-  <p:tag name="THINKCELLSHAPEDONOTDELETE" val="pApyc.n78QE6T.Njh25jfog"/>
+  <p:tag name="THINKCELLSHAPEDONOTDELETE" val="p5EjNVMsJNEiMsLf2PpS3Xw"/>
 </p:tagLst>
 </file>
 
 <file path=ppt/tags/tag66.xml><?xml version="1.0" encoding="utf-8"?>
 <p:tagLst xmlns:a="http://schemas.openxmlformats.org/drawingml/2006/main" xmlns:r="http://schemas.openxmlformats.org/officeDocument/2006/relationships" xmlns:p="http://schemas.openxmlformats.org/presentationml/2006/main">
-  <p:tag name="THINKCELLSHAPEDONOTDELETE" val="p5EjNVMsJNEiMsLf2PpS3Xw"/>
+  <p:tag name="THINKCELLSHAPEDONOTDELETE" val="pApyc.n78QE6T.Njh25jfog"/>
 </p:tagLst>
 </file>
 
 <file path=ppt/tags/tag67.xml><?xml version="1.0" encoding="utf-8"?>
 <p:tagLst xmlns:a="http://schemas.openxmlformats.org/drawingml/2006/main" xmlns:r="http://schemas.openxmlformats.org/officeDocument/2006/relationships" xmlns:p="http://schemas.openxmlformats.org/presentationml/2006/main">
-  <p:tag name="THINKCELLSHAPEDONOTDELETE" val="pApyc.n78QE6T.Njh25jfog"/>
+  <p:tag name="THINKCELLSHAPEDONOTDELETE" val="p5EjNVMsJNEiMsLf2PpS3Xw"/>
 </p:tagLst>
 </file>
 
 <file path=ppt/tags/tag68.xml><?xml version="1.0" encoding="utf-8"?>
 <p:tagLst xmlns:a="http://schemas.openxmlformats.org/drawingml/2006/main" xmlns:r="http://schemas.openxmlformats.org/officeDocument/2006/relationships" xmlns:p="http://schemas.openxmlformats.org/presentationml/2006/main">
-  <p:tag name="THINKCELLSHAPEDONOTDELETE" val="p5EjNVMsJNEiMsLf2PpS3Xw"/>
+  <p:tag name="THINKCELLSHAPEDONOTDELETE" val="t8zKyYfcen0GY7Wqjy8ypGQ"/>
 </p:tagLst>
 </file>
 
@@ -39311,6 +39316,30 @@
 </file>
 
 <file path=ppt/tags/tag83.xml><?xml version="1.0" encoding="utf-8"?>
+<p:tagLst xmlns:a="http://schemas.openxmlformats.org/drawingml/2006/main" xmlns:r="http://schemas.openxmlformats.org/officeDocument/2006/relationships" xmlns:p="http://schemas.openxmlformats.org/presentationml/2006/main">
+  <p:tag name="THINKCELLSHAPEDONOTDELETE" val="pApyc.n78QE6T.Njh25jfog"/>
+</p:tagLst>
+</file>
+
+<file path=ppt/tags/tag84.xml><?xml version="1.0" encoding="utf-8"?>
+<p:tagLst xmlns:a="http://schemas.openxmlformats.org/drawingml/2006/main" xmlns:r="http://schemas.openxmlformats.org/officeDocument/2006/relationships" xmlns:p="http://schemas.openxmlformats.org/presentationml/2006/main">
+  <p:tag name="THINKCELLSHAPEDONOTDELETE" val="p5EjNVMsJNEiMsLf2PpS3Xw"/>
+</p:tagLst>
+</file>
+
+<file path=ppt/tags/tag85.xml><?xml version="1.0" encoding="utf-8"?>
+<p:tagLst xmlns:a="http://schemas.openxmlformats.org/drawingml/2006/main" xmlns:r="http://schemas.openxmlformats.org/officeDocument/2006/relationships" xmlns:p="http://schemas.openxmlformats.org/presentationml/2006/main">
+  <p:tag name="THINKCELLSHAPEDONOTDELETE" val="pApyc.n78QE6T.Njh25jfog"/>
+</p:tagLst>
+</file>
+
+<file path=ppt/tags/tag86.xml><?xml version="1.0" encoding="utf-8"?>
+<p:tagLst xmlns:a="http://schemas.openxmlformats.org/drawingml/2006/main" xmlns:r="http://schemas.openxmlformats.org/officeDocument/2006/relationships" xmlns:p="http://schemas.openxmlformats.org/presentationml/2006/main">
+  <p:tag name="THINKCELLSHAPEDONOTDELETE" val="p5EjNVMsJNEiMsLf2PpS3Xw"/>
+</p:tagLst>
+</file>
+
+<file path=ppt/tags/tag87.xml><?xml version="1.0" encoding="utf-8"?>
 <p:tagLst xmlns:a="http://schemas.openxmlformats.org/drawingml/2006/main" xmlns:r="http://schemas.openxmlformats.org/officeDocument/2006/relationships" xmlns:p="http://schemas.openxmlformats.org/presentationml/2006/main">
   <p:tag name="THINKCELLSHAPEDONOTDELETE" val="t8zKyYfcen0GY7Wqjy8ypGQ"/>
 </p:tagLst>

--- a/org.faktorips.doc/schulung/anwendungsentwicklung2/FaktorIPS-Schulung 3-C - Modellierung Produktseite.pptx
+++ b/org.faktorips.doc/schulung/anwendungsentwicklung2/FaktorIPS-Schulung 3-C - Modellierung Produktseite.pptx
@@ -218,6 +218,59 @@
         </p14:section>
       </p14:sectionLst>
     </p:ext>
+    <p:ext uri="{EFAFB233-063F-42B5-8137-9DF3F51BA10A}">
+      <p15:sldGuideLst xmlns:p15="http://schemas.microsoft.com/office/powerpoint/2012/main">
+        <p15:guide id="1" orient="horz" pos="2160">
+          <p15:clr>
+            <a:srgbClr val="A4A3A4"/>
+          </p15:clr>
+        </p15:guide>
+        <p15:guide id="2" orient="horz" pos="3317">
+          <p15:clr>
+            <a:srgbClr val="A4A3A4"/>
+          </p15:clr>
+        </p15:guide>
+        <p15:guide id="3" orient="horz" pos="2478">
+          <p15:clr>
+            <a:srgbClr val="A4A3A4"/>
+          </p15:clr>
+        </p15:guide>
+        <p15:guide id="4" orient="horz" pos="822">
+          <p15:clr>
+            <a:srgbClr val="A4A3A4"/>
+          </p15:clr>
+        </p15:guide>
+        <p15:guide id="5" orient="horz" pos="3498">
+          <p15:clr>
+            <a:srgbClr val="A4A3A4"/>
+          </p15:clr>
+        </p15:guide>
+        <p15:guide id="6" pos="3356">
+          <p15:clr>
+            <a:srgbClr val="A4A3A4"/>
+          </p15:clr>
+        </p15:guide>
+        <p15:guide id="7" pos="158">
+          <p15:clr>
+            <a:srgbClr val="A4A3A4"/>
+          </p15:clr>
+        </p15:guide>
+      </p15:sldGuideLst>
+    </p:ext>
+    <p:ext uri="{2D200454-40CA-4A62-9FC3-DE9A4176ACB9}">
+      <p15:notesGuideLst xmlns:p15="http://schemas.microsoft.com/office/powerpoint/2012/main">
+        <p15:guide id="1" orient="horz" pos="3104">
+          <p15:clr>
+            <a:srgbClr val="A4A3A4"/>
+          </p15:clr>
+        </p15:guide>
+        <p15:guide id="2" pos="2116">
+          <p15:clr>
+            <a:srgbClr val="A4A3A4"/>
+          </p15:clr>
+        </p15:guide>
+      </p15:notesGuideLst>
+    </p:ext>
   </p:extLst>
 </p:presentation>
 </file>
@@ -989,6 +1042,11 @@
         </p:txBody>
       </p:sp>
     </p:spTree>
+    <p:extLst>
+      <p:ext uri="{BB962C8B-B14F-4D97-AF65-F5344CB8AC3E}">
+        <p14:creationId xmlns:p14="http://schemas.microsoft.com/office/powerpoint/2010/main" val="588866779"/>
+      </p:ext>
+    </p:extLst>
   </p:cSld>
   <p:clrMapOvr>
     <a:masterClrMapping/>
@@ -1071,6 +1129,11 @@
         </p:txBody>
       </p:sp>
     </p:spTree>
+    <p:extLst>
+      <p:ext uri="{BB962C8B-B14F-4D97-AF65-F5344CB8AC3E}">
+        <p14:creationId xmlns:p14="http://schemas.microsoft.com/office/powerpoint/2010/main" val="2633618201"/>
+      </p:ext>
+    </p:extLst>
   </p:cSld>
   <p:clrMapOvr>
     <a:masterClrMapping/>
@@ -1153,6 +1216,11 @@
         </p:txBody>
       </p:sp>
     </p:spTree>
+    <p:extLst>
+      <p:ext uri="{BB962C8B-B14F-4D97-AF65-F5344CB8AC3E}">
+        <p14:creationId xmlns:p14="http://schemas.microsoft.com/office/powerpoint/2010/main" val="1114623959"/>
+      </p:ext>
+    </p:extLst>
   </p:cSld>
   <p:clrMapOvr>
     <a:masterClrMapping/>
@@ -1252,7 +1320,7 @@
           <a:p>
             <a:fld id="{A9A69B4D-59F3-4685-80DB-21A7405CC474}" type="datetime1">
               <a:rPr lang="de-DE" smtClean="0"/>
-              <a:t>17.05.2013</a:t>
+              <a:t>29.09.2015</a:t>
             </a:fld>
             <a:endParaRPr lang="de-DE" dirty="0"/>
           </a:p>
@@ -2585,7 +2653,7 @@
           <a:p>
             <a:fld id="{F952188C-EBCA-4D72-937B-CA4757EA6AAE}" type="datetime1">
               <a:rPr lang="de-DE" smtClean="0"/>
-              <a:t>17.05.2013</a:t>
+              <a:t>29.09.2015</a:t>
             </a:fld>
             <a:endParaRPr lang="de-DE" dirty="0"/>
           </a:p>
@@ -2782,7 +2850,7 @@
           <a:p>
             <a:fld id="{384E3EA2-7308-44C6-8772-FC663B756875}" type="datetime1">
               <a:rPr lang="de-DE" smtClean="0"/>
-              <a:t>17.05.2013</a:t>
+              <a:t>29.09.2015</a:t>
             </a:fld>
             <a:endParaRPr lang="de-DE" dirty="0"/>
           </a:p>
@@ -3724,7 +3792,7 @@
           <a:p>
             <a:fld id="{F76A15A3-68D8-41AF-8B47-D9651D8EA3AA}" type="datetime1">
               <a:rPr lang="de-DE" smtClean="0"/>
-              <a:t>17.05.2013</a:t>
+              <a:t>29.09.2015</a:t>
             </a:fld>
             <a:endParaRPr lang="de-DE" dirty="0"/>
           </a:p>
@@ -3901,7 +3969,7 @@
           <a:p>
             <a:fld id="{6CF59BC6-DC10-477A-A04D-9BAA99F49B8B}" type="datetime1">
               <a:rPr lang="de-DE" smtClean="0"/>
-              <a:t>17.05.2013</a:t>
+              <a:t>29.09.2015</a:t>
             </a:fld>
             <a:endParaRPr lang="de-DE" dirty="0"/>
           </a:p>
@@ -4106,7 +4174,7 @@
           <a:p>
             <a:fld id="{0055C5F6-2756-4509-8497-2CE83A7B4FD5}" type="datetime1">
               <a:rPr lang="de-DE" smtClean="0"/>
-              <a:t>17.05.2013</a:t>
+              <a:t>29.09.2015</a:t>
             </a:fld>
             <a:endParaRPr lang="de-DE" dirty="0"/>
           </a:p>
@@ -4278,7 +4346,7 @@
           <a:p>
             <a:fld id="{2AC1F88E-FC1E-4ED7-AFB2-FE76D16796DD}" type="datetime1">
               <a:rPr lang="de-DE" smtClean="0"/>
-              <a:t>17.05.2013</a:t>
+              <a:t>29.09.2015</a:t>
             </a:fld>
             <a:endParaRPr lang="de-DE" dirty="0"/>
           </a:p>
@@ -4499,7 +4567,7 @@
           <a:p>
             <a:fld id="{D9B6279E-53A7-4656-A7B5-9E7B07E8FB4E}" type="datetime1">
               <a:rPr lang="de-DE" smtClean="0"/>
-              <a:t>17.05.2013</a:t>
+              <a:t>29.09.2015</a:t>
             </a:fld>
             <a:endParaRPr lang="de-DE" dirty="0"/>
           </a:p>
@@ -4697,7 +4765,7 @@
           <a:p>
             <a:fld id="{0D46D78C-2856-4360-9378-5B7FEF775369}" type="datetime1">
               <a:rPr lang="de-DE" smtClean="0"/>
-              <a:t>17.05.2013</a:t>
+              <a:t>29.09.2015</a:t>
             </a:fld>
             <a:endParaRPr lang="de-DE" dirty="0"/>
           </a:p>
@@ -5964,7 +6032,7 @@
           <a:p>
             <a:fld id="{F66E7E07-E70F-4035-B745-10D58F9E4EE1}" type="datetime1">
               <a:rPr lang="de-DE" smtClean="0"/>
-              <a:t>17.05.2013</a:t>
+              <a:t>29.09.2015</a:t>
             </a:fld>
             <a:endParaRPr lang="de-DE" dirty="0"/>
           </a:p>
@@ -6952,7 +7020,7 @@
           <a:p>
             <a:fld id="{EB6BB14C-1D29-49F4-A361-4DFE3CDB639E}" type="datetime1">
               <a:rPr lang="de-DE" smtClean="0"/>
-              <a:t>17.05.2013</a:t>
+              <a:t>29.09.2015</a:t>
             </a:fld>
             <a:endParaRPr lang="de-DE" dirty="0"/>
           </a:p>
@@ -7523,7 +7591,7 @@
           <a:p>
             <a:fld id="{D9400105-BE21-46EA-969D-5905279EBF9A}" type="datetime1">
               <a:rPr lang="de-DE" smtClean="0"/>
-              <a:t>17.05.2013</a:t>
+              <a:t>29.09.2015</a:t>
             </a:fld>
             <a:endParaRPr lang="de-DE" dirty="0"/>
           </a:p>
@@ -9014,7 +9082,7 @@
           <a:p>
             <a:fld id="{B36B3D74-888B-4579-8ECA-F79ED67C9FED}" type="datetime1">
               <a:rPr lang="de-DE" smtClean="0"/>
-              <a:t>17.05.2013</a:t>
+              <a:t>29.09.2015</a:t>
             </a:fld>
             <a:endParaRPr lang="de-DE" dirty="0"/>
           </a:p>
@@ -10770,7 +10838,7 @@
           <a:p>
             <a:fld id="{CCA4CB57-E79D-442B-B4A3-2B58392E5AB2}" type="datetime1">
               <a:rPr lang="de-DE" smtClean="0"/>
-              <a:t>17.05.2013</a:t>
+              <a:t>29.09.2015</a:t>
             </a:fld>
             <a:endParaRPr lang="de-DE" dirty="0"/>
           </a:p>
@@ -10856,7 +10924,7 @@
           <a:p>
             <a:fld id="{9813B57C-2DE6-414E-8D11-766986C9CA20}" type="datetime1">
               <a:rPr lang="de-DE" smtClean="0"/>
-              <a:t>17.05.2013</a:t>
+              <a:t>29.09.2015</a:t>
             </a:fld>
             <a:endParaRPr lang="de-DE" dirty="0"/>
           </a:p>
@@ -10974,7 +11042,7 @@
           <a:p>
             <a:fld id="{5F5C0FB0-339F-40BE-880C-9EA7459F27BC}" type="datetime1">
               <a:rPr lang="de-DE" smtClean="0"/>
-              <a:t>17.05.2013</a:t>
+              <a:t>29.09.2015</a:t>
             </a:fld>
             <a:endParaRPr lang="de-DE" dirty="0"/>
           </a:p>
@@ -12435,7 +12503,7 @@
           <a:p>
             <a:fld id="{C96F69F2-750A-429E-ABBF-76BA201674AD}" type="datetime1">
               <a:rPr lang="de-DE" smtClean="0"/>
-              <a:t>17.05.2013</a:t>
+              <a:t>29.09.2015</a:t>
             </a:fld>
             <a:endParaRPr lang="de-DE" dirty="0"/>
           </a:p>
@@ -12946,7 +13014,7 @@
           <a:p>
             <a:fld id="{68987C90-B923-4191-B0D9-0568E390164D}" type="datetime1">
               <a:rPr lang="de-DE" smtClean="0"/>
-              <a:t>17.05.2013</a:t>
+              <a:t>29.09.2015</a:t>
             </a:fld>
             <a:endParaRPr lang="de-DE" dirty="0"/>
           </a:p>
@@ -14796,7 +14864,7 @@
           <a:p>
             <a:fld id="{E1EC32EC-6798-4261-9F39-1F10CA615DFD}" type="datetime1">
               <a:rPr lang="de-DE" smtClean="0"/>
-              <a:t>17.05.2013</a:t>
+              <a:t>29.09.2015</a:t>
             </a:fld>
             <a:endParaRPr lang="de-DE" dirty="0"/>
           </a:p>
@@ -15042,7 +15110,7 @@
           <a:p>
             <a:fld id="{4529B754-6C8F-4348-91D2-15F67ED7C4CB}" type="datetime1">
               <a:rPr lang="de-DE" smtClean="0"/>
-              <a:t>17.05.2013</a:t>
+              <a:t>29.09.2015</a:t>
             </a:fld>
             <a:endParaRPr lang="de-DE" dirty="0"/>
           </a:p>
@@ -15156,7 +15224,7 @@
           <a:p>
             <a:fld id="{E4C96B47-D7B5-4409-80EB-8AA6453332F6}" type="datetime1">
               <a:rPr lang="de-DE" smtClean="0"/>
-              <a:t>17.05.2013</a:t>
+              <a:t>29.09.2015</a:t>
             </a:fld>
             <a:endParaRPr lang="de-DE" dirty="0"/>
           </a:p>
@@ -15274,7 +15342,7 @@
           <a:p>
             <a:fld id="{4A971074-7BEB-4DE3-A886-31C6D1C9479E}" type="datetime1">
               <a:rPr lang="de-DE" smtClean="0"/>
-              <a:t>17.05.2013</a:t>
+              <a:t>29.09.2015</a:t>
             </a:fld>
             <a:endParaRPr lang="de-DE" dirty="0"/>
           </a:p>
@@ -16629,7 +16697,7 @@
           <a:p>
             <a:fld id="{17BB9D9A-B13E-4F41-9F92-1893A8107F79}" type="datetime1">
               <a:rPr lang="de-DE" smtClean="0"/>
-              <a:t>17.05.2013</a:t>
+              <a:t>29.09.2015</a:t>
             </a:fld>
             <a:endParaRPr lang="de-DE" dirty="0"/>
           </a:p>
@@ -17444,7 +17512,7 @@
           <a:p>
             <a:fld id="{FA1F0271-FCD7-4109-BE3D-9D2DAC73F2CD}" type="datetime1">
               <a:rPr lang="de-DE" smtClean="0"/>
-              <a:t>17.05.2013</a:t>
+              <a:t>29.09.2015</a:t>
             </a:fld>
             <a:endParaRPr lang="de-DE" dirty="0"/>
           </a:p>
@@ -17671,7 +17739,7 @@
           <a:p>
             <a:fld id="{8033201C-D849-4CE0-BD96-63A63FFE0823}" type="datetime1">
               <a:rPr lang="de-DE" smtClean="0"/>
-              <a:t>17.05.2013</a:t>
+              <a:t>29.09.2015</a:t>
             </a:fld>
             <a:endParaRPr lang="de-DE" dirty="0"/>
           </a:p>
@@ -18524,7 +18592,7 @@
           <a:p>
             <a:fld id="{E16227B1-C789-406C-91A6-49BE17F0B9D5}" type="datetime1">
               <a:rPr lang="de-DE" smtClean="0"/>
-              <a:t>17.05.2013</a:t>
+              <a:t>29.09.2015</a:t>
             </a:fld>
             <a:endParaRPr lang="de-DE" dirty="0"/>
           </a:p>
@@ -19353,7 +19421,7 @@
           <a:p>
             <a:fld id="{54C32C53-F044-456F-B098-438808C47C81}" type="datetime1">
               <a:rPr lang="de-DE" smtClean="0"/>
-              <a:t>17.05.2013</a:t>
+              <a:t>29.09.2015</a:t>
             </a:fld>
             <a:endParaRPr lang="de-DE" dirty="0"/>
           </a:p>
@@ -20283,7 +20351,7 @@
           <a:p>
             <a:fld id="{823718DD-6E1E-4F1C-9BE7-F5F53EC80F97}" type="datetime1">
               <a:rPr lang="de-DE" smtClean="0"/>
-              <a:t>17.05.2013</a:t>
+              <a:t>29.09.2015</a:t>
             </a:fld>
             <a:endParaRPr lang="de-DE" dirty="0"/>
           </a:p>
@@ -20462,7 +20530,19 @@
             </a:r>
             <a:r>
               <a:rPr lang="de-DE" dirty="0"/>
-              <a:t> und CVS als KM-Werkzeug gewährleistet</a:t>
+              <a:t> und </a:t>
+            </a:r>
+            <a:r>
+              <a:rPr lang="de-DE" dirty="0" smtClean="0"/>
+              <a:t>eines Versionskontrollsystems wie GIT, </a:t>
+            </a:r>
+            <a:r>
+              <a:rPr lang="de-DE" smtClean="0"/>
+              <a:t>SVN oder CVS </a:t>
+            </a:r>
+            <a:r>
+              <a:rPr lang="de-DE" dirty="0"/>
+              <a:t>gewährleistet</a:t>
             </a:r>
             <a:r>
               <a:rPr lang="de-DE" dirty="0" smtClean="0"/>
@@ -20504,7 +20584,7 @@
           <a:p>
             <a:fld id="{7263D893-EFD3-4F2C-9670-2F3C3097F8D3}" type="datetime1">
               <a:rPr lang="de-DE" smtClean="0"/>
-              <a:t>17.05.2013</a:t>
+              <a:t>29.09.2015</a:t>
             </a:fld>
             <a:endParaRPr lang="de-DE" dirty="0"/>
           </a:p>
@@ -22324,7 +22404,7 @@
           <a:p>
             <a:fld id="{237DD65C-2085-4AC0-9278-7C919D64BFA2}" type="datetime1">
               <a:rPr lang="de-DE" smtClean="0"/>
-              <a:t>17.05.2013</a:t>
+              <a:t>29.09.2015</a:t>
             </a:fld>
             <a:endParaRPr lang="de-DE" dirty="0"/>
           </a:p>
@@ -24367,7 +24447,7 @@
           <a:p>
             <a:fld id="{D5652802-49E7-4967-8395-501233EBD476}" type="datetime1">
               <a:rPr lang="de-DE" smtClean="0"/>
-              <a:t>17.05.2013</a:t>
+              <a:t>29.09.2015</a:t>
             </a:fld>
             <a:endParaRPr lang="de-DE" dirty="0"/>
           </a:p>
@@ -24526,7 +24606,7 @@
           <a:p>
             <a:fld id="{33690158-2B12-4CC9-AAD4-24DD5053DF58}" type="datetime1">
               <a:rPr lang="de-DE" smtClean="0"/>
-              <a:t>17.05.2013</a:t>
+              <a:t>29.09.2015</a:t>
             </a:fld>
             <a:endParaRPr lang="de-DE" dirty="0"/>
           </a:p>
@@ -24644,7 +24724,7 @@
           <a:p>
             <a:fld id="{7C2A4CE9-7791-47B0-9846-3C9F3E1A063A}" type="datetime1">
               <a:rPr lang="de-DE" smtClean="0"/>
-              <a:t>17.05.2013</a:t>
+              <a:t>29.09.2015</a:t>
             </a:fld>
             <a:endParaRPr lang="de-DE" dirty="0"/>
           </a:p>
@@ -26079,7 +26159,7 @@
           <a:p>
             <a:fld id="{0BCA1907-1B92-4086-A66F-C28B40A92E30}" type="datetime1">
               <a:rPr lang="de-DE" smtClean="0"/>
-              <a:t>17.05.2013</a:t>
+              <a:t>29.09.2015</a:t>
             </a:fld>
             <a:endParaRPr lang="de-DE" dirty="0"/>
           </a:p>
@@ -27618,7 +27698,7 @@
           <a:p>
             <a:fld id="{85F3A94C-995C-45AE-A346-609B595FC8F8}" type="datetime1">
               <a:rPr lang="de-DE" smtClean="0"/>
-              <a:t>17.05.2013</a:t>
+              <a:t>29.09.2015</a:t>
             </a:fld>
             <a:endParaRPr lang="de-DE" dirty="0"/>
           </a:p>
@@ -28984,7 +29064,7 @@
           <a:p>
             <a:fld id="{D28729F1-0C7C-445A-96B0-F0B4CA84AA04}" type="datetime1">
               <a:rPr lang="de-DE" smtClean="0"/>
-              <a:t>17.05.2013</a:t>
+              <a:t>29.09.2015</a:t>
             </a:fld>
             <a:endParaRPr lang="de-DE" dirty="0"/>
           </a:p>
@@ -30953,7 +31033,7 @@
           <a:p>
             <a:fld id="{323E3525-FFBB-4874-957A-FF8E287515E5}" type="datetime1">
               <a:rPr lang="de-DE" smtClean="0"/>
-              <a:t>17.05.2013</a:t>
+              <a:t>29.09.2015</a:t>
             </a:fld>
             <a:endParaRPr lang="de-DE" dirty="0"/>
           </a:p>
@@ -31212,7 +31292,7 @@
           <a:p>
             <a:fld id="{D8F6D534-1AB6-42A3-9B02-3A9CBF1D4773}" type="datetime1">
               <a:rPr lang="de-DE" smtClean="0"/>
-              <a:t>17.05.2013</a:t>
+              <a:t>29.09.2015</a:t>
             </a:fld>
             <a:endParaRPr lang="de-DE" dirty="0"/>
           </a:p>
@@ -31326,7 +31406,7 @@
           <a:p>
             <a:fld id="{CA1337F5-84F1-4ED4-BFAA-1B2DE980E53C}" type="datetime1">
               <a:rPr lang="de-DE" smtClean="0"/>
-              <a:t>17.05.2013</a:t>
+              <a:t>29.09.2015</a:t>
             </a:fld>
             <a:endParaRPr lang="de-DE" dirty="0"/>
           </a:p>
@@ -31444,7 +31524,7 @@
           <a:p>
             <a:fld id="{E3D384F5-27EE-4D4F-B33B-A45D12B9A2D9}" type="datetime1">
               <a:rPr lang="de-DE" smtClean="0"/>
-              <a:t>17.05.2013</a:t>
+              <a:t>29.09.2015</a:t>
             </a:fld>
             <a:endParaRPr lang="de-DE" dirty="0"/>
           </a:p>
@@ -32733,7 +32813,7 @@
           <a:p>
             <a:fld id="{CDE83168-DACE-49D4-BBFA-A5E200368A63}" type="datetime1">
               <a:rPr lang="de-DE" smtClean="0"/>
-              <a:t>17.05.2013</a:t>
+              <a:t>29.09.2015</a:t>
             </a:fld>
             <a:endParaRPr lang="de-DE" dirty="0"/>
           </a:p>
@@ -32840,7 +32920,7 @@
           <a:p>
             <a:fld id="{C97DC1A3-9196-4992-A528-4098D816F7DC}" type="datetime1">
               <a:rPr lang="de-DE" smtClean="0"/>
-              <a:t>17.05.2013</a:t>
+              <a:t>29.09.2015</a:t>
             </a:fld>
             <a:endParaRPr lang="de-DE" dirty="0"/>
           </a:p>
@@ -33128,7 +33208,7 @@
           <a:p>
             <a:fld id="{3660FDF8-55CD-48E8-84AE-7FE249D0C181}" type="datetime1">
               <a:rPr lang="de-DE" smtClean="0"/>
-              <a:t>17.05.2013</a:t>
+              <a:t>29.09.2015</a:t>
             </a:fld>
             <a:endParaRPr lang="de-DE" dirty="0"/>
           </a:p>
@@ -33242,7 +33322,7 @@
           <a:p>
             <a:fld id="{70C6534D-5BA8-4A0F-B024-A0E05CBCA114}" type="datetime1">
               <a:rPr lang="de-DE" smtClean="0"/>
-              <a:t>17.05.2013</a:t>
+              <a:t>29.09.2015</a:t>
             </a:fld>
             <a:endParaRPr lang="de-DE" dirty="0"/>
           </a:p>
@@ -33360,7 +33440,7 @@
           <a:p>
             <a:fld id="{CDF3D59D-23D3-4454-99A5-E4948CEC8A1D}" type="datetime1">
               <a:rPr lang="de-DE" smtClean="0"/>
-              <a:t>17.05.2013</a:t>
+              <a:t>29.09.2015</a:t>
             </a:fld>
             <a:endParaRPr lang="de-DE" dirty="0"/>
           </a:p>
@@ -36067,7 +36147,7 @@
           <a:p>
             <a:fld id="{31C207BA-F90D-4F81-A0C1-4401488FFC46}" type="datetime1">
               <a:rPr lang="de-DE" smtClean="0"/>
-              <a:t>17.05.2013</a:t>
+              <a:t>29.09.2015</a:t>
             </a:fld>
             <a:endParaRPr lang="de-DE" dirty="0"/>
           </a:p>
@@ -38491,7 +38571,7 @@
           <a:p>
             <a:fld id="{C98A80CF-9460-4B5F-B0DA-7A8B739753CF}" type="datetime1">
               <a:rPr lang="de-DE" smtClean="0"/>
-              <a:t>17.05.2013</a:t>
+              <a:t>29.09.2015</a:t>
             </a:fld>
             <a:endParaRPr lang="de-DE" dirty="0"/>
           </a:p>
@@ -38687,7 +38767,7 @@
           <a:p>
             <a:fld id="{28240372-C596-4DC1-8B18-DD426E74B0A3}" type="datetime1">
               <a:rPr lang="de-DE" smtClean="0"/>
-              <a:t>17.05.2013</a:t>
+              <a:t>29.09.2015</a:t>
             </a:fld>
             <a:endParaRPr lang="de-DE" dirty="0"/>
           </a:p>
